--- a/presentations/class-2/Class 2.1_ Functions.pptx
+++ b/presentations/class-2/Class 2.1_ Functions.pptx
@@ -1,27 +1,27 @@
 
 <file path=ppt/presentation.xml><?xml version="1.0" encoding="utf-8"?>
-<p:presentation xmlns:a="http://schemas.openxmlformats.org/drawingml/2006/main" xmlns:r="http://schemas.openxmlformats.org/officeDocument/2006/relationships" xmlns:mc="http://schemas.openxmlformats.org/markup-compatibility/2006" xmlns:mv="urn:schemas-microsoft-com:mac:vml" xmlns:p="http://schemas.openxmlformats.org/presentationml/2006/main" xmlns:c="http://schemas.openxmlformats.org/drawingml/2006/chart" xmlns:dgm="http://schemas.openxmlformats.org/drawingml/2006/diagram" xmlns:o="urn:schemas-microsoft-com:office:office" xmlns:v="urn:schemas-microsoft-com:vml" xmlns:pvml="urn:schemas-microsoft-com:office:powerpoint" xmlns:com="http://schemas.openxmlformats.org/drawingml/2006/compatibility" xmlns:p14="http://schemas.microsoft.com/office/powerpoint/2010/main" saveSubsetFonts="1" autoCompressPictures="0" strictFirstAndLastChars="0">
+<p:presentation xmlns:a="http://schemas.openxmlformats.org/drawingml/2006/main" xmlns:r="http://schemas.openxmlformats.org/officeDocument/2006/relationships" xmlns:p="http://schemas.openxmlformats.org/presentationml/2006/main" strictFirstAndLastChars="0" saveSubsetFonts="1" autoCompressPictures="0">
   <p:sldMasterIdLst>
-    <p:sldMasterId id="2147483654" r:id="rId4"/>
+    <p:sldMasterId id="2147483654" r:id="rId1"/>
   </p:sldMasterIdLst>
   <p:notesMasterIdLst>
-    <p:notesMasterId r:id="rId5"/>
+    <p:notesMasterId r:id="rId11"/>
   </p:notesMasterIdLst>
   <p:sldIdLst>
-    <p:sldId id="256" r:id="rId6"/>
-    <p:sldId id="257" r:id="rId7"/>
-    <p:sldId id="258" r:id="rId8"/>
-    <p:sldId id="259" r:id="rId9"/>
-    <p:sldId id="260" r:id="rId10"/>
-    <p:sldId id="261" r:id="rId11"/>
-    <p:sldId id="262" r:id="rId12"/>
-    <p:sldId id="263" r:id="rId13"/>
-    <p:sldId id="264" r:id="rId14"/>
+    <p:sldId id="256" r:id="rId2"/>
+    <p:sldId id="257" r:id="rId3"/>
+    <p:sldId id="258" r:id="rId4"/>
+    <p:sldId id="259" r:id="rId5"/>
+    <p:sldId id="260" r:id="rId6"/>
+    <p:sldId id="261" r:id="rId7"/>
+    <p:sldId id="262" r:id="rId8"/>
+    <p:sldId id="263" r:id="rId9"/>
+    <p:sldId id="264" r:id="rId10"/>
   </p:sldIdLst>
-  <p:sldSz cy="5143500" cx="9144000"/>
-  <p:notesSz cy="9144000" cx="6858000"/>
+  <p:sldSz cx="9144000" cy="5143500" type="screen16x9"/>
+  <p:notesSz cx="6858000" cy="9144000"/>
   <p:defaultTextStyle>
-    <a:defPPr algn="l" rtl="0" marR="0">
+    <a:defPPr marR="0" algn="l" rtl="0">
       <a:lnSpc>
         <a:spcPct val="100000"/>
       </a:lnSpc>
@@ -32,7 +32,7 @@
         <a:spcPts val="0"/>
       </a:spcAft>
     </a:defPPr>
-    <a:lvl1pPr algn="l" rtl="0" marR="0">
+    <a:lvl1pPr marR="0" algn="l" rtl="0">
       <a:lnSpc>
         <a:spcPct val="100000"/>
       </a:lnSpc>
@@ -43,7 +43,7 @@
         <a:spcPts val="0"/>
       </a:spcAft>
       <a:buNone/>
-      <a:defRPr strike="noStrike" u="none" b="0" cap="none" baseline="0" sz="1400" i="0">
+      <a:defRPr sz="1400" b="0" i="0" u="none" strike="noStrike" cap="none" baseline="0">
         <a:solidFill>
           <a:srgbClr val="000000"/>
         </a:solidFill>
@@ -54,7 +54,7 @@
         <a:rtl val="0"/>
       </a:defRPr>
     </a:lvl1pPr>
-    <a:lvl2pPr algn="l" rtl="0" marR="0">
+    <a:lvl2pPr marR="0" algn="l" rtl="0">
       <a:lnSpc>
         <a:spcPct val="100000"/>
       </a:lnSpc>
@@ -65,7 +65,7 @@
         <a:spcPts val="0"/>
       </a:spcAft>
       <a:buNone/>
-      <a:defRPr strike="noStrike" u="none" b="0" cap="none" baseline="0" sz="1400" i="0">
+      <a:defRPr sz="1400" b="0" i="0" u="none" strike="noStrike" cap="none" baseline="0">
         <a:solidFill>
           <a:srgbClr val="000000"/>
         </a:solidFill>
@@ -76,7 +76,7 @@
         <a:rtl val="0"/>
       </a:defRPr>
     </a:lvl2pPr>
-    <a:lvl3pPr algn="l" rtl="0" marR="0">
+    <a:lvl3pPr marR="0" algn="l" rtl="0">
       <a:lnSpc>
         <a:spcPct val="100000"/>
       </a:lnSpc>
@@ -87,7 +87,7 @@
         <a:spcPts val="0"/>
       </a:spcAft>
       <a:buNone/>
-      <a:defRPr strike="noStrike" u="none" b="0" cap="none" baseline="0" sz="1400" i="0">
+      <a:defRPr sz="1400" b="0" i="0" u="none" strike="noStrike" cap="none" baseline="0">
         <a:solidFill>
           <a:srgbClr val="000000"/>
         </a:solidFill>
@@ -98,7 +98,7 @@
         <a:rtl val="0"/>
       </a:defRPr>
     </a:lvl3pPr>
-    <a:lvl4pPr algn="l" rtl="0" marR="0">
+    <a:lvl4pPr marR="0" algn="l" rtl="0">
       <a:lnSpc>
         <a:spcPct val="100000"/>
       </a:lnSpc>
@@ -109,7 +109,7 @@
         <a:spcPts val="0"/>
       </a:spcAft>
       <a:buNone/>
-      <a:defRPr strike="noStrike" u="none" b="0" cap="none" baseline="0" sz="1400" i="0">
+      <a:defRPr sz="1400" b="0" i="0" u="none" strike="noStrike" cap="none" baseline="0">
         <a:solidFill>
           <a:srgbClr val="000000"/>
         </a:solidFill>
@@ -120,7 +120,7 @@
         <a:rtl val="0"/>
       </a:defRPr>
     </a:lvl4pPr>
-    <a:lvl5pPr algn="l" rtl="0" marR="0">
+    <a:lvl5pPr marR="0" algn="l" rtl="0">
       <a:lnSpc>
         <a:spcPct val="100000"/>
       </a:lnSpc>
@@ -131,7 +131,7 @@
         <a:spcPts val="0"/>
       </a:spcAft>
       <a:buNone/>
-      <a:defRPr strike="noStrike" u="none" b="0" cap="none" baseline="0" sz="1400" i="0">
+      <a:defRPr sz="1400" b="0" i="0" u="none" strike="noStrike" cap="none" baseline="0">
         <a:solidFill>
           <a:srgbClr val="000000"/>
         </a:solidFill>
@@ -142,7 +142,7 @@
         <a:rtl val="0"/>
       </a:defRPr>
     </a:lvl5pPr>
-    <a:lvl6pPr algn="l" rtl="0" marR="0">
+    <a:lvl6pPr marR="0" algn="l" rtl="0">
       <a:lnSpc>
         <a:spcPct val="100000"/>
       </a:lnSpc>
@@ -153,7 +153,7 @@
         <a:spcPts val="0"/>
       </a:spcAft>
       <a:buNone/>
-      <a:defRPr strike="noStrike" u="none" b="0" cap="none" baseline="0" sz="1400" i="0">
+      <a:defRPr sz="1400" b="0" i="0" u="none" strike="noStrike" cap="none" baseline="0">
         <a:solidFill>
           <a:srgbClr val="000000"/>
         </a:solidFill>
@@ -164,7 +164,7 @@
         <a:rtl val="0"/>
       </a:defRPr>
     </a:lvl6pPr>
-    <a:lvl7pPr algn="l" rtl="0" marR="0">
+    <a:lvl7pPr marR="0" algn="l" rtl="0">
       <a:lnSpc>
         <a:spcPct val="100000"/>
       </a:lnSpc>
@@ -175,7 +175,7 @@
         <a:spcPts val="0"/>
       </a:spcAft>
       <a:buNone/>
-      <a:defRPr strike="noStrike" u="none" b="0" cap="none" baseline="0" sz="1400" i="0">
+      <a:defRPr sz="1400" b="0" i="0" u="none" strike="noStrike" cap="none" baseline="0">
         <a:solidFill>
           <a:srgbClr val="000000"/>
         </a:solidFill>
@@ -186,7 +186,7 @@
         <a:rtl val="0"/>
       </a:defRPr>
     </a:lvl7pPr>
-    <a:lvl8pPr algn="l" rtl="0" marR="0">
+    <a:lvl8pPr marR="0" algn="l" rtl="0">
       <a:lnSpc>
         <a:spcPct val="100000"/>
       </a:lnSpc>
@@ -197,7 +197,7 @@
         <a:spcPts val="0"/>
       </a:spcAft>
       <a:buNone/>
-      <a:defRPr strike="noStrike" u="none" b="0" cap="none" baseline="0" sz="1400" i="0">
+      <a:defRPr sz="1400" b="0" i="0" u="none" strike="noStrike" cap="none" baseline="0">
         <a:solidFill>
           <a:srgbClr val="000000"/>
         </a:solidFill>
@@ -208,7 +208,7 @@
         <a:rtl val="0"/>
       </a:defRPr>
     </a:lvl8pPr>
-    <a:lvl9pPr algn="l" rtl="0" marR="0">
+    <a:lvl9pPr marR="0" algn="l" rtl="0">
       <a:lnSpc>
         <a:spcPct val="100000"/>
       </a:lnSpc>
@@ -219,7 +219,7 @@
         <a:spcPts val="0"/>
       </a:spcAft>
       <a:buNone/>
-      <a:defRPr strike="noStrike" u="none" b="0" cap="none" baseline="0" sz="1400" i="0">
+      <a:defRPr sz="1400" b="0" i="0" u="none" strike="noStrike" cap="none" baseline="0">
         <a:solidFill>
           <a:srgbClr val="000000"/>
         </a:solidFill>
@@ -235,8 +235,13 @@
 </file>
 
 <file path=ppt/notesMasters/notesMaster1.xml><?xml version="1.0" encoding="utf-8"?>
-<p:notesMaster xmlns:a="http://schemas.openxmlformats.org/drawingml/2006/main" xmlns:r="http://schemas.openxmlformats.org/officeDocument/2006/relationships" xmlns:mc="http://schemas.openxmlformats.org/markup-compatibility/2006" xmlns:mv="urn:schemas-microsoft-com:mac:vml" xmlns:p="http://schemas.openxmlformats.org/presentationml/2006/main" xmlns:c="http://schemas.openxmlformats.org/drawingml/2006/chart" xmlns:dgm="http://schemas.openxmlformats.org/drawingml/2006/diagram" xmlns:o="urn:schemas-microsoft-com:office:office" xmlns:v="urn:schemas-microsoft-com:vml" xmlns:pvml="urn:schemas-microsoft-com:office:powerpoint" xmlns:com="http://schemas.openxmlformats.org/drawingml/2006/compatibility" xmlns:p14="http://schemas.microsoft.com/office/powerpoint/2010/main">
+<p:notesMaster xmlns:a="http://schemas.openxmlformats.org/drawingml/2006/main" xmlns:r="http://schemas.openxmlformats.org/officeDocument/2006/relationships" xmlns:p="http://schemas.openxmlformats.org/presentationml/2006/main">
   <p:cSld>
+    <p:bg>
+      <p:bgRef idx="1001">
+        <a:schemeClr val="bg1"/>
+      </p:bgRef>
+    </p:bg>
     <p:spTree>
       <p:nvGrpSpPr>
         <p:cNvPr id="1" name="Shape 1"/>
@@ -245,39 +250,46 @@
       </p:nvGrpSpPr>
       <p:grpSpPr>
         <a:xfrm>
-          <a:off y="0" x="0"/>
-          <a:ext cy="0" cx="0"/>
-          <a:chOff y="0" x="0"/>
-          <a:chExt cy="0" cx="0"/>
+          <a:off x="0" y="0"/>
+          <a:ext cx="0" cy="0"/>
+          <a:chOff x="0" y="0"/>
+          <a:chExt cx="0" cy="0"/>
         </a:xfrm>
       </p:grpSpPr>
       <p:sp>
         <p:nvSpPr>
           <p:cNvPr id="2" name="Shape 2"/>
-          <p:cNvSpPr/>
+          <p:cNvSpPr>
+            <a:spLocks noGrp="1" noRot="1" noChangeAspect="1"/>
+          </p:cNvSpPr>
           <p:nvPr>
-            <p:ph idx="2" type="sldImg"/>
+            <p:ph type="sldImg" idx="2"/>
           </p:nvPr>
         </p:nvSpPr>
         <p:spPr>
           <a:xfrm>
-            <a:off y="685800" x="381187"/>
-            <a:ext cy="3429000" cx="6096299"/>
+            <a:off x="381187" y="685800"/>
+            <a:ext cx="6096299" cy="3429000"/>
           </a:xfrm>
           <a:custGeom>
+            <a:avLst/>
+            <a:gdLst/>
+            <a:ahLst/>
+            <a:cxnLst/>
+            <a:rect l="0" t="0" r="0" b="0"/>
             <a:pathLst>
-              <a:path w="120000" extrusionOk="0" h="120000">
+              <a:path w="120000" h="120000" extrusionOk="0">
                 <a:moveTo>
-                  <a:pt y="0" x="0"/>
+                  <a:pt x="0" y="0"/>
                 </a:moveTo>
                 <a:lnTo>
-                  <a:pt y="0" x="120000"/>
+                  <a:pt x="120000" y="0"/>
                 </a:lnTo>
                 <a:lnTo>
-                  <a:pt y="120000" x="120000"/>
+                  <a:pt x="120000" y="120000"/>
                 </a:lnTo>
                 <a:lnTo>
-                  <a:pt y="120000" x="0"/>
+                  <a:pt x="0" y="120000"/>
                 </a:lnTo>
                 <a:close/>
               </a:path>
@@ -290,23 +302,25 @@
             </a:solidFill>
             <a:prstDash val="solid"/>
             <a:round/>
-            <a:headEnd w="med" len="med" type="none"/>
-            <a:tailEnd w="med" len="med" type="none"/>
+            <a:headEnd type="none" w="med" len="med"/>
+            <a:tailEnd type="none" w="med" len="med"/>
           </a:ln>
         </p:spPr>
       </p:sp>
       <p:sp>
         <p:nvSpPr>
           <p:cNvPr id="3" name="Shape 3"/>
-          <p:cNvSpPr txBox="1"/>
+          <p:cNvSpPr txBox="1">
+            <a:spLocks noGrp="1"/>
+          </p:cNvSpPr>
           <p:nvPr>
-            <p:ph idx="1" type="body"/>
+            <p:ph type="body" idx="1"/>
           </p:nvPr>
         </p:nvSpPr>
         <p:spPr>
           <a:xfrm>
-            <a:off y="4343400" x="685800"/>
-            <a:ext cy="4114800" cx="5486399"/>
+            <a:off x="685800" y="4343400"/>
+            <a:ext cx="5486399" cy="4114800"/>
           </a:xfrm>
           <a:prstGeom prst="rect">
             <a:avLst/>
@@ -317,7 +331,7 @@
           </a:ln>
         </p:spPr>
         <p:txBody>
-          <a:bodyPr bIns="91425" rIns="91425" lIns="91425" tIns="91425" anchor="t" anchorCtr="0"/>
+          <a:bodyPr lIns="91425" tIns="91425" rIns="91425" bIns="91425" anchor="t" anchorCtr="0"/>
           <a:lstStyle>
             <a:lvl1pPr>
               <a:spcBef>
@@ -374,59 +388,165 @@
               <a:defRPr sz="1100"/>
             </a:lvl9pPr>
           </a:lstStyle>
-          <a:p/>
+          <a:p>
+            <a:endParaRPr/>
+          </a:p>
         </p:txBody>
       </p:sp>
     </p:spTree>
+    <p:extLst>
+      <p:ext uri="{BB962C8B-B14F-4D97-AF65-F5344CB8AC3E}">
+        <p14:creationId xmlns:p14="http://schemas.microsoft.com/office/powerpoint/2010/main" val="4115898063"/>
+      </p:ext>
+    </p:extLst>
   </p:cSld>
-  <p:clrMap accent2="accent2" accent3="accent3" accent4="accent4" accent5="accent5" accent6="accent6" hlink="hlink" tx2="lt2" tx1="dk1" bg2="dk2" bg1="lt1" folHlink="folHlink" accent1="accent1"/>
+  <p:clrMap bg1="lt1" tx1="dk1" bg2="dk2" tx2="lt2" accent1="accent1" accent2="accent2" accent3="accent3" accent4="accent4" accent5="accent5" accent6="accent6" hlink="hlink" folHlink="folHlink"/>
+  <p:notesStyle>
+    <a:lvl1pPr marL="0" algn="l" defTabSz="457200" rtl="0" eaLnBrk="1" latinLnBrk="0" hangingPunct="1">
+      <a:defRPr sz="1200" kern="1200">
+        <a:solidFill>
+          <a:schemeClr val="tx1"/>
+        </a:solidFill>
+        <a:latin typeface="+mn-lt"/>
+        <a:ea typeface="+mn-ea"/>
+        <a:cs typeface="+mn-cs"/>
+      </a:defRPr>
+    </a:lvl1pPr>
+    <a:lvl2pPr marL="457200" algn="l" defTabSz="457200" rtl="0" eaLnBrk="1" latinLnBrk="0" hangingPunct="1">
+      <a:defRPr sz="1200" kern="1200">
+        <a:solidFill>
+          <a:schemeClr val="tx1"/>
+        </a:solidFill>
+        <a:latin typeface="+mn-lt"/>
+        <a:ea typeface="+mn-ea"/>
+        <a:cs typeface="+mn-cs"/>
+      </a:defRPr>
+    </a:lvl2pPr>
+    <a:lvl3pPr marL="914400" algn="l" defTabSz="457200" rtl="0" eaLnBrk="1" latinLnBrk="0" hangingPunct="1">
+      <a:defRPr sz="1200" kern="1200">
+        <a:solidFill>
+          <a:schemeClr val="tx1"/>
+        </a:solidFill>
+        <a:latin typeface="+mn-lt"/>
+        <a:ea typeface="+mn-ea"/>
+        <a:cs typeface="+mn-cs"/>
+      </a:defRPr>
+    </a:lvl3pPr>
+    <a:lvl4pPr marL="1371600" algn="l" defTabSz="457200" rtl="0" eaLnBrk="1" latinLnBrk="0" hangingPunct="1">
+      <a:defRPr sz="1200" kern="1200">
+        <a:solidFill>
+          <a:schemeClr val="tx1"/>
+        </a:solidFill>
+        <a:latin typeface="+mn-lt"/>
+        <a:ea typeface="+mn-ea"/>
+        <a:cs typeface="+mn-cs"/>
+      </a:defRPr>
+    </a:lvl4pPr>
+    <a:lvl5pPr marL="1828800" algn="l" defTabSz="457200" rtl="0" eaLnBrk="1" latinLnBrk="0" hangingPunct="1">
+      <a:defRPr sz="1200" kern="1200">
+        <a:solidFill>
+          <a:schemeClr val="tx1"/>
+        </a:solidFill>
+        <a:latin typeface="+mn-lt"/>
+        <a:ea typeface="+mn-ea"/>
+        <a:cs typeface="+mn-cs"/>
+      </a:defRPr>
+    </a:lvl5pPr>
+    <a:lvl6pPr marL="2286000" algn="l" defTabSz="457200" rtl="0" eaLnBrk="1" latinLnBrk="0" hangingPunct="1">
+      <a:defRPr sz="1200" kern="1200">
+        <a:solidFill>
+          <a:schemeClr val="tx1"/>
+        </a:solidFill>
+        <a:latin typeface="+mn-lt"/>
+        <a:ea typeface="+mn-ea"/>
+        <a:cs typeface="+mn-cs"/>
+      </a:defRPr>
+    </a:lvl6pPr>
+    <a:lvl7pPr marL="2743200" algn="l" defTabSz="457200" rtl="0" eaLnBrk="1" latinLnBrk="0" hangingPunct="1">
+      <a:defRPr sz="1200" kern="1200">
+        <a:solidFill>
+          <a:schemeClr val="tx1"/>
+        </a:solidFill>
+        <a:latin typeface="+mn-lt"/>
+        <a:ea typeface="+mn-ea"/>
+        <a:cs typeface="+mn-cs"/>
+      </a:defRPr>
+    </a:lvl7pPr>
+    <a:lvl8pPr marL="3200400" algn="l" defTabSz="457200" rtl="0" eaLnBrk="1" latinLnBrk="0" hangingPunct="1">
+      <a:defRPr sz="1200" kern="1200">
+        <a:solidFill>
+          <a:schemeClr val="tx1"/>
+        </a:solidFill>
+        <a:latin typeface="+mn-lt"/>
+        <a:ea typeface="+mn-ea"/>
+        <a:cs typeface="+mn-cs"/>
+      </a:defRPr>
+    </a:lvl8pPr>
+    <a:lvl9pPr marL="3657600" algn="l" defTabSz="457200" rtl="0" eaLnBrk="1" latinLnBrk="0" hangingPunct="1">
+      <a:defRPr sz="1200" kern="1200">
+        <a:solidFill>
+          <a:schemeClr val="tx1"/>
+        </a:solidFill>
+        <a:latin typeface="+mn-lt"/>
+        <a:ea typeface="+mn-ea"/>
+        <a:cs typeface="+mn-cs"/>
+      </a:defRPr>
+    </a:lvl9pPr>
+  </p:notesStyle>
 </p:notesMaster>
 </file>
 
 <file path=ppt/notesSlides/notesSlide1.xml><?xml version="1.0" encoding="utf-8"?>
-<p:notes xmlns:a="http://schemas.openxmlformats.org/drawingml/2006/main" xmlns:r="http://schemas.openxmlformats.org/officeDocument/2006/relationships" xmlns:mc="http://schemas.openxmlformats.org/markup-compatibility/2006" xmlns:mv="urn:schemas-microsoft-com:mac:vml" xmlns:p="http://schemas.openxmlformats.org/presentationml/2006/main" xmlns:c="http://schemas.openxmlformats.org/drawingml/2006/chart" xmlns:dgm="http://schemas.openxmlformats.org/drawingml/2006/diagram" xmlns:o="urn:schemas-microsoft-com:office:office" xmlns:v="urn:schemas-microsoft-com:vml" xmlns:pvml="urn:schemas-microsoft-com:office:powerpoint" xmlns:com="http://schemas.openxmlformats.org/drawingml/2006/compatibility" xmlns:p14="http://schemas.microsoft.com/office/powerpoint/2010/main" showMasterSp="0" showMasterPhAnim="0">
+<p:notes xmlns:a="http://schemas.openxmlformats.org/drawingml/2006/main" xmlns:r="http://schemas.openxmlformats.org/officeDocument/2006/relationships" xmlns:p="http://schemas.openxmlformats.org/presentationml/2006/main" showMasterSp="0" showMasterPhAnim="0">
   <p:cSld>
     <p:spTree>
       <p:nvGrpSpPr>
-        <p:cNvPr id="43" name="Shape 43"/>
+        <p:cNvPr id="1" name="Shape 43"/>
         <p:cNvGrpSpPr/>
         <p:nvPr/>
       </p:nvGrpSpPr>
       <p:grpSpPr>
         <a:xfrm>
-          <a:off y="0" x="0"/>
-          <a:ext cy="0" cx="0"/>
-          <a:chOff y="0" x="0"/>
-          <a:chExt cy="0" cx="0"/>
+          <a:off x="0" y="0"/>
+          <a:ext cx="0" cy="0"/>
+          <a:chOff x="0" y="0"/>
+          <a:chExt cx="0" cy="0"/>
         </a:xfrm>
       </p:grpSpPr>
       <p:sp>
         <p:nvSpPr>
           <p:cNvPr id="44" name="Shape 44"/>
-          <p:cNvSpPr/>
+          <p:cNvSpPr>
+            <a:spLocks noGrp="1" noRot="1" noChangeAspect="1"/>
+          </p:cNvSpPr>
           <p:nvPr>
-            <p:ph idx="2" type="sldImg"/>
+            <p:ph type="sldImg" idx="2"/>
           </p:nvPr>
         </p:nvSpPr>
         <p:spPr>
           <a:xfrm>
-            <a:off y="685800" x="381187"/>
-            <a:ext cy="3429000" cx="6096299"/>
+            <a:off x="381187" y="685800"/>
+            <a:ext cx="6096299" cy="3429000"/>
           </a:xfrm>
           <a:custGeom>
+            <a:avLst/>
+            <a:gdLst/>
+            <a:ahLst/>
+            <a:cxnLst/>
+            <a:rect l="0" t="0" r="0" b="0"/>
             <a:pathLst>
-              <a:path w="120000" extrusionOk="0" h="120000">
+              <a:path w="120000" h="120000" extrusionOk="0">
                 <a:moveTo>
-                  <a:pt y="0" x="0"/>
+                  <a:pt x="0" y="0"/>
                 </a:moveTo>
                 <a:lnTo>
-                  <a:pt y="0" x="120000"/>
+                  <a:pt x="120000" y="0"/>
                 </a:lnTo>
                 <a:lnTo>
-                  <a:pt y="120000" x="120000"/>
+                  <a:pt x="120000" y="120000"/>
                 </a:lnTo>
                 <a:lnTo>
-                  <a:pt y="120000" x="0"/>
+                  <a:pt x="0" y="120000"/>
                 </a:lnTo>
                 <a:close/>
               </a:path>
@@ -439,30 +559,32 @@
             </a:solidFill>
             <a:prstDash val="solid"/>
             <a:round/>
-            <a:headEnd w="med" len="med" type="none"/>
-            <a:tailEnd w="med" len="med" type="none"/>
+            <a:headEnd type="none" w="med" len="med"/>
+            <a:tailEnd type="none" w="med" len="med"/>
           </a:ln>
         </p:spPr>
       </p:sp>
       <p:sp>
         <p:nvSpPr>
           <p:cNvPr id="45" name="Shape 45"/>
-          <p:cNvSpPr txBox="1"/>
+          <p:cNvSpPr txBox="1">
+            <a:spLocks noGrp="1"/>
+          </p:cNvSpPr>
           <p:nvPr>
-            <p:ph idx="1" type="body"/>
+            <p:ph type="body" idx="1"/>
           </p:nvPr>
         </p:nvSpPr>
         <p:spPr>
           <a:xfrm>
-            <a:off y="4343400" x="685800"/>
-            <a:ext cy="4114800" cx="5486399"/>
+            <a:off x="685800" y="4343400"/>
+            <a:ext cx="5486399" cy="4114800"/>
           </a:xfrm>
           <a:prstGeom prst="rect">
             <a:avLst/>
           </a:prstGeom>
         </p:spPr>
         <p:txBody>
-          <a:bodyPr bIns="91425" rIns="91425" lIns="91425" tIns="91425" anchor="t" anchorCtr="0">
+          <a:bodyPr lIns="91425" tIns="91425" rIns="91425" bIns="91425" anchor="t" anchorCtr="0">
             <a:noAutofit/>
           </a:bodyPr>
           <a:lstStyle/>
@@ -473,9 +595,6 @@
               </a:spcBef>
               <a:buNone/>
             </a:pPr>
-            <a:r>
-              <a:t/>
-            </a:r>
             <a:endParaRPr/>
           </a:p>
         </p:txBody>
@@ -489,49 +608,56 @@
 </file>
 
 <file path=ppt/notesSlides/notesSlide2.xml><?xml version="1.0" encoding="utf-8"?>
-<p:notes xmlns:a="http://schemas.openxmlformats.org/drawingml/2006/main" xmlns:r="http://schemas.openxmlformats.org/officeDocument/2006/relationships" xmlns:mc="http://schemas.openxmlformats.org/markup-compatibility/2006" xmlns:mv="urn:schemas-microsoft-com:mac:vml" xmlns:p="http://schemas.openxmlformats.org/presentationml/2006/main" xmlns:c="http://schemas.openxmlformats.org/drawingml/2006/chart" xmlns:dgm="http://schemas.openxmlformats.org/drawingml/2006/diagram" xmlns:o="urn:schemas-microsoft-com:office:office" xmlns:v="urn:schemas-microsoft-com:vml" xmlns:pvml="urn:schemas-microsoft-com:office:powerpoint" xmlns:com="http://schemas.openxmlformats.org/drawingml/2006/compatibility" xmlns:p14="http://schemas.microsoft.com/office/powerpoint/2010/main" showMasterSp="0" showMasterPhAnim="0">
+<p:notes xmlns:a="http://schemas.openxmlformats.org/drawingml/2006/main" xmlns:r="http://schemas.openxmlformats.org/officeDocument/2006/relationships" xmlns:p="http://schemas.openxmlformats.org/presentationml/2006/main" showMasterSp="0" showMasterPhAnim="0">
   <p:cSld>
     <p:spTree>
       <p:nvGrpSpPr>
-        <p:cNvPr id="50" name="Shape 50"/>
+        <p:cNvPr id="1" name="Shape 50"/>
         <p:cNvGrpSpPr/>
         <p:nvPr/>
       </p:nvGrpSpPr>
       <p:grpSpPr>
         <a:xfrm>
-          <a:off y="0" x="0"/>
-          <a:ext cy="0" cx="0"/>
-          <a:chOff y="0" x="0"/>
-          <a:chExt cy="0" cx="0"/>
+          <a:off x="0" y="0"/>
+          <a:ext cx="0" cy="0"/>
+          <a:chOff x="0" y="0"/>
+          <a:chExt cx="0" cy="0"/>
         </a:xfrm>
       </p:grpSpPr>
       <p:sp>
         <p:nvSpPr>
           <p:cNvPr id="51" name="Shape 51"/>
-          <p:cNvSpPr/>
+          <p:cNvSpPr>
+            <a:spLocks noGrp="1" noRot="1" noChangeAspect="1"/>
+          </p:cNvSpPr>
           <p:nvPr>
-            <p:ph idx="2" type="sldImg"/>
+            <p:ph type="sldImg" idx="2"/>
           </p:nvPr>
         </p:nvSpPr>
         <p:spPr>
           <a:xfrm>
-            <a:off y="685800" x="381187"/>
-            <a:ext cy="3429000" cx="6096299"/>
+            <a:off x="381187" y="685800"/>
+            <a:ext cx="6096299" cy="3429000"/>
           </a:xfrm>
           <a:custGeom>
+            <a:avLst/>
+            <a:gdLst/>
+            <a:ahLst/>
+            <a:cxnLst/>
+            <a:rect l="0" t="0" r="0" b="0"/>
             <a:pathLst>
-              <a:path w="120000" extrusionOk="0" h="120000">
+              <a:path w="120000" h="120000" extrusionOk="0">
                 <a:moveTo>
-                  <a:pt y="0" x="0"/>
+                  <a:pt x="0" y="0"/>
                 </a:moveTo>
                 <a:lnTo>
-                  <a:pt y="0" x="120000"/>
+                  <a:pt x="120000" y="0"/>
                 </a:lnTo>
                 <a:lnTo>
-                  <a:pt y="120000" x="120000"/>
+                  <a:pt x="120000" y="120000"/>
                 </a:lnTo>
                 <a:lnTo>
-                  <a:pt y="120000" x="0"/>
+                  <a:pt x="0" y="120000"/>
                 </a:lnTo>
                 <a:close/>
               </a:path>
@@ -544,30 +670,32 @@
             </a:solidFill>
             <a:prstDash val="solid"/>
             <a:round/>
-            <a:headEnd w="med" len="med" type="none"/>
-            <a:tailEnd w="med" len="med" type="none"/>
+            <a:headEnd type="none" w="med" len="med"/>
+            <a:tailEnd type="none" w="med" len="med"/>
           </a:ln>
         </p:spPr>
       </p:sp>
       <p:sp>
         <p:nvSpPr>
           <p:cNvPr id="52" name="Shape 52"/>
-          <p:cNvSpPr txBox="1"/>
+          <p:cNvSpPr txBox="1">
+            <a:spLocks noGrp="1"/>
+          </p:cNvSpPr>
           <p:nvPr>
-            <p:ph idx="1" type="body"/>
+            <p:ph type="body" idx="1"/>
           </p:nvPr>
         </p:nvSpPr>
         <p:spPr>
           <a:xfrm>
-            <a:off y="4343400" x="685800"/>
-            <a:ext cy="4114800" cx="5486399"/>
+            <a:off x="685800" y="4343400"/>
+            <a:ext cx="5486399" cy="4114800"/>
           </a:xfrm>
           <a:prstGeom prst="rect">
             <a:avLst/>
           </a:prstGeom>
         </p:spPr>
         <p:txBody>
-          <a:bodyPr bIns="91425" rIns="91425" lIns="91425" tIns="91425" anchor="t" anchorCtr="0">
+          <a:bodyPr lIns="91425" tIns="91425" rIns="91425" bIns="91425" anchor="t" anchorCtr="0">
             <a:noAutofit/>
           </a:bodyPr>
           <a:lstStyle/>
@@ -578,9 +706,6 @@
               </a:spcBef>
               <a:buNone/>
             </a:pPr>
-            <a:r>
-              <a:t/>
-            </a:r>
             <a:endParaRPr/>
           </a:p>
         </p:txBody>
@@ -594,49 +719,56 @@
 </file>
 
 <file path=ppt/notesSlides/notesSlide3.xml><?xml version="1.0" encoding="utf-8"?>
-<p:notes xmlns:a="http://schemas.openxmlformats.org/drawingml/2006/main" xmlns:r="http://schemas.openxmlformats.org/officeDocument/2006/relationships" xmlns:mc="http://schemas.openxmlformats.org/markup-compatibility/2006" xmlns:mv="urn:schemas-microsoft-com:mac:vml" xmlns:p="http://schemas.openxmlformats.org/presentationml/2006/main" xmlns:c="http://schemas.openxmlformats.org/drawingml/2006/chart" xmlns:dgm="http://schemas.openxmlformats.org/drawingml/2006/diagram" xmlns:o="urn:schemas-microsoft-com:office:office" xmlns:v="urn:schemas-microsoft-com:vml" xmlns:pvml="urn:schemas-microsoft-com:office:powerpoint" xmlns:com="http://schemas.openxmlformats.org/drawingml/2006/compatibility" xmlns:p14="http://schemas.microsoft.com/office/powerpoint/2010/main" showMasterSp="0" showMasterPhAnim="0">
+<p:notes xmlns:a="http://schemas.openxmlformats.org/drawingml/2006/main" xmlns:r="http://schemas.openxmlformats.org/officeDocument/2006/relationships" xmlns:p="http://schemas.openxmlformats.org/presentationml/2006/main" showMasterSp="0" showMasterPhAnim="0">
   <p:cSld>
     <p:spTree>
       <p:nvGrpSpPr>
-        <p:cNvPr id="56" name="Shape 56"/>
+        <p:cNvPr id="1" name="Shape 56"/>
         <p:cNvGrpSpPr/>
         <p:nvPr/>
       </p:nvGrpSpPr>
       <p:grpSpPr>
         <a:xfrm>
-          <a:off y="0" x="0"/>
-          <a:ext cy="0" cx="0"/>
-          <a:chOff y="0" x="0"/>
-          <a:chExt cy="0" cx="0"/>
+          <a:off x="0" y="0"/>
+          <a:ext cx="0" cy="0"/>
+          <a:chOff x="0" y="0"/>
+          <a:chExt cx="0" cy="0"/>
         </a:xfrm>
       </p:grpSpPr>
       <p:sp>
         <p:nvSpPr>
           <p:cNvPr id="57" name="Shape 57"/>
-          <p:cNvSpPr/>
+          <p:cNvSpPr>
+            <a:spLocks noGrp="1" noRot="1" noChangeAspect="1"/>
+          </p:cNvSpPr>
           <p:nvPr>
-            <p:ph idx="2" type="sldImg"/>
+            <p:ph type="sldImg" idx="2"/>
           </p:nvPr>
         </p:nvSpPr>
         <p:spPr>
           <a:xfrm>
-            <a:off y="685800" x="381187"/>
-            <a:ext cy="3429000" cx="6096299"/>
+            <a:off x="381187" y="685800"/>
+            <a:ext cx="6096299" cy="3429000"/>
           </a:xfrm>
           <a:custGeom>
+            <a:avLst/>
+            <a:gdLst/>
+            <a:ahLst/>
+            <a:cxnLst/>
+            <a:rect l="0" t="0" r="0" b="0"/>
             <a:pathLst>
-              <a:path w="120000" extrusionOk="0" h="120000">
+              <a:path w="120000" h="120000" extrusionOk="0">
                 <a:moveTo>
-                  <a:pt y="0" x="0"/>
+                  <a:pt x="0" y="0"/>
                 </a:moveTo>
                 <a:lnTo>
-                  <a:pt y="0" x="120000"/>
+                  <a:pt x="120000" y="0"/>
                 </a:lnTo>
                 <a:lnTo>
-                  <a:pt y="120000" x="120000"/>
+                  <a:pt x="120000" y="120000"/>
                 </a:lnTo>
                 <a:lnTo>
-                  <a:pt y="120000" x="0"/>
+                  <a:pt x="0" y="120000"/>
                 </a:lnTo>
                 <a:close/>
               </a:path>
@@ -649,30 +781,32 @@
             </a:solidFill>
             <a:prstDash val="solid"/>
             <a:round/>
-            <a:headEnd w="med" len="med" type="none"/>
-            <a:tailEnd w="med" len="med" type="none"/>
+            <a:headEnd type="none" w="med" len="med"/>
+            <a:tailEnd type="none" w="med" len="med"/>
           </a:ln>
         </p:spPr>
       </p:sp>
       <p:sp>
         <p:nvSpPr>
           <p:cNvPr id="58" name="Shape 58"/>
-          <p:cNvSpPr txBox="1"/>
+          <p:cNvSpPr txBox="1">
+            <a:spLocks noGrp="1"/>
+          </p:cNvSpPr>
           <p:nvPr>
-            <p:ph idx="1" type="body"/>
+            <p:ph type="body" idx="1"/>
           </p:nvPr>
         </p:nvSpPr>
         <p:spPr>
           <a:xfrm>
-            <a:off y="4343400" x="685800"/>
-            <a:ext cy="4114800" cx="5486399"/>
+            <a:off x="685800" y="4343400"/>
+            <a:ext cx="5486399" cy="4114800"/>
           </a:xfrm>
           <a:prstGeom prst="rect">
             <a:avLst/>
           </a:prstGeom>
         </p:spPr>
         <p:txBody>
-          <a:bodyPr bIns="91425" rIns="91425" lIns="91425" tIns="91425" anchor="t" anchorCtr="0">
+          <a:bodyPr lIns="91425" tIns="91425" rIns="91425" bIns="91425" anchor="t" anchorCtr="0">
             <a:noAutofit/>
           </a:bodyPr>
           <a:lstStyle/>
@@ -683,9 +817,6 @@
               </a:spcBef>
               <a:buNone/>
             </a:pPr>
-            <a:r>
-              <a:t/>
-            </a:r>
             <a:endParaRPr/>
           </a:p>
         </p:txBody>
@@ -699,49 +830,56 @@
 </file>
 
 <file path=ppt/notesSlides/notesSlide4.xml><?xml version="1.0" encoding="utf-8"?>
-<p:notes xmlns:a="http://schemas.openxmlformats.org/drawingml/2006/main" xmlns:r="http://schemas.openxmlformats.org/officeDocument/2006/relationships" xmlns:mc="http://schemas.openxmlformats.org/markup-compatibility/2006" xmlns:mv="urn:schemas-microsoft-com:mac:vml" xmlns:p="http://schemas.openxmlformats.org/presentationml/2006/main" xmlns:c="http://schemas.openxmlformats.org/drawingml/2006/chart" xmlns:dgm="http://schemas.openxmlformats.org/drawingml/2006/diagram" xmlns:o="urn:schemas-microsoft-com:office:office" xmlns:v="urn:schemas-microsoft-com:vml" xmlns:pvml="urn:schemas-microsoft-com:office:powerpoint" xmlns:com="http://schemas.openxmlformats.org/drawingml/2006/compatibility" xmlns:p14="http://schemas.microsoft.com/office/powerpoint/2010/main" showMasterSp="0" showMasterPhAnim="0">
+<p:notes xmlns:a="http://schemas.openxmlformats.org/drawingml/2006/main" xmlns:r="http://schemas.openxmlformats.org/officeDocument/2006/relationships" xmlns:p="http://schemas.openxmlformats.org/presentationml/2006/main" showMasterSp="0" showMasterPhAnim="0">
   <p:cSld>
     <p:spTree>
       <p:nvGrpSpPr>
-        <p:cNvPr id="63" name="Shape 63"/>
+        <p:cNvPr id="1" name="Shape 63"/>
         <p:cNvGrpSpPr/>
         <p:nvPr/>
       </p:nvGrpSpPr>
       <p:grpSpPr>
         <a:xfrm>
-          <a:off y="0" x="0"/>
-          <a:ext cy="0" cx="0"/>
-          <a:chOff y="0" x="0"/>
-          <a:chExt cy="0" cx="0"/>
+          <a:off x="0" y="0"/>
+          <a:ext cx="0" cy="0"/>
+          <a:chOff x="0" y="0"/>
+          <a:chExt cx="0" cy="0"/>
         </a:xfrm>
       </p:grpSpPr>
       <p:sp>
         <p:nvSpPr>
           <p:cNvPr id="64" name="Shape 64"/>
-          <p:cNvSpPr/>
+          <p:cNvSpPr>
+            <a:spLocks noGrp="1" noRot="1" noChangeAspect="1"/>
+          </p:cNvSpPr>
           <p:nvPr>
-            <p:ph idx="2" type="sldImg"/>
+            <p:ph type="sldImg" idx="2"/>
           </p:nvPr>
         </p:nvSpPr>
         <p:spPr>
           <a:xfrm>
-            <a:off y="685800" x="381187"/>
-            <a:ext cy="3429000" cx="6096299"/>
+            <a:off x="381187" y="685800"/>
+            <a:ext cx="6096299" cy="3429000"/>
           </a:xfrm>
           <a:custGeom>
+            <a:avLst/>
+            <a:gdLst/>
+            <a:ahLst/>
+            <a:cxnLst/>
+            <a:rect l="0" t="0" r="0" b="0"/>
             <a:pathLst>
-              <a:path w="120000" extrusionOk="0" h="120000">
+              <a:path w="120000" h="120000" extrusionOk="0">
                 <a:moveTo>
-                  <a:pt y="0" x="0"/>
+                  <a:pt x="0" y="0"/>
                 </a:moveTo>
                 <a:lnTo>
-                  <a:pt y="0" x="120000"/>
+                  <a:pt x="120000" y="0"/>
                 </a:lnTo>
                 <a:lnTo>
-                  <a:pt y="120000" x="120000"/>
+                  <a:pt x="120000" y="120000"/>
                 </a:lnTo>
                 <a:lnTo>
-                  <a:pt y="120000" x="0"/>
+                  <a:pt x="0" y="120000"/>
                 </a:lnTo>
                 <a:close/>
               </a:path>
@@ -754,30 +892,32 @@
             </a:solidFill>
             <a:prstDash val="solid"/>
             <a:round/>
-            <a:headEnd w="med" len="med" type="none"/>
-            <a:tailEnd w="med" len="med" type="none"/>
+            <a:headEnd type="none" w="med" len="med"/>
+            <a:tailEnd type="none" w="med" len="med"/>
           </a:ln>
         </p:spPr>
       </p:sp>
       <p:sp>
         <p:nvSpPr>
           <p:cNvPr id="65" name="Shape 65"/>
-          <p:cNvSpPr txBox="1"/>
+          <p:cNvSpPr txBox="1">
+            <a:spLocks noGrp="1"/>
+          </p:cNvSpPr>
           <p:nvPr>
-            <p:ph idx="1" type="body"/>
+            <p:ph type="body" idx="1"/>
           </p:nvPr>
         </p:nvSpPr>
         <p:spPr>
           <a:xfrm>
-            <a:off y="4343400" x="685800"/>
-            <a:ext cy="4114800" cx="5486399"/>
+            <a:off x="685800" y="4343400"/>
+            <a:ext cx="5486399" cy="4114800"/>
           </a:xfrm>
           <a:prstGeom prst="rect">
             <a:avLst/>
           </a:prstGeom>
         </p:spPr>
         <p:txBody>
-          <a:bodyPr bIns="91425" rIns="91425" lIns="91425" tIns="91425" anchor="t" anchorCtr="0">
+          <a:bodyPr lIns="91425" tIns="91425" rIns="91425" bIns="91425" anchor="t" anchorCtr="0">
             <a:noAutofit/>
           </a:bodyPr>
           <a:lstStyle/>
@@ -788,9 +928,6 @@
               </a:spcBef>
               <a:buNone/>
             </a:pPr>
-            <a:r>
-              <a:t/>
-            </a:r>
             <a:endParaRPr/>
           </a:p>
         </p:txBody>
@@ -804,49 +941,56 @@
 </file>
 
 <file path=ppt/notesSlides/notesSlide5.xml><?xml version="1.0" encoding="utf-8"?>
-<p:notes xmlns:a="http://schemas.openxmlformats.org/drawingml/2006/main" xmlns:r="http://schemas.openxmlformats.org/officeDocument/2006/relationships" xmlns:mc="http://schemas.openxmlformats.org/markup-compatibility/2006" xmlns:mv="urn:schemas-microsoft-com:mac:vml" xmlns:p="http://schemas.openxmlformats.org/presentationml/2006/main" xmlns:c="http://schemas.openxmlformats.org/drawingml/2006/chart" xmlns:dgm="http://schemas.openxmlformats.org/drawingml/2006/diagram" xmlns:o="urn:schemas-microsoft-com:office:office" xmlns:v="urn:schemas-microsoft-com:vml" xmlns:pvml="urn:schemas-microsoft-com:office:powerpoint" xmlns:com="http://schemas.openxmlformats.org/drawingml/2006/compatibility" xmlns:p14="http://schemas.microsoft.com/office/powerpoint/2010/main" showMasterSp="0" showMasterPhAnim="0">
+<p:notes xmlns:a="http://schemas.openxmlformats.org/drawingml/2006/main" xmlns:r="http://schemas.openxmlformats.org/officeDocument/2006/relationships" xmlns:p="http://schemas.openxmlformats.org/presentationml/2006/main" showMasterSp="0" showMasterPhAnim="0">
   <p:cSld>
     <p:spTree>
       <p:nvGrpSpPr>
-        <p:cNvPr id="70" name="Shape 70"/>
+        <p:cNvPr id="1" name="Shape 70"/>
         <p:cNvGrpSpPr/>
         <p:nvPr/>
       </p:nvGrpSpPr>
       <p:grpSpPr>
         <a:xfrm>
-          <a:off y="0" x="0"/>
-          <a:ext cy="0" cx="0"/>
-          <a:chOff y="0" x="0"/>
-          <a:chExt cy="0" cx="0"/>
+          <a:off x="0" y="0"/>
+          <a:ext cx="0" cy="0"/>
+          <a:chOff x="0" y="0"/>
+          <a:chExt cx="0" cy="0"/>
         </a:xfrm>
       </p:grpSpPr>
       <p:sp>
         <p:nvSpPr>
           <p:cNvPr id="71" name="Shape 71"/>
-          <p:cNvSpPr/>
+          <p:cNvSpPr>
+            <a:spLocks noGrp="1" noRot="1" noChangeAspect="1"/>
+          </p:cNvSpPr>
           <p:nvPr>
-            <p:ph idx="2" type="sldImg"/>
+            <p:ph type="sldImg" idx="2"/>
           </p:nvPr>
         </p:nvSpPr>
         <p:spPr>
           <a:xfrm>
-            <a:off y="685800" x="381187"/>
-            <a:ext cy="3429000" cx="6096299"/>
+            <a:off x="381187" y="685800"/>
+            <a:ext cx="6096299" cy="3429000"/>
           </a:xfrm>
           <a:custGeom>
+            <a:avLst/>
+            <a:gdLst/>
+            <a:ahLst/>
+            <a:cxnLst/>
+            <a:rect l="0" t="0" r="0" b="0"/>
             <a:pathLst>
-              <a:path w="120000" extrusionOk="0" h="120000">
+              <a:path w="120000" h="120000" extrusionOk="0">
                 <a:moveTo>
-                  <a:pt y="0" x="0"/>
+                  <a:pt x="0" y="0"/>
                 </a:moveTo>
                 <a:lnTo>
-                  <a:pt y="0" x="120000"/>
+                  <a:pt x="120000" y="0"/>
                 </a:lnTo>
                 <a:lnTo>
-                  <a:pt y="120000" x="120000"/>
+                  <a:pt x="120000" y="120000"/>
                 </a:lnTo>
                 <a:lnTo>
-                  <a:pt y="120000" x="0"/>
+                  <a:pt x="0" y="120000"/>
                 </a:lnTo>
                 <a:close/>
               </a:path>
@@ -859,30 +1003,32 @@
             </a:solidFill>
             <a:prstDash val="solid"/>
             <a:round/>
-            <a:headEnd w="med" len="med" type="none"/>
-            <a:tailEnd w="med" len="med" type="none"/>
+            <a:headEnd type="none" w="med" len="med"/>
+            <a:tailEnd type="none" w="med" len="med"/>
           </a:ln>
         </p:spPr>
       </p:sp>
       <p:sp>
         <p:nvSpPr>
           <p:cNvPr id="72" name="Shape 72"/>
-          <p:cNvSpPr txBox="1"/>
+          <p:cNvSpPr txBox="1">
+            <a:spLocks noGrp="1"/>
+          </p:cNvSpPr>
           <p:nvPr>
-            <p:ph idx="1" type="body"/>
+            <p:ph type="body" idx="1"/>
           </p:nvPr>
         </p:nvSpPr>
         <p:spPr>
           <a:xfrm>
-            <a:off y="4343400" x="685800"/>
-            <a:ext cy="4114800" cx="5486399"/>
+            <a:off x="685800" y="4343400"/>
+            <a:ext cx="5486399" cy="4114800"/>
           </a:xfrm>
           <a:prstGeom prst="rect">
             <a:avLst/>
           </a:prstGeom>
         </p:spPr>
         <p:txBody>
-          <a:bodyPr bIns="91425" rIns="91425" lIns="91425" tIns="91425" anchor="t" anchorCtr="0">
+          <a:bodyPr lIns="91425" tIns="91425" rIns="91425" bIns="91425" anchor="t" anchorCtr="0">
             <a:noAutofit/>
           </a:bodyPr>
           <a:lstStyle/>
@@ -893,9 +1039,6 @@
               </a:spcBef>
               <a:buNone/>
             </a:pPr>
-            <a:r>
-              <a:t/>
-            </a:r>
             <a:endParaRPr/>
           </a:p>
         </p:txBody>
@@ -909,49 +1052,56 @@
 </file>
 
 <file path=ppt/notesSlides/notesSlide6.xml><?xml version="1.0" encoding="utf-8"?>
-<p:notes xmlns:a="http://schemas.openxmlformats.org/drawingml/2006/main" xmlns:r="http://schemas.openxmlformats.org/officeDocument/2006/relationships" xmlns:mc="http://schemas.openxmlformats.org/markup-compatibility/2006" xmlns:mv="urn:schemas-microsoft-com:mac:vml" xmlns:p="http://schemas.openxmlformats.org/presentationml/2006/main" xmlns:c="http://schemas.openxmlformats.org/drawingml/2006/chart" xmlns:dgm="http://schemas.openxmlformats.org/drawingml/2006/diagram" xmlns:o="urn:schemas-microsoft-com:office:office" xmlns:v="urn:schemas-microsoft-com:vml" xmlns:pvml="urn:schemas-microsoft-com:office:powerpoint" xmlns:com="http://schemas.openxmlformats.org/drawingml/2006/compatibility" xmlns:p14="http://schemas.microsoft.com/office/powerpoint/2010/main" showMasterSp="0" showMasterPhAnim="0">
+<p:notes xmlns:a="http://schemas.openxmlformats.org/drawingml/2006/main" xmlns:r="http://schemas.openxmlformats.org/officeDocument/2006/relationships" xmlns:p="http://schemas.openxmlformats.org/presentationml/2006/main" showMasterSp="0" showMasterPhAnim="0">
   <p:cSld>
     <p:spTree>
       <p:nvGrpSpPr>
-        <p:cNvPr id="76" name="Shape 76"/>
+        <p:cNvPr id="1" name="Shape 76"/>
         <p:cNvGrpSpPr/>
         <p:nvPr/>
       </p:nvGrpSpPr>
       <p:grpSpPr>
         <a:xfrm>
-          <a:off y="0" x="0"/>
-          <a:ext cy="0" cx="0"/>
-          <a:chOff y="0" x="0"/>
-          <a:chExt cy="0" cx="0"/>
+          <a:off x="0" y="0"/>
+          <a:ext cx="0" cy="0"/>
+          <a:chOff x="0" y="0"/>
+          <a:chExt cx="0" cy="0"/>
         </a:xfrm>
       </p:grpSpPr>
       <p:sp>
         <p:nvSpPr>
           <p:cNvPr id="77" name="Shape 77"/>
-          <p:cNvSpPr/>
+          <p:cNvSpPr>
+            <a:spLocks noGrp="1" noRot="1" noChangeAspect="1"/>
+          </p:cNvSpPr>
           <p:nvPr>
-            <p:ph idx="2" type="sldImg"/>
+            <p:ph type="sldImg" idx="2"/>
           </p:nvPr>
         </p:nvSpPr>
         <p:spPr>
           <a:xfrm>
-            <a:off y="685800" x="381187"/>
-            <a:ext cy="3429000" cx="6096299"/>
+            <a:off x="381187" y="685800"/>
+            <a:ext cx="6096299" cy="3429000"/>
           </a:xfrm>
           <a:custGeom>
+            <a:avLst/>
+            <a:gdLst/>
+            <a:ahLst/>
+            <a:cxnLst/>
+            <a:rect l="0" t="0" r="0" b="0"/>
             <a:pathLst>
-              <a:path w="120000" extrusionOk="0" h="120000">
+              <a:path w="120000" h="120000" extrusionOk="0">
                 <a:moveTo>
-                  <a:pt y="0" x="0"/>
+                  <a:pt x="0" y="0"/>
                 </a:moveTo>
                 <a:lnTo>
-                  <a:pt y="0" x="120000"/>
+                  <a:pt x="120000" y="0"/>
                 </a:lnTo>
                 <a:lnTo>
-                  <a:pt y="120000" x="120000"/>
+                  <a:pt x="120000" y="120000"/>
                 </a:lnTo>
                 <a:lnTo>
-                  <a:pt y="120000" x="0"/>
+                  <a:pt x="0" y="120000"/>
                 </a:lnTo>
                 <a:close/>
               </a:path>
@@ -964,30 +1114,32 @@
             </a:solidFill>
             <a:prstDash val="solid"/>
             <a:round/>
-            <a:headEnd w="med" len="med" type="none"/>
-            <a:tailEnd w="med" len="med" type="none"/>
+            <a:headEnd type="none" w="med" len="med"/>
+            <a:tailEnd type="none" w="med" len="med"/>
           </a:ln>
         </p:spPr>
       </p:sp>
       <p:sp>
         <p:nvSpPr>
           <p:cNvPr id="78" name="Shape 78"/>
-          <p:cNvSpPr txBox="1"/>
+          <p:cNvSpPr txBox="1">
+            <a:spLocks noGrp="1"/>
+          </p:cNvSpPr>
           <p:nvPr>
-            <p:ph idx="1" type="body"/>
+            <p:ph type="body" idx="1"/>
           </p:nvPr>
         </p:nvSpPr>
         <p:spPr>
           <a:xfrm>
-            <a:off y="4343400" x="685800"/>
-            <a:ext cy="4114800" cx="5486399"/>
+            <a:off x="685800" y="4343400"/>
+            <a:ext cx="5486399" cy="4114800"/>
           </a:xfrm>
           <a:prstGeom prst="rect">
             <a:avLst/>
           </a:prstGeom>
         </p:spPr>
         <p:txBody>
-          <a:bodyPr bIns="91425" rIns="91425" lIns="91425" tIns="91425" anchor="t" anchorCtr="0">
+          <a:bodyPr lIns="91425" tIns="91425" rIns="91425" bIns="91425" anchor="t" anchorCtr="0">
             <a:noAutofit/>
           </a:bodyPr>
           <a:lstStyle/>
@@ -998,9 +1150,6 @@
               </a:spcBef>
               <a:buNone/>
             </a:pPr>
-            <a:r>
-              <a:t/>
-            </a:r>
             <a:endParaRPr/>
           </a:p>
         </p:txBody>
@@ -1014,49 +1163,56 @@
 </file>
 
 <file path=ppt/notesSlides/notesSlide7.xml><?xml version="1.0" encoding="utf-8"?>
-<p:notes xmlns:a="http://schemas.openxmlformats.org/drawingml/2006/main" xmlns:r="http://schemas.openxmlformats.org/officeDocument/2006/relationships" xmlns:mc="http://schemas.openxmlformats.org/markup-compatibility/2006" xmlns:mv="urn:schemas-microsoft-com:mac:vml" xmlns:p="http://schemas.openxmlformats.org/presentationml/2006/main" xmlns:c="http://schemas.openxmlformats.org/drawingml/2006/chart" xmlns:dgm="http://schemas.openxmlformats.org/drawingml/2006/diagram" xmlns:o="urn:schemas-microsoft-com:office:office" xmlns:v="urn:schemas-microsoft-com:vml" xmlns:pvml="urn:schemas-microsoft-com:office:powerpoint" xmlns:com="http://schemas.openxmlformats.org/drawingml/2006/compatibility" xmlns:p14="http://schemas.microsoft.com/office/powerpoint/2010/main" showMasterSp="0" showMasterPhAnim="0">
+<p:notes xmlns:a="http://schemas.openxmlformats.org/drawingml/2006/main" xmlns:r="http://schemas.openxmlformats.org/officeDocument/2006/relationships" xmlns:p="http://schemas.openxmlformats.org/presentationml/2006/main" showMasterSp="0" showMasterPhAnim="0">
   <p:cSld>
     <p:spTree>
       <p:nvGrpSpPr>
-        <p:cNvPr id="82" name="Shape 82"/>
+        <p:cNvPr id="1" name="Shape 82"/>
         <p:cNvGrpSpPr/>
         <p:nvPr/>
       </p:nvGrpSpPr>
       <p:grpSpPr>
         <a:xfrm>
-          <a:off y="0" x="0"/>
-          <a:ext cy="0" cx="0"/>
-          <a:chOff y="0" x="0"/>
-          <a:chExt cy="0" cx="0"/>
+          <a:off x="0" y="0"/>
+          <a:ext cx="0" cy="0"/>
+          <a:chOff x="0" y="0"/>
+          <a:chExt cx="0" cy="0"/>
         </a:xfrm>
       </p:grpSpPr>
       <p:sp>
         <p:nvSpPr>
           <p:cNvPr id="83" name="Shape 83"/>
-          <p:cNvSpPr/>
+          <p:cNvSpPr>
+            <a:spLocks noGrp="1" noRot="1" noChangeAspect="1"/>
+          </p:cNvSpPr>
           <p:nvPr>
-            <p:ph idx="2" type="sldImg"/>
+            <p:ph type="sldImg" idx="2"/>
           </p:nvPr>
         </p:nvSpPr>
         <p:spPr>
           <a:xfrm>
-            <a:off y="685800" x="381187"/>
-            <a:ext cy="3429000" cx="6096299"/>
+            <a:off x="381000" y="685800"/>
+            <a:ext cx="6096000" cy="3429000"/>
           </a:xfrm>
           <a:custGeom>
+            <a:avLst/>
+            <a:gdLst/>
+            <a:ahLst/>
+            <a:cxnLst/>
+            <a:rect l="0" t="0" r="0" b="0"/>
             <a:pathLst>
-              <a:path w="120000" extrusionOk="0" h="120000">
+              <a:path w="120000" h="120000" extrusionOk="0">
                 <a:moveTo>
-                  <a:pt y="0" x="0"/>
+                  <a:pt x="0" y="0"/>
                 </a:moveTo>
                 <a:lnTo>
-                  <a:pt y="0" x="120000"/>
+                  <a:pt x="120000" y="0"/>
                 </a:lnTo>
                 <a:lnTo>
-                  <a:pt y="120000" x="120000"/>
+                  <a:pt x="120000" y="120000"/>
                 </a:lnTo>
                 <a:lnTo>
-                  <a:pt y="120000" x="0"/>
+                  <a:pt x="0" y="120000"/>
                 </a:lnTo>
                 <a:close/>
               </a:path>
@@ -1069,30 +1225,32 @@
             </a:solidFill>
             <a:prstDash val="solid"/>
             <a:round/>
-            <a:headEnd w="med" len="med" type="none"/>
-            <a:tailEnd w="med" len="med" type="none"/>
+            <a:headEnd type="none" w="med" len="med"/>
+            <a:tailEnd type="none" w="med" len="med"/>
           </a:ln>
         </p:spPr>
       </p:sp>
       <p:sp>
         <p:nvSpPr>
           <p:cNvPr id="84" name="Shape 84"/>
-          <p:cNvSpPr txBox="1"/>
+          <p:cNvSpPr txBox="1">
+            <a:spLocks noGrp="1"/>
+          </p:cNvSpPr>
           <p:nvPr>
-            <p:ph idx="1" type="body"/>
+            <p:ph type="body" idx="1"/>
           </p:nvPr>
         </p:nvSpPr>
         <p:spPr>
           <a:xfrm>
-            <a:off y="4343400" x="685800"/>
-            <a:ext cy="4114800" cx="5486399"/>
+            <a:off x="685800" y="4343400"/>
+            <a:ext cx="5486399" cy="4114800"/>
           </a:xfrm>
           <a:prstGeom prst="rect">
             <a:avLst/>
           </a:prstGeom>
         </p:spPr>
         <p:txBody>
-          <a:bodyPr bIns="91425" rIns="91425" lIns="91425" tIns="91425" anchor="t" anchorCtr="0">
+          <a:bodyPr lIns="91425" tIns="91425" rIns="91425" bIns="91425" anchor="t" anchorCtr="0">
             <a:noAutofit/>
           </a:bodyPr>
           <a:lstStyle/>
@@ -1103,9 +1261,6 @@
               </a:spcBef>
               <a:buNone/>
             </a:pPr>
-            <a:r>
-              <a:t/>
-            </a:r>
             <a:endParaRPr/>
           </a:p>
         </p:txBody>
@@ -1119,49 +1274,56 @@
 </file>
 
 <file path=ppt/notesSlides/notesSlide8.xml><?xml version="1.0" encoding="utf-8"?>
-<p:notes xmlns:a="http://schemas.openxmlformats.org/drawingml/2006/main" xmlns:r="http://schemas.openxmlformats.org/officeDocument/2006/relationships" xmlns:mc="http://schemas.openxmlformats.org/markup-compatibility/2006" xmlns:mv="urn:schemas-microsoft-com:mac:vml" xmlns:p="http://schemas.openxmlformats.org/presentationml/2006/main" xmlns:c="http://schemas.openxmlformats.org/drawingml/2006/chart" xmlns:dgm="http://schemas.openxmlformats.org/drawingml/2006/diagram" xmlns:o="urn:schemas-microsoft-com:office:office" xmlns:v="urn:schemas-microsoft-com:vml" xmlns:pvml="urn:schemas-microsoft-com:office:powerpoint" xmlns:com="http://schemas.openxmlformats.org/drawingml/2006/compatibility" xmlns:p14="http://schemas.microsoft.com/office/powerpoint/2010/main" showMasterSp="0" showMasterPhAnim="0">
+<p:notes xmlns:a="http://schemas.openxmlformats.org/drawingml/2006/main" xmlns:r="http://schemas.openxmlformats.org/officeDocument/2006/relationships" xmlns:p="http://schemas.openxmlformats.org/presentationml/2006/main" showMasterSp="0" showMasterPhAnim="0">
   <p:cSld>
     <p:spTree>
       <p:nvGrpSpPr>
-        <p:cNvPr id="88" name="Shape 88"/>
+        <p:cNvPr id="1" name="Shape 88"/>
         <p:cNvGrpSpPr/>
         <p:nvPr/>
       </p:nvGrpSpPr>
       <p:grpSpPr>
         <a:xfrm>
-          <a:off y="0" x="0"/>
-          <a:ext cy="0" cx="0"/>
-          <a:chOff y="0" x="0"/>
-          <a:chExt cy="0" cx="0"/>
+          <a:off x="0" y="0"/>
+          <a:ext cx="0" cy="0"/>
+          <a:chOff x="0" y="0"/>
+          <a:chExt cx="0" cy="0"/>
         </a:xfrm>
       </p:grpSpPr>
       <p:sp>
         <p:nvSpPr>
           <p:cNvPr id="89" name="Shape 89"/>
-          <p:cNvSpPr/>
+          <p:cNvSpPr>
+            <a:spLocks noGrp="1" noRot="1" noChangeAspect="1"/>
+          </p:cNvSpPr>
           <p:nvPr>
-            <p:ph idx="2" type="sldImg"/>
+            <p:ph type="sldImg" idx="2"/>
           </p:nvPr>
         </p:nvSpPr>
         <p:spPr>
           <a:xfrm>
-            <a:off y="685800" x="381187"/>
-            <a:ext cy="3429000" cx="6096299"/>
+            <a:off x="381187" y="685800"/>
+            <a:ext cx="6096299" cy="3429000"/>
           </a:xfrm>
           <a:custGeom>
+            <a:avLst/>
+            <a:gdLst/>
+            <a:ahLst/>
+            <a:cxnLst/>
+            <a:rect l="0" t="0" r="0" b="0"/>
             <a:pathLst>
-              <a:path w="120000" extrusionOk="0" h="120000">
+              <a:path w="120000" h="120000" extrusionOk="0">
                 <a:moveTo>
-                  <a:pt y="0" x="0"/>
+                  <a:pt x="0" y="0"/>
                 </a:moveTo>
                 <a:lnTo>
-                  <a:pt y="0" x="120000"/>
+                  <a:pt x="120000" y="0"/>
                 </a:lnTo>
                 <a:lnTo>
-                  <a:pt y="120000" x="120000"/>
+                  <a:pt x="120000" y="120000"/>
                 </a:lnTo>
                 <a:lnTo>
-                  <a:pt y="120000" x="0"/>
+                  <a:pt x="0" y="120000"/>
                 </a:lnTo>
                 <a:close/>
               </a:path>
@@ -1174,30 +1336,32 @@
             </a:solidFill>
             <a:prstDash val="solid"/>
             <a:round/>
-            <a:headEnd w="med" len="med" type="none"/>
-            <a:tailEnd w="med" len="med" type="none"/>
+            <a:headEnd type="none" w="med" len="med"/>
+            <a:tailEnd type="none" w="med" len="med"/>
           </a:ln>
         </p:spPr>
       </p:sp>
       <p:sp>
         <p:nvSpPr>
           <p:cNvPr id="90" name="Shape 90"/>
-          <p:cNvSpPr txBox="1"/>
+          <p:cNvSpPr txBox="1">
+            <a:spLocks noGrp="1"/>
+          </p:cNvSpPr>
           <p:nvPr>
-            <p:ph idx="1" type="body"/>
+            <p:ph type="body" idx="1"/>
           </p:nvPr>
         </p:nvSpPr>
         <p:spPr>
           <a:xfrm>
-            <a:off y="4343400" x="685800"/>
-            <a:ext cy="4114800" cx="5486399"/>
+            <a:off x="685800" y="4343400"/>
+            <a:ext cx="5486399" cy="4114800"/>
           </a:xfrm>
           <a:prstGeom prst="rect">
             <a:avLst/>
           </a:prstGeom>
         </p:spPr>
         <p:txBody>
-          <a:bodyPr bIns="91425" rIns="91425" lIns="91425" tIns="91425" anchor="t" anchorCtr="0">
+          <a:bodyPr lIns="91425" tIns="91425" rIns="91425" bIns="91425" anchor="t" anchorCtr="0">
             <a:noAutofit/>
           </a:bodyPr>
           <a:lstStyle/>
@@ -1208,9 +1372,6 @@
               </a:spcBef>
               <a:buNone/>
             </a:pPr>
-            <a:r>
-              <a:t/>
-            </a:r>
             <a:endParaRPr/>
           </a:p>
         </p:txBody>
@@ -1224,49 +1385,56 @@
 </file>
 
 <file path=ppt/notesSlides/notesSlide9.xml><?xml version="1.0" encoding="utf-8"?>
-<p:notes xmlns:a="http://schemas.openxmlformats.org/drawingml/2006/main" xmlns:r="http://schemas.openxmlformats.org/officeDocument/2006/relationships" xmlns:mc="http://schemas.openxmlformats.org/markup-compatibility/2006" xmlns:mv="urn:schemas-microsoft-com:mac:vml" xmlns:p="http://schemas.openxmlformats.org/presentationml/2006/main" xmlns:c="http://schemas.openxmlformats.org/drawingml/2006/chart" xmlns:dgm="http://schemas.openxmlformats.org/drawingml/2006/diagram" xmlns:o="urn:schemas-microsoft-com:office:office" xmlns:v="urn:schemas-microsoft-com:vml" xmlns:pvml="urn:schemas-microsoft-com:office:powerpoint" xmlns:com="http://schemas.openxmlformats.org/drawingml/2006/compatibility" xmlns:p14="http://schemas.microsoft.com/office/powerpoint/2010/main" showMasterSp="0" showMasterPhAnim="0">
+<p:notes xmlns:a="http://schemas.openxmlformats.org/drawingml/2006/main" xmlns:r="http://schemas.openxmlformats.org/officeDocument/2006/relationships" xmlns:p="http://schemas.openxmlformats.org/presentationml/2006/main" showMasterSp="0" showMasterPhAnim="0">
   <p:cSld>
     <p:spTree>
       <p:nvGrpSpPr>
-        <p:cNvPr id="94" name="Shape 94"/>
+        <p:cNvPr id="1" name="Shape 94"/>
         <p:cNvGrpSpPr/>
         <p:nvPr/>
       </p:nvGrpSpPr>
       <p:grpSpPr>
         <a:xfrm>
-          <a:off y="0" x="0"/>
-          <a:ext cy="0" cx="0"/>
-          <a:chOff y="0" x="0"/>
-          <a:chExt cy="0" cx="0"/>
+          <a:off x="0" y="0"/>
+          <a:ext cx="0" cy="0"/>
+          <a:chOff x="0" y="0"/>
+          <a:chExt cx="0" cy="0"/>
         </a:xfrm>
       </p:grpSpPr>
       <p:sp>
         <p:nvSpPr>
           <p:cNvPr id="95" name="Shape 95"/>
-          <p:cNvSpPr/>
+          <p:cNvSpPr>
+            <a:spLocks noGrp="1" noRot="1" noChangeAspect="1"/>
+          </p:cNvSpPr>
           <p:nvPr>
-            <p:ph idx="2" type="sldImg"/>
+            <p:ph type="sldImg" idx="2"/>
           </p:nvPr>
         </p:nvSpPr>
         <p:spPr>
           <a:xfrm>
-            <a:off y="685800" x="381187"/>
-            <a:ext cy="3429000" cx="6096299"/>
+            <a:off x="381187" y="685800"/>
+            <a:ext cx="6096299" cy="3429000"/>
           </a:xfrm>
           <a:custGeom>
+            <a:avLst/>
+            <a:gdLst/>
+            <a:ahLst/>
+            <a:cxnLst/>
+            <a:rect l="0" t="0" r="0" b="0"/>
             <a:pathLst>
-              <a:path w="120000" extrusionOk="0" h="120000">
+              <a:path w="120000" h="120000" extrusionOk="0">
                 <a:moveTo>
-                  <a:pt y="0" x="0"/>
+                  <a:pt x="0" y="0"/>
                 </a:moveTo>
                 <a:lnTo>
-                  <a:pt y="0" x="120000"/>
+                  <a:pt x="120000" y="0"/>
                 </a:lnTo>
                 <a:lnTo>
-                  <a:pt y="120000" x="120000"/>
+                  <a:pt x="120000" y="120000"/>
                 </a:lnTo>
                 <a:lnTo>
-                  <a:pt y="120000" x="0"/>
+                  <a:pt x="0" y="120000"/>
                 </a:lnTo>
                 <a:close/>
               </a:path>
@@ -1279,30 +1447,32 @@
             </a:solidFill>
             <a:prstDash val="solid"/>
             <a:round/>
-            <a:headEnd w="med" len="med" type="none"/>
-            <a:tailEnd w="med" len="med" type="none"/>
+            <a:headEnd type="none" w="med" len="med"/>
+            <a:tailEnd type="none" w="med" len="med"/>
           </a:ln>
         </p:spPr>
       </p:sp>
       <p:sp>
         <p:nvSpPr>
           <p:cNvPr id="96" name="Shape 96"/>
-          <p:cNvSpPr txBox="1"/>
+          <p:cNvSpPr txBox="1">
+            <a:spLocks noGrp="1"/>
+          </p:cNvSpPr>
           <p:nvPr>
-            <p:ph idx="1" type="body"/>
+            <p:ph type="body" idx="1"/>
           </p:nvPr>
         </p:nvSpPr>
         <p:spPr>
           <a:xfrm>
-            <a:off y="4343400" x="685800"/>
-            <a:ext cy="4114800" cx="5486399"/>
+            <a:off x="685800" y="4343400"/>
+            <a:ext cx="5486399" cy="4114800"/>
           </a:xfrm>
           <a:prstGeom prst="rect">
             <a:avLst/>
           </a:prstGeom>
         </p:spPr>
         <p:txBody>
-          <a:bodyPr bIns="91425" rIns="91425" lIns="91425" tIns="91425" anchor="t" anchorCtr="0">
+          <a:bodyPr lIns="91425" tIns="91425" rIns="91425" bIns="91425" anchor="t" anchorCtr="0">
             <a:noAutofit/>
           </a:bodyPr>
           <a:lstStyle/>
@@ -1313,9 +1483,6 @@
               </a:spcBef>
               <a:buNone/>
             </a:pPr>
-            <a:r>
-              <a:t/>
-            </a:r>
             <a:endParaRPr/>
           </a:p>
         </p:txBody>
@@ -1329,20 +1496,20 @@
 </file>
 
 <file path=ppt/slideLayouts/slideLayout1.xml><?xml version="1.0" encoding="utf-8"?>
-<p:sldLayout xmlns:a="http://schemas.openxmlformats.org/drawingml/2006/main" xmlns:r="http://schemas.openxmlformats.org/officeDocument/2006/relationships" xmlns:mc="http://schemas.openxmlformats.org/markup-compatibility/2006" xmlns:mv="urn:schemas-microsoft-com:mac:vml" xmlns:p="http://schemas.openxmlformats.org/presentationml/2006/main" xmlns:c="http://schemas.openxmlformats.org/drawingml/2006/chart" xmlns:dgm="http://schemas.openxmlformats.org/drawingml/2006/diagram" xmlns:o="urn:schemas-microsoft-com:office:office" xmlns:v="urn:schemas-microsoft-com:vml" xmlns:pvml="urn:schemas-microsoft-com:office:powerpoint" xmlns:com="http://schemas.openxmlformats.org/drawingml/2006/compatibility" xmlns:p14="http://schemas.microsoft.com/office/powerpoint/2010/main" type="title">
+<p:sldLayout xmlns:a="http://schemas.openxmlformats.org/drawingml/2006/main" xmlns:r="http://schemas.openxmlformats.org/officeDocument/2006/relationships" xmlns:p="http://schemas.openxmlformats.org/presentationml/2006/main" type="title">
   <p:cSld name="Title Slide">
     <p:spTree>
       <p:nvGrpSpPr>
-        <p:cNvPr id="8" name="Shape 8"/>
+        <p:cNvPr id="1" name="Shape 8"/>
         <p:cNvGrpSpPr/>
         <p:nvPr/>
       </p:nvGrpSpPr>
       <p:grpSpPr>
         <a:xfrm>
-          <a:off y="0" x="0"/>
-          <a:ext cy="0" cx="0"/>
-          <a:chOff y="0" x="0"/>
-          <a:chExt cy="0" cx="0"/>
+          <a:off x="0" y="0"/>
+          <a:ext cx="0" cy="0"/>
+          <a:chOff x="0" y="0"/>
+          <a:chExt cx="0" cy="0"/>
         </a:xfrm>
       </p:grpSpPr>
       <p:sp>
@@ -1353,12 +1520,12 @@
         </p:nvSpPr>
         <p:spPr>
           <a:xfrm>
-            <a:off y="233279" x="372035"/>
-            <a:ext cy="3330600" cx="8399999"/>
+            <a:off x="372035" y="233279"/>
+            <a:ext cx="8399999" cy="3330600"/>
           </a:xfrm>
           <a:prstGeom prst="roundRect">
             <a:avLst>
-              <a:gd fmla="val 3653" name="adj"/>
+              <a:gd name="adj" fmla="val 3653"/>
             </a:avLst>
           </a:prstGeom>
           <a:solidFill>
@@ -1369,7 +1536,7 @@
           </a:ln>
         </p:spPr>
         <p:txBody>
-          <a:bodyPr bIns="45700" rIns="91425" lIns="91425" tIns="45700" anchor="ctr" anchorCtr="0">
+          <a:bodyPr lIns="91425" tIns="45700" rIns="91425" bIns="45700" anchor="ctr" anchorCtr="0">
             <a:noAutofit/>
           </a:bodyPr>
           <a:lstStyle/>
@@ -1380,9 +1547,6 @@
               </a:spcBef>
               <a:buNone/>
             </a:pPr>
-            <a:r>
-              <a:t/>
-            </a:r>
             <a:endParaRPr/>
           </a:p>
         </p:txBody>
@@ -1395,12 +1559,12 @@
         </p:nvSpPr>
         <p:spPr>
           <a:xfrm>
-            <a:off y="3678300" x="372035"/>
-            <a:ext cy="904800" cx="8399999"/>
+            <a:off x="372035" y="3678300"/>
+            <a:ext cx="8399999" cy="904800"/>
           </a:xfrm>
           <a:prstGeom prst="roundRect">
             <a:avLst>
-              <a:gd fmla="val 15243" name="adj"/>
+              <a:gd name="adj" fmla="val 15243"/>
             </a:avLst>
           </a:prstGeom>
           <a:solidFill>
@@ -1411,7 +1575,7 @@
           </a:ln>
         </p:spPr>
         <p:txBody>
-          <a:bodyPr bIns="45700" rIns="91425" lIns="91425" tIns="45700" anchor="ctr" anchorCtr="0">
+          <a:bodyPr lIns="91425" tIns="45700" rIns="91425" bIns="45700" anchor="ctr" anchorCtr="0">
             <a:noAutofit/>
           </a:bodyPr>
           <a:lstStyle/>
@@ -1422,9 +1586,6 @@
               </a:spcBef>
               <a:buNone/>
             </a:pPr>
-            <a:r>
-              <a:t/>
-            </a:r>
             <a:endParaRPr/>
           </a:p>
         </p:txBody>
@@ -1432,22 +1593,24 @@
       <p:sp>
         <p:nvSpPr>
           <p:cNvPr id="11" name="Shape 11"/>
-          <p:cNvSpPr txBox="1"/>
+          <p:cNvSpPr txBox="1">
+            <a:spLocks noGrp="1"/>
+          </p:cNvSpPr>
           <p:nvPr>
             <p:ph type="ctrTitle"/>
           </p:nvPr>
         </p:nvSpPr>
         <p:spPr>
           <a:xfrm>
-            <a:off y="473108" x="685800"/>
-            <a:ext cy="2842199" cx="7772400"/>
+            <a:off x="685800" y="473108"/>
+            <a:ext cx="7772400" cy="2842199"/>
           </a:xfrm>
           <a:prstGeom prst="rect">
             <a:avLst/>
           </a:prstGeom>
         </p:spPr>
         <p:txBody>
-          <a:bodyPr bIns="91425" rIns="91425" lIns="91425" tIns="91425" anchor="b" anchorCtr="0"/>
+          <a:bodyPr lIns="91425" tIns="91425" rIns="91425" bIns="91425" anchor="b" anchorCtr="0"/>
           <a:lstStyle>
             <a:lvl1pPr>
               <a:spcBef>
@@ -1513,28 +1676,32 @@
               <a:defRPr sz="7200"/>
             </a:lvl9pPr>
           </a:lstStyle>
-          <a:p/>
+          <a:p>
+            <a:endParaRPr/>
+          </a:p>
         </p:txBody>
       </p:sp>
       <p:sp>
         <p:nvSpPr>
           <p:cNvPr id="12" name="Shape 12"/>
-          <p:cNvSpPr txBox="1"/>
+          <p:cNvSpPr txBox="1">
+            <a:spLocks noGrp="1"/>
+          </p:cNvSpPr>
           <p:nvPr>
-            <p:ph idx="1" type="subTitle"/>
+            <p:ph type="subTitle" idx="1"/>
           </p:nvPr>
         </p:nvSpPr>
         <p:spPr>
           <a:xfrm>
-            <a:off y="3896921" x="685800"/>
-            <a:ext cy="460800" cx="7772400"/>
+            <a:off x="685800" y="3896921"/>
+            <a:ext cx="7772400" cy="460800"/>
           </a:xfrm>
           <a:prstGeom prst="rect">
             <a:avLst/>
           </a:prstGeom>
         </p:spPr>
         <p:txBody>
-          <a:bodyPr bIns="91425" rIns="91425" lIns="91425" tIns="91425" anchor="ctr" anchorCtr="0"/>
+          <a:bodyPr lIns="91425" tIns="91425" rIns="91425" bIns="91425" anchor="ctr" anchorCtr="0"/>
           <a:lstStyle>
             <a:lvl1pPr>
               <a:spcBef>
@@ -1608,28 +1775,32 @@
               <a:defRPr sz="3000"/>
             </a:lvl9pPr>
           </a:lstStyle>
-          <a:p/>
+          <a:p>
+            <a:endParaRPr/>
+          </a:p>
         </p:txBody>
       </p:sp>
       <p:sp>
         <p:nvSpPr>
           <p:cNvPr id="13" name="Shape 13"/>
-          <p:cNvSpPr txBox="1"/>
+          <p:cNvSpPr txBox="1">
+            <a:spLocks noGrp="1"/>
+          </p:cNvSpPr>
           <p:nvPr>
-            <p:ph idx="12" type="sldNum"/>
+            <p:ph type="sldNum" idx="12"/>
           </p:nvPr>
         </p:nvSpPr>
         <p:spPr>
           <a:xfrm>
-            <a:off y="4749873" x="8607464"/>
-            <a:ext cy="393600" cx="548699"/>
+            <a:off x="8607464" y="4749873"/>
+            <a:ext cx="548699" cy="393600"/>
           </a:xfrm>
           <a:prstGeom prst="rect">
             <a:avLst/>
           </a:prstGeom>
         </p:spPr>
         <p:txBody>
-          <a:bodyPr bIns="91425" rIns="91425" lIns="91425" tIns="91425" anchor="ctr" anchorCtr="0">
+          <a:bodyPr lIns="91425" tIns="91425" rIns="91425" bIns="91425" anchor="ctr" anchorCtr="0">
             <a:noAutofit/>
           </a:bodyPr>
           <a:lstStyle>
@@ -1652,6 +1823,7 @@
               <a:rPr lang="en"/>
               <a:t>‹#›</a:t>
             </a:fld>
+            <a:endParaRPr lang="en"/>
           </a:p>
         </p:txBody>
       </p:sp>
@@ -1664,20 +1836,20 @@
 </file>
 
 <file path=ppt/slideLayouts/slideLayout2.xml><?xml version="1.0" encoding="utf-8"?>
-<p:sldLayout xmlns:a="http://schemas.openxmlformats.org/drawingml/2006/main" xmlns:r="http://schemas.openxmlformats.org/officeDocument/2006/relationships" xmlns:mc="http://schemas.openxmlformats.org/markup-compatibility/2006" xmlns:mv="urn:schemas-microsoft-com:mac:vml" xmlns:p="http://schemas.openxmlformats.org/presentationml/2006/main" xmlns:c="http://schemas.openxmlformats.org/drawingml/2006/chart" xmlns:dgm="http://schemas.openxmlformats.org/drawingml/2006/diagram" xmlns:o="urn:schemas-microsoft-com:office:office" xmlns:v="urn:schemas-microsoft-com:vml" xmlns:pvml="urn:schemas-microsoft-com:office:powerpoint" xmlns:com="http://schemas.openxmlformats.org/drawingml/2006/compatibility" xmlns:p14="http://schemas.microsoft.com/office/powerpoint/2010/main" type="tx">
+<p:sldLayout xmlns:a="http://schemas.openxmlformats.org/drawingml/2006/main" xmlns:r="http://schemas.openxmlformats.org/officeDocument/2006/relationships" xmlns:p="http://schemas.openxmlformats.org/presentationml/2006/main" type="tx">
   <p:cSld name="Title and Body">
     <p:spTree>
       <p:nvGrpSpPr>
-        <p:cNvPr id="14" name="Shape 14"/>
+        <p:cNvPr id="1" name="Shape 14"/>
         <p:cNvGrpSpPr/>
         <p:nvPr/>
       </p:nvGrpSpPr>
       <p:grpSpPr>
         <a:xfrm>
-          <a:off y="0" x="0"/>
-          <a:ext cy="0" cx="0"/>
-          <a:chOff y="0" x="0"/>
-          <a:chExt cy="0" cx="0"/>
+          <a:off x="0" y="0"/>
+          <a:ext cx="0" cy="0"/>
+          <a:chOff x="0" y="0"/>
+          <a:chExt cx="0" cy="0"/>
         </a:xfrm>
       </p:grpSpPr>
       <p:sp>
@@ -1688,12 +1860,12 @@
         </p:nvSpPr>
         <p:spPr>
           <a:xfrm>
-            <a:off y="1163170" x="372035"/>
-            <a:ext cy="3877800" cx="8399999"/>
+            <a:off x="372035" y="1163170"/>
+            <a:ext cx="8399999" cy="3877800"/>
           </a:xfrm>
           <a:prstGeom prst="roundRect">
             <a:avLst>
-              <a:gd fmla="val 2970" name="adj"/>
+              <a:gd name="adj" fmla="val 2970"/>
             </a:avLst>
           </a:prstGeom>
           <a:solidFill>
@@ -1704,7 +1876,7 @@
           </a:ln>
         </p:spPr>
         <p:txBody>
-          <a:bodyPr bIns="45700" rIns="91425" lIns="91425" tIns="45700" anchor="ctr" anchorCtr="0">
+          <a:bodyPr lIns="91425" tIns="45700" rIns="91425" bIns="45700" anchor="ctr" anchorCtr="0">
             <a:noAutofit/>
           </a:bodyPr>
           <a:lstStyle/>
@@ -1715,9 +1887,6 @@
               </a:spcBef>
               <a:buNone/>
             </a:pPr>
-            <a:r>
-              <a:t/>
-            </a:r>
             <a:endParaRPr/>
           </a:p>
         </p:txBody>
@@ -1730,13 +1899,13 @@
         </p:nvSpPr>
         <p:spPr>
           <a:xfrm rot="10800000" flipH="1">
-            <a:off y="59" x="372035"/>
-            <a:ext cy="1049700" cx="8399999"/>
+            <a:off x="372035" y="59"/>
+            <a:ext cx="8399999" cy="1049700"/>
           </a:xfrm>
           <a:prstGeom prst="round2SameRect">
             <a:avLst>
-              <a:gd fmla="val 10590" name="adj1"/>
-              <a:gd fmla="val 0" name="adj2"/>
+              <a:gd name="adj1" fmla="val 10590"/>
+              <a:gd name="adj2" fmla="val 0"/>
             </a:avLst>
           </a:prstGeom>
           <a:solidFill>
@@ -1747,7 +1916,7 @@
           </a:ln>
         </p:spPr>
         <p:txBody>
-          <a:bodyPr bIns="45700" rIns="91425" lIns="91425" tIns="45700" anchor="ctr" anchorCtr="0">
+          <a:bodyPr lIns="91425" tIns="45700" rIns="91425" bIns="45700" anchor="ctr" anchorCtr="0">
             <a:noAutofit/>
           </a:bodyPr>
           <a:lstStyle/>
@@ -1758,9 +1927,6 @@
               </a:spcBef>
               <a:buNone/>
             </a:pPr>
-            <a:r>
-              <a:t/>
-            </a:r>
             <a:endParaRPr/>
           </a:p>
         </p:txBody>
@@ -1768,22 +1934,24 @@
       <p:sp>
         <p:nvSpPr>
           <p:cNvPr id="17" name="Shape 17"/>
-          <p:cNvSpPr txBox="1"/>
+          <p:cNvSpPr txBox="1">
+            <a:spLocks noGrp="1"/>
+          </p:cNvSpPr>
           <p:nvPr>
             <p:ph type="title"/>
           </p:nvPr>
         </p:nvSpPr>
         <p:spPr>
           <a:xfrm>
-            <a:off y="139527" x="457200"/>
-            <a:ext cy="857400" cx="8229600"/>
+            <a:off x="457200" y="139527"/>
+            <a:ext cx="8229600" cy="857400"/>
           </a:xfrm>
           <a:prstGeom prst="rect">
             <a:avLst/>
           </a:prstGeom>
         </p:spPr>
         <p:txBody>
-          <a:bodyPr bIns="91425" rIns="91425" lIns="91425" tIns="91425" anchor="b" anchorCtr="0"/>
+          <a:bodyPr lIns="91425" tIns="91425" rIns="91425" bIns="91425" anchor="b" anchorCtr="0"/>
           <a:lstStyle>
             <a:lvl1pPr>
               <a:spcBef>
@@ -1840,28 +2008,32 @@
               <a:defRPr/>
             </a:lvl9pPr>
           </a:lstStyle>
-          <a:p/>
+          <a:p>
+            <a:endParaRPr/>
+          </a:p>
         </p:txBody>
       </p:sp>
       <p:sp>
         <p:nvSpPr>
           <p:cNvPr id="18" name="Shape 18"/>
-          <p:cNvSpPr txBox="1"/>
+          <p:cNvSpPr txBox="1">
+            <a:spLocks noGrp="1"/>
+          </p:cNvSpPr>
           <p:nvPr>
-            <p:ph idx="1" type="body"/>
+            <p:ph type="body" idx="1"/>
           </p:nvPr>
         </p:nvSpPr>
         <p:spPr>
           <a:xfrm>
-            <a:off y="1200150" x="457200"/>
-            <a:ext cy="3725699" cx="8229600"/>
+            <a:off x="457200" y="1200150"/>
+            <a:ext cx="8229600" cy="3725699"/>
           </a:xfrm>
           <a:prstGeom prst="rect">
             <a:avLst/>
           </a:prstGeom>
         </p:spPr>
         <p:txBody>
-          <a:bodyPr bIns="91425" rIns="91425" lIns="91425" tIns="91425" anchor="t" anchorCtr="0"/>
+          <a:bodyPr lIns="91425" tIns="91425" rIns="91425" bIns="91425" anchor="t" anchorCtr="0"/>
           <a:lstStyle>
             <a:lvl1pPr>
               <a:spcBef>
@@ -1918,28 +2090,32 @@
               <a:defRPr/>
             </a:lvl9pPr>
           </a:lstStyle>
-          <a:p/>
+          <a:p>
+            <a:endParaRPr/>
+          </a:p>
         </p:txBody>
       </p:sp>
       <p:sp>
         <p:nvSpPr>
           <p:cNvPr id="19" name="Shape 19"/>
-          <p:cNvSpPr txBox="1"/>
+          <p:cNvSpPr txBox="1">
+            <a:spLocks noGrp="1"/>
+          </p:cNvSpPr>
           <p:nvPr>
-            <p:ph idx="12" type="sldNum"/>
+            <p:ph type="sldNum" idx="12"/>
           </p:nvPr>
         </p:nvSpPr>
         <p:spPr>
           <a:xfrm>
-            <a:off y="4749873" x="8607464"/>
-            <a:ext cy="393600" cx="548699"/>
+            <a:off x="8607464" y="4749873"/>
+            <a:ext cx="548699" cy="393600"/>
           </a:xfrm>
           <a:prstGeom prst="rect">
             <a:avLst/>
           </a:prstGeom>
         </p:spPr>
         <p:txBody>
-          <a:bodyPr bIns="91425" rIns="91425" lIns="91425" tIns="91425" anchor="ctr" anchorCtr="0">
+          <a:bodyPr lIns="91425" tIns="91425" rIns="91425" bIns="91425" anchor="ctr" anchorCtr="0">
             <a:noAutofit/>
           </a:bodyPr>
           <a:lstStyle>
@@ -1962,6 +2138,7 @@
               <a:rPr lang="en"/>
               <a:t>‹#›</a:t>
             </a:fld>
+            <a:endParaRPr lang="en"/>
           </a:p>
         </p:txBody>
       </p:sp>
@@ -1974,20 +2151,20 @@
 </file>
 
 <file path=ppt/slideLayouts/slideLayout3.xml><?xml version="1.0" encoding="utf-8"?>
-<p:sldLayout xmlns:a="http://schemas.openxmlformats.org/drawingml/2006/main" xmlns:r="http://schemas.openxmlformats.org/officeDocument/2006/relationships" xmlns:mc="http://schemas.openxmlformats.org/markup-compatibility/2006" xmlns:mv="urn:schemas-microsoft-com:mac:vml" xmlns:p="http://schemas.openxmlformats.org/presentationml/2006/main" xmlns:c="http://schemas.openxmlformats.org/drawingml/2006/chart" xmlns:dgm="http://schemas.openxmlformats.org/drawingml/2006/diagram" xmlns:o="urn:schemas-microsoft-com:office:office" xmlns:v="urn:schemas-microsoft-com:vml" xmlns:pvml="urn:schemas-microsoft-com:office:powerpoint" xmlns:com="http://schemas.openxmlformats.org/drawingml/2006/compatibility" xmlns:p14="http://schemas.microsoft.com/office/powerpoint/2010/main" type="twoColTx">
+<p:sldLayout xmlns:a="http://schemas.openxmlformats.org/drawingml/2006/main" xmlns:r="http://schemas.openxmlformats.org/officeDocument/2006/relationships" xmlns:p="http://schemas.openxmlformats.org/presentationml/2006/main" type="twoColTx">
   <p:cSld name="Title and Two Columns">
     <p:spTree>
       <p:nvGrpSpPr>
-        <p:cNvPr id="20" name="Shape 20"/>
+        <p:cNvPr id="1" name="Shape 20"/>
         <p:cNvGrpSpPr/>
         <p:nvPr/>
       </p:nvGrpSpPr>
       <p:grpSpPr>
         <a:xfrm>
-          <a:off y="0" x="0"/>
-          <a:ext cy="0" cx="0"/>
-          <a:chOff y="0" x="0"/>
-          <a:chExt cy="0" cx="0"/>
+          <a:off x="0" y="0"/>
+          <a:ext cx="0" cy="0"/>
+          <a:chOff x="0" y="0"/>
+          <a:chExt cx="0" cy="0"/>
         </a:xfrm>
       </p:grpSpPr>
       <p:sp>
@@ -1998,12 +2175,12 @@
         </p:nvSpPr>
         <p:spPr>
           <a:xfrm>
-            <a:off y="1163170" x="372035"/>
-            <a:ext cy="3877800" cx="4114800"/>
+            <a:off x="372035" y="1163170"/>
+            <a:ext cx="4114800" cy="3877800"/>
           </a:xfrm>
           <a:prstGeom prst="roundRect">
             <a:avLst>
-              <a:gd fmla="val 3784" name="adj"/>
+              <a:gd name="adj" fmla="val 3784"/>
             </a:avLst>
           </a:prstGeom>
           <a:solidFill>
@@ -2014,7 +2191,7 @@
           </a:ln>
         </p:spPr>
         <p:txBody>
-          <a:bodyPr bIns="45700" rIns="91425" lIns="91425" tIns="45700" anchor="ctr" anchorCtr="0">
+          <a:bodyPr lIns="91425" tIns="45700" rIns="91425" bIns="45700" anchor="ctr" anchorCtr="0">
             <a:noAutofit/>
           </a:bodyPr>
           <a:lstStyle/>
@@ -2025,9 +2202,6 @@
               </a:spcBef>
               <a:buNone/>
             </a:pPr>
-            <a:r>
-              <a:t/>
-            </a:r>
             <a:endParaRPr/>
           </a:p>
         </p:txBody>
@@ -2040,13 +2214,13 @@
         </p:nvSpPr>
         <p:spPr>
           <a:xfrm rot="10800000" flipH="1">
-            <a:off y="59" x="372035"/>
-            <a:ext cy="1049700" cx="8399999"/>
+            <a:off x="372035" y="59"/>
+            <a:ext cx="8399999" cy="1049700"/>
           </a:xfrm>
           <a:prstGeom prst="round2SameRect">
             <a:avLst>
-              <a:gd fmla="val 10590" name="adj1"/>
-              <a:gd fmla="val 0" name="adj2"/>
+              <a:gd name="adj1" fmla="val 10590"/>
+              <a:gd name="adj2" fmla="val 0"/>
             </a:avLst>
           </a:prstGeom>
           <a:solidFill>
@@ -2057,7 +2231,7 @@
           </a:ln>
         </p:spPr>
         <p:txBody>
-          <a:bodyPr bIns="45700" rIns="91425" lIns="91425" tIns="45700" anchor="ctr" anchorCtr="0">
+          <a:bodyPr lIns="91425" tIns="45700" rIns="91425" bIns="45700" anchor="ctr" anchorCtr="0">
             <a:noAutofit/>
           </a:bodyPr>
           <a:lstStyle/>
@@ -2068,9 +2242,6 @@
               </a:spcBef>
               <a:buNone/>
             </a:pPr>
-            <a:r>
-              <a:t/>
-            </a:r>
             <a:endParaRPr/>
           </a:p>
         </p:txBody>
@@ -2078,22 +2249,24 @@
       <p:sp>
         <p:nvSpPr>
           <p:cNvPr id="23" name="Shape 23"/>
-          <p:cNvSpPr txBox="1"/>
+          <p:cNvSpPr txBox="1">
+            <a:spLocks noGrp="1"/>
+          </p:cNvSpPr>
           <p:nvPr>
             <p:ph type="title"/>
           </p:nvPr>
         </p:nvSpPr>
         <p:spPr>
           <a:xfrm>
-            <a:off y="139527" x="457200"/>
-            <a:ext cy="857400" cx="8229600"/>
+            <a:off x="457200" y="139527"/>
+            <a:ext cx="8229600" cy="857400"/>
           </a:xfrm>
           <a:prstGeom prst="rect">
             <a:avLst/>
           </a:prstGeom>
         </p:spPr>
         <p:txBody>
-          <a:bodyPr bIns="91425" rIns="91425" lIns="91425" tIns="91425" anchor="b" anchorCtr="0"/>
+          <a:bodyPr lIns="91425" tIns="91425" rIns="91425" bIns="91425" anchor="b" anchorCtr="0"/>
           <a:lstStyle>
             <a:lvl1pPr>
               <a:spcBef>
@@ -2150,28 +2323,32 @@
               <a:defRPr/>
             </a:lvl9pPr>
           </a:lstStyle>
-          <a:p/>
+          <a:p>
+            <a:endParaRPr/>
+          </a:p>
         </p:txBody>
       </p:sp>
       <p:sp>
         <p:nvSpPr>
           <p:cNvPr id="24" name="Shape 24"/>
-          <p:cNvSpPr txBox="1"/>
+          <p:cNvSpPr txBox="1">
+            <a:spLocks noGrp="1"/>
+          </p:cNvSpPr>
           <p:nvPr>
-            <p:ph idx="1" type="body"/>
+            <p:ph type="body" idx="1"/>
           </p:nvPr>
         </p:nvSpPr>
         <p:spPr>
           <a:xfrm>
-            <a:off y="1200150" x="457200"/>
-            <a:ext cy="3725699" cx="3925500"/>
+            <a:off x="457200" y="1200150"/>
+            <a:ext cx="3925500" cy="3725699"/>
           </a:xfrm>
           <a:prstGeom prst="rect">
             <a:avLst/>
           </a:prstGeom>
         </p:spPr>
         <p:txBody>
-          <a:bodyPr bIns="91425" rIns="91425" lIns="91425" tIns="91425" anchor="t" anchorCtr="0"/>
+          <a:bodyPr lIns="91425" tIns="91425" rIns="91425" bIns="91425" anchor="t" anchorCtr="0"/>
           <a:lstStyle>
             <a:lvl1pPr>
               <a:spcBef>
@@ -2228,7 +2405,9 @@
               <a:defRPr/>
             </a:lvl9pPr>
           </a:lstStyle>
-          <a:p/>
+          <a:p>
+            <a:endParaRPr/>
+          </a:p>
         </p:txBody>
       </p:sp>
       <p:sp>
@@ -2239,12 +2418,12 @@
         </p:nvSpPr>
         <p:spPr>
           <a:xfrm>
-            <a:off y="1163170" x="4657164"/>
-            <a:ext cy="3877800" cx="4114800"/>
+            <a:off x="4657164" y="1163170"/>
+            <a:ext cx="4114800" cy="3877800"/>
           </a:xfrm>
           <a:prstGeom prst="roundRect">
             <a:avLst>
-              <a:gd fmla="val 3784" name="adj"/>
+              <a:gd name="adj" fmla="val 3784"/>
             </a:avLst>
           </a:prstGeom>
           <a:solidFill>
@@ -2255,7 +2434,7 @@
           </a:ln>
         </p:spPr>
         <p:txBody>
-          <a:bodyPr bIns="45700" rIns="91425" lIns="91425" tIns="45700" anchor="ctr" anchorCtr="0">
+          <a:bodyPr lIns="91425" tIns="45700" rIns="91425" bIns="45700" anchor="ctr" anchorCtr="0">
             <a:noAutofit/>
           </a:bodyPr>
           <a:lstStyle/>
@@ -2266,9 +2445,6 @@
               </a:spcBef>
               <a:buNone/>
             </a:pPr>
-            <a:r>
-              <a:t/>
-            </a:r>
             <a:endParaRPr/>
           </a:p>
         </p:txBody>
@@ -2276,22 +2452,24 @@
       <p:sp>
         <p:nvSpPr>
           <p:cNvPr id="26" name="Shape 26"/>
-          <p:cNvSpPr txBox="1"/>
+          <p:cNvSpPr txBox="1">
+            <a:spLocks noGrp="1"/>
+          </p:cNvSpPr>
           <p:nvPr>
-            <p:ph idx="2" type="body"/>
+            <p:ph type="body" idx="2"/>
           </p:nvPr>
         </p:nvSpPr>
         <p:spPr>
           <a:xfrm>
-            <a:off y="1200150" x="4761353"/>
-            <a:ext cy="3725699" cx="3925500"/>
+            <a:off x="4761353" y="1200150"/>
+            <a:ext cx="3925500" cy="3725699"/>
           </a:xfrm>
           <a:prstGeom prst="rect">
             <a:avLst/>
           </a:prstGeom>
         </p:spPr>
         <p:txBody>
-          <a:bodyPr bIns="91425" rIns="91425" lIns="91425" tIns="91425" anchor="t" anchorCtr="0"/>
+          <a:bodyPr lIns="91425" tIns="91425" rIns="91425" bIns="91425" anchor="t" anchorCtr="0"/>
           <a:lstStyle>
             <a:lvl1pPr>
               <a:spcBef>
@@ -2348,28 +2526,32 @@
               <a:defRPr/>
             </a:lvl9pPr>
           </a:lstStyle>
-          <a:p/>
+          <a:p>
+            <a:endParaRPr/>
+          </a:p>
         </p:txBody>
       </p:sp>
       <p:sp>
         <p:nvSpPr>
           <p:cNvPr id="27" name="Shape 27"/>
-          <p:cNvSpPr txBox="1"/>
+          <p:cNvSpPr txBox="1">
+            <a:spLocks noGrp="1"/>
+          </p:cNvSpPr>
           <p:nvPr>
-            <p:ph idx="12" type="sldNum"/>
+            <p:ph type="sldNum" idx="12"/>
           </p:nvPr>
         </p:nvSpPr>
         <p:spPr>
           <a:xfrm>
-            <a:off y="4749873" x="8607464"/>
-            <a:ext cy="393600" cx="548699"/>
+            <a:off x="8607464" y="4749873"/>
+            <a:ext cx="548699" cy="393600"/>
           </a:xfrm>
           <a:prstGeom prst="rect">
             <a:avLst/>
           </a:prstGeom>
         </p:spPr>
         <p:txBody>
-          <a:bodyPr bIns="91425" rIns="91425" lIns="91425" tIns="91425" anchor="ctr" anchorCtr="0">
+          <a:bodyPr lIns="91425" tIns="91425" rIns="91425" bIns="91425" anchor="ctr" anchorCtr="0">
             <a:noAutofit/>
           </a:bodyPr>
           <a:lstStyle>
@@ -2392,6 +2574,7 @@
               <a:rPr lang="en"/>
               <a:t>‹#›</a:t>
             </a:fld>
+            <a:endParaRPr lang="en"/>
           </a:p>
         </p:txBody>
       </p:sp>
@@ -2404,20 +2587,20 @@
 </file>
 
 <file path=ppt/slideLayouts/slideLayout4.xml><?xml version="1.0" encoding="utf-8"?>
-<p:sldLayout xmlns:a="http://schemas.openxmlformats.org/drawingml/2006/main" xmlns:r="http://schemas.openxmlformats.org/officeDocument/2006/relationships" xmlns:mc="http://schemas.openxmlformats.org/markup-compatibility/2006" xmlns:mv="urn:schemas-microsoft-com:mac:vml" xmlns:p="http://schemas.openxmlformats.org/presentationml/2006/main" xmlns:c="http://schemas.openxmlformats.org/drawingml/2006/chart" xmlns:dgm="http://schemas.openxmlformats.org/drawingml/2006/diagram" xmlns:o="urn:schemas-microsoft-com:office:office" xmlns:v="urn:schemas-microsoft-com:vml" xmlns:pvml="urn:schemas-microsoft-com:office:powerpoint" xmlns:com="http://schemas.openxmlformats.org/drawingml/2006/compatibility" xmlns:p14="http://schemas.microsoft.com/office/powerpoint/2010/main" type="titleOnly">
+<p:sldLayout xmlns:a="http://schemas.openxmlformats.org/drawingml/2006/main" xmlns:r="http://schemas.openxmlformats.org/officeDocument/2006/relationships" xmlns:p="http://schemas.openxmlformats.org/presentationml/2006/main" type="titleOnly">
   <p:cSld name="Title Only">
     <p:spTree>
       <p:nvGrpSpPr>
-        <p:cNvPr id="28" name="Shape 28"/>
+        <p:cNvPr id="1" name="Shape 28"/>
         <p:cNvGrpSpPr/>
         <p:nvPr/>
       </p:nvGrpSpPr>
       <p:grpSpPr>
         <a:xfrm>
-          <a:off y="0" x="0"/>
-          <a:ext cy="0" cx="0"/>
-          <a:chOff y="0" x="0"/>
-          <a:chExt cy="0" cx="0"/>
+          <a:off x="0" y="0"/>
+          <a:ext cx="0" cy="0"/>
+          <a:chOff x="0" y="0"/>
+          <a:chExt cx="0" cy="0"/>
         </a:xfrm>
       </p:grpSpPr>
       <p:sp>
@@ -2428,12 +2611,12 @@
         </p:nvSpPr>
         <p:spPr>
           <a:xfrm>
-            <a:off y="1163170" x="372035"/>
-            <a:ext cy="3877800" cx="8399999"/>
+            <a:off x="372035" y="1163170"/>
+            <a:ext cx="8399999" cy="3877800"/>
           </a:xfrm>
           <a:prstGeom prst="roundRect">
             <a:avLst>
-              <a:gd fmla="val 2970" name="adj"/>
+              <a:gd name="adj" fmla="val 2970"/>
             </a:avLst>
           </a:prstGeom>
           <a:solidFill>
@@ -2444,7 +2627,7 @@
           </a:ln>
         </p:spPr>
         <p:txBody>
-          <a:bodyPr bIns="45700" rIns="91425" lIns="91425" tIns="45700" anchor="ctr" anchorCtr="0">
+          <a:bodyPr lIns="91425" tIns="45700" rIns="91425" bIns="45700" anchor="ctr" anchorCtr="0">
             <a:noAutofit/>
           </a:bodyPr>
           <a:lstStyle/>
@@ -2455,9 +2638,6 @@
               </a:spcBef>
               <a:buNone/>
             </a:pPr>
-            <a:r>
-              <a:t/>
-            </a:r>
             <a:endParaRPr/>
           </a:p>
         </p:txBody>
@@ -2470,13 +2650,13 @@
         </p:nvSpPr>
         <p:spPr>
           <a:xfrm rot="10800000" flipH="1">
-            <a:off y="59" x="372035"/>
-            <a:ext cy="1049700" cx="8399999"/>
+            <a:off x="372035" y="59"/>
+            <a:ext cx="8399999" cy="1049700"/>
           </a:xfrm>
           <a:prstGeom prst="round2SameRect">
             <a:avLst>
-              <a:gd fmla="val 10590" name="adj1"/>
-              <a:gd fmla="val 0" name="adj2"/>
+              <a:gd name="adj1" fmla="val 10590"/>
+              <a:gd name="adj2" fmla="val 0"/>
             </a:avLst>
           </a:prstGeom>
           <a:solidFill>
@@ -2487,7 +2667,7 @@
           </a:ln>
         </p:spPr>
         <p:txBody>
-          <a:bodyPr bIns="45700" rIns="91425" lIns="91425" tIns="45700" anchor="ctr" anchorCtr="0">
+          <a:bodyPr lIns="91425" tIns="45700" rIns="91425" bIns="45700" anchor="ctr" anchorCtr="0">
             <a:noAutofit/>
           </a:bodyPr>
           <a:lstStyle/>
@@ -2498,9 +2678,6 @@
               </a:spcBef>
               <a:buNone/>
             </a:pPr>
-            <a:r>
-              <a:t/>
-            </a:r>
             <a:endParaRPr/>
           </a:p>
         </p:txBody>
@@ -2508,22 +2685,24 @@
       <p:sp>
         <p:nvSpPr>
           <p:cNvPr id="31" name="Shape 31"/>
-          <p:cNvSpPr txBox="1"/>
+          <p:cNvSpPr txBox="1">
+            <a:spLocks noGrp="1"/>
+          </p:cNvSpPr>
           <p:nvPr>
             <p:ph type="title"/>
           </p:nvPr>
         </p:nvSpPr>
         <p:spPr>
           <a:xfrm>
-            <a:off y="139527" x="457200"/>
-            <a:ext cy="857400" cx="8229600"/>
+            <a:off x="457200" y="139527"/>
+            <a:ext cx="8229600" cy="857400"/>
           </a:xfrm>
           <a:prstGeom prst="rect">
             <a:avLst/>
           </a:prstGeom>
         </p:spPr>
         <p:txBody>
-          <a:bodyPr bIns="91425" rIns="91425" lIns="91425" tIns="91425" anchor="b" anchorCtr="0"/>
+          <a:bodyPr lIns="91425" tIns="91425" rIns="91425" bIns="91425" anchor="b" anchorCtr="0"/>
           <a:lstStyle>
             <a:lvl1pPr>
               <a:spcBef>
@@ -2580,28 +2759,32 @@
               <a:defRPr/>
             </a:lvl9pPr>
           </a:lstStyle>
-          <a:p/>
+          <a:p>
+            <a:endParaRPr/>
+          </a:p>
         </p:txBody>
       </p:sp>
       <p:sp>
         <p:nvSpPr>
           <p:cNvPr id="32" name="Shape 32"/>
-          <p:cNvSpPr txBox="1"/>
+          <p:cNvSpPr txBox="1">
+            <a:spLocks noGrp="1"/>
+          </p:cNvSpPr>
           <p:nvPr>
-            <p:ph idx="12" type="sldNum"/>
+            <p:ph type="sldNum" idx="12"/>
           </p:nvPr>
         </p:nvSpPr>
         <p:spPr>
           <a:xfrm>
-            <a:off y="4749873" x="8607464"/>
-            <a:ext cy="393600" cx="548699"/>
+            <a:off x="8607464" y="4749873"/>
+            <a:ext cx="548699" cy="393600"/>
           </a:xfrm>
           <a:prstGeom prst="rect">
             <a:avLst/>
           </a:prstGeom>
         </p:spPr>
         <p:txBody>
-          <a:bodyPr bIns="91425" rIns="91425" lIns="91425" tIns="91425" anchor="ctr" anchorCtr="0">
+          <a:bodyPr lIns="91425" tIns="91425" rIns="91425" bIns="91425" anchor="ctr" anchorCtr="0">
             <a:noAutofit/>
           </a:bodyPr>
           <a:lstStyle>
@@ -2624,6 +2807,7 @@
               <a:rPr lang="en"/>
               <a:t>‹#›</a:t>
             </a:fld>
+            <a:endParaRPr lang="en"/>
           </a:p>
         </p:txBody>
       </p:sp>
@@ -2636,41 +2820,43 @@
 </file>
 
 <file path=ppt/slideLayouts/slideLayout5.xml><?xml version="1.0" encoding="utf-8"?>
-<p:sldLayout xmlns:a="http://schemas.openxmlformats.org/drawingml/2006/main" xmlns:r="http://schemas.openxmlformats.org/officeDocument/2006/relationships" xmlns:mc="http://schemas.openxmlformats.org/markup-compatibility/2006" xmlns:mv="urn:schemas-microsoft-com:mac:vml" xmlns:p="http://schemas.openxmlformats.org/presentationml/2006/main" xmlns:c="http://schemas.openxmlformats.org/drawingml/2006/chart" xmlns:dgm="http://schemas.openxmlformats.org/drawingml/2006/diagram" xmlns:o="urn:schemas-microsoft-com:office:office" xmlns:v="urn:schemas-microsoft-com:vml" xmlns:pvml="urn:schemas-microsoft-com:office:powerpoint" xmlns:com="http://schemas.openxmlformats.org/drawingml/2006/compatibility" xmlns:p14="http://schemas.microsoft.com/office/powerpoint/2010/main">
+<p:sldLayout xmlns:a="http://schemas.openxmlformats.org/drawingml/2006/main" xmlns:r="http://schemas.openxmlformats.org/officeDocument/2006/relationships" xmlns:p="http://schemas.openxmlformats.org/presentationml/2006/main">
   <p:cSld name="Caption">
     <p:spTree>
       <p:nvGrpSpPr>
-        <p:cNvPr id="33" name="Shape 33"/>
+        <p:cNvPr id="1" name="Shape 33"/>
         <p:cNvGrpSpPr/>
         <p:nvPr/>
       </p:nvGrpSpPr>
       <p:grpSpPr>
         <a:xfrm>
-          <a:off y="0" x="0"/>
-          <a:ext cy="0" cx="0"/>
-          <a:chOff y="0" x="0"/>
-          <a:chExt cy="0" cx="0"/>
+          <a:off x="0" y="0"/>
+          <a:ext cx="0" cy="0"/>
+          <a:chOff x="0" y="0"/>
+          <a:chExt cx="0" cy="0"/>
         </a:xfrm>
       </p:grpSpPr>
       <p:sp>
         <p:nvSpPr>
           <p:cNvPr id="34" name="Shape 34"/>
-          <p:cNvSpPr txBox="1"/>
+          <p:cNvSpPr txBox="1">
+            <a:spLocks noGrp="1"/>
+          </p:cNvSpPr>
           <p:nvPr>
-            <p:ph idx="1" type="body"/>
+            <p:ph type="body" idx="1"/>
           </p:nvPr>
         </p:nvSpPr>
         <p:spPr>
           <a:xfrm>
-            <a:off y="4276652" x="372035"/>
-            <a:ext cy="649199" cx="8399999"/>
+            <a:off x="372035" y="4276652"/>
+            <a:ext cx="8399999" cy="649199"/>
           </a:xfrm>
           <a:prstGeom prst="rect">
             <a:avLst/>
           </a:prstGeom>
         </p:spPr>
         <p:txBody>
-          <a:bodyPr bIns="91425" rIns="91425" lIns="91425" tIns="91425" anchor="t" anchorCtr="0"/>
+          <a:bodyPr lIns="91425" tIns="91425" rIns="91425" bIns="91425" anchor="t" anchorCtr="0"/>
           <a:lstStyle>
             <a:lvl1pPr>
               <a:spcBef>
@@ -2681,14 +2867,16 @@
               </a:buClr>
               <a:buSzPct val="100000"/>
               <a:buNone/>
-              <a:defRPr b="1" sz="2400">
+              <a:defRPr sz="2400" b="1">
                 <a:solidFill>
                   <a:schemeClr val="lt1"/>
                 </a:solidFill>
               </a:defRPr>
             </a:lvl1pPr>
           </a:lstStyle>
-          <a:p/>
+          <a:p>
+            <a:endParaRPr/>
+          </a:p>
         </p:txBody>
       </p:sp>
       <p:sp>
@@ -2699,12 +2887,12 @@
         </p:nvSpPr>
         <p:spPr>
           <a:xfrm>
-            <a:off y="233279" x="372035"/>
-            <a:ext cy="3868499" cx="8399999"/>
+            <a:off x="372035" y="233279"/>
+            <a:ext cx="8399999" cy="3868499"/>
           </a:xfrm>
           <a:prstGeom prst="roundRect">
             <a:avLst>
-              <a:gd fmla="val 2776" name="adj"/>
+              <a:gd name="adj" fmla="val 2776"/>
             </a:avLst>
           </a:prstGeom>
           <a:solidFill>
@@ -2715,7 +2903,7 @@
           </a:ln>
         </p:spPr>
         <p:txBody>
-          <a:bodyPr bIns="45700" rIns="91425" lIns="91425" tIns="45700" anchor="ctr" anchorCtr="0">
+          <a:bodyPr lIns="91425" tIns="45700" rIns="91425" bIns="45700" anchor="ctr" anchorCtr="0">
             <a:noAutofit/>
           </a:bodyPr>
           <a:lstStyle/>
@@ -2726,9 +2914,6 @@
               </a:spcBef>
               <a:buNone/>
             </a:pPr>
-            <a:r>
-              <a:t/>
-            </a:r>
             <a:endParaRPr/>
           </a:p>
         </p:txBody>
@@ -2736,22 +2921,24 @@
       <p:sp>
         <p:nvSpPr>
           <p:cNvPr id="36" name="Shape 36"/>
-          <p:cNvSpPr txBox="1"/>
+          <p:cNvSpPr txBox="1">
+            <a:spLocks noGrp="1"/>
+          </p:cNvSpPr>
           <p:nvPr>
-            <p:ph idx="12" type="sldNum"/>
+            <p:ph type="sldNum" idx="12"/>
           </p:nvPr>
         </p:nvSpPr>
         <p:spPr>
           <a:xfrm>
-            <a:off y="4749873" x="8607464"/>
-            <a:ext cy="393600" cx="548699"/>
+            <a:off x="8607464" y="4749873"/>
+            <a:ext cx="548699" cy="393600"/>
           </a:xfrm>
           <a:prstGeom prst="rect">
             <a:avLst/>
           </a:prstGeom>
         </p:spPr>
         <p:txBody>
-          <a:bodyPr bIns="91425" rIns="91425" lIns="91425" tIns="91425" anchor="ctr" anchorCtr="0">
+          <a:bodyPr lIns="91425" tIns="91425" rIns="91425" bIns="91425" anchor="ctr" anchorCtr="0">
             <a:noAutofit/>
           </a:bodyPr>
           <a:lstStyle>
@@ -2774,6 +2961,7 @@
               <a:rPr lang="en"/>
               <a:t>‹#›</a:t>
             </a:fld>
+            <a:endParaRPr lang="en"/>
           </a:p>
         </p:txBody>
       </p:sp>
@@ -2786,20 +2974,20 @@
 </file>
 
 <file path=ppt/slideLayouts/slideLayout6.xml><?xml version="1.0" encoding="utf-8"?>
-<p:sldLayout xmlns:a="http://schemas.openxmlformats.org/drawingml/2006/main" xmlns:r="http://schemas.openxmlformats.org/officeDocument/2006/relationships" xmlns:mc="http://schemas.openxmlformats.org/markup-compatibility/2006" xmlns:mv="urn:schemas-microsoft-com:mac:vml" xmlns:p="http://schemas.openxmlformats.org/presentationml/2006/main" xmlns:c="http://schemas.openxmlformats.org/drawingml/2006/chart" xmlns:dgm="http://schemas.openxmlformats.org/drawingml/2006/diagram" xmlns:o="urn:schemas-microsoft-com:office:office" xmlns:v="urn:schemas-microsoft-com:vml" xmlns:pvml="urn:schemas-microsoft-com:office:powerpoint" xmlns:com="http://schemas.openxmlformats.org/drawingml/2006/compatibility" xmlns:p14="http://schemas.microsoft.com/office/powerpoint/2010/main" type="blank">
+<p:sldLayout xmlns:a="http://schemas.openxmlformats.org/drawingml/2006/main" xmlns:r="http://schemas.openxmlformats.org/officeDocument/2006/relationships" xmlns:p="http://schemas.openxmlformats.org/presentationml/2006/main" type="blank">
   <p:cSld name="Blank">
     <p:spTree>
       <p:nvGrpSpPr>
-        <p:cNvPr id="37" name="Shape 37"/>
+        <p:cNvPr id="1" name="Shape 37"/>
         <p:cNvGrpSpPr/>
         <p:nvPr/>
       </p:nvGrpSpPr>
       <p:grpSpPr>
         <a:xfrm>
-          <a:off y="0" x="0"/>
-          <a:ext cy="0" cx="0"/>
-          <a:chOff y="0" x="0"/>
-          <a:chExt cy="0" cx="0"/>
+          <a:off x="0" y="0"/>
+          <a:ext cx="0" cy="0"/>
+          <a:chOff x="0" y="0"/>
+          <a:chExt cx="0" cy="0"/>
         </a:xfrm>
       </p:grpSpPr>
       <p:sp>
@@ -2810,12 +2998,12 @@
         </p:nvSpPr>
         <p:spPr>
           <a:xfrm>
-            <a:off y="235584" x="372035"/>
-            <a:ext cy="4672199" cx="8399999"/>
+            <a:off x="372035" y="235584"/>
+            <a:ext cx="8399999" cy="4672199"/>
           </a:xfrm>
           <a:prstGeom prst="roundRect">
             <a:avLst>
-              <a:gd fmla="val 2255" name="adj"/>
+              <a:gd name="adj" fmla="val 2255"/>
             </a:avLst>
           </a:prstGeom>
           <a:solidFill>
@@ -2826,7 +3014,7 @@
           </a:ln>
         </p:spPr>
         <p:txBody>
-          <a:bodyPr bIns="45700" rIns="91425" lIns="91425" tIns="45700" anchor="ctr" anchorCtr="0">
+          <a:bodyPr lIns="91425" tIns="45700" rIns="91425" bIns="45700" anchor="ctr" anchorCtr="0">
             <a:noAutofit/>
           </a:bodyPr>
           <a:lstStyle/>
@@ -2837,9 +3025,6 @@
               </a:spcBef>
               <a:buNone/>
             </a:pPr>
-            <a:r>
-              <a:t/>
-            </a:r>
             <a:endParaRPr/>
           </a:p>
         </p:txBody>
@@ -2847,22 +3032,24 @@
       <p:sp>
         <p:nvSpPr>
           <p:cNvPr id="39" name="Shape 39"/>
-          <p:cNvSpPr txBox="1"/>
+          <p:cNvSpPr txBox="1">
+            <a:spLocks noGrp="1"/>
+          </p:cNvSpPr>
           <p:nvPr>
-            <p:ph idx="12" type="sldNum"/>
+            <p:ph type="sldNum" idx="12"/>
           </p:nvPr>
         </p:nvSpPr>
         <p:spPr>
           <a:xfrm>
-            <a:off y="4749873" x="8607464"/>
-            <a:ext cy="393600" cx="548699"/>
+            <a:off x="8607464" y="4749873"/>
+            <a:ext cx="548699" cy="393600"/>
           </a:xfrm>
           <a:prstGeom prst="rect">
             <a:avLst/>
           </a:prstGeom>
         </p:spPr>
         <p:txBody>
-          <a:bodyPr bIns="91425" rIns="91425" lIns="91425" tIns="91425" anchor="ctr" anchorCtr="0">
+          <a:bodyPr lIns="91425" tIns="91425" rIns="91425" bIns="91425" anchor="ctr" anchorCtr="0">
             <a:noAutofit/>
           </a:bodyPr>
           <a:lstStyle>
@@ -2885,6 +3072,7 @@
               <a:rPr lang="en"/>
               <a:t>‹#›</a:t>
             </a:fld>
+            <a:endParaRPr lang="en"/>
           </a:p>
         </p:txBody>
       </p:sp>
@@ -2897,41 +3085,44 @@
 </file>
 
 <file path=ppt/slideMasters/slideMaster1.xml><?xml version="1.0" encoding="utf-8"?>
-<p:sldMaster xmlns:a="http://schemas.openxmlformats.org/drawingml/2006/main" xmlns:r="http://schemas.openxmlformats.org/officeDocument/2006/relationships" xmlns:mc="http://schemas.openxmlformats.org/markup-compatibility/2006" xmlns:mv="urn:schemas-microsoft-com:mac:vml" xmlns:p="http://schemas.openxmlformats.org/presentationml/2006/main" xmlns:c="http://schemas.openxmlformats.org/drawingml/2006/chart" xmlns:dgm="http://schemas.openxmlformats.org/drawingml/2006/diagram" xmlns:o="urn:schemas-microsoft-com:office:office" xmlns:v="urn:schemas-microsoft-com:vml" xmlns:pvml="urn:schemas-microsoft-com:office:powerpoint" xmlns:com="http://schemas.openxmlformats.org/drawingml/2006/compatibility" xmlns:p14="http://schemas.microsoft.com/office/powerpoint/2010/main">
+<p:sldMaster xmlns:a="http://schemas.openxmlformats.org/drawingml/2006/main" xmlns:r="http://schemas.openxmlformats.org/officeDocument/2006/relationships" xmlns:p="http://schemas.openxmlformats.org/presentationml/2006/main">
   <p:cSld>
     <p:bg>
       <p:bgPr>
         <a:solidFill>
           <a:schemeClr val="dk2"/>
         </a:solidFill>
+        <a:effectLst/>
       </p:bgPr>
     </p:bg>
     <p:spTree>
       <p:nvGrpSpPr>
-        <p:cNvPr id="4" name="Shape 4"/>
+        <p:cNvPr id="1" name="Shape 4"/>
         <p:cNvGrpSpPr/>
         <p:nvPr/>
       </p:nvGrpSpPr>
       <p:grpSpPr>
         <a:xfrm>
-          <a:off y="0" x="0"/>
-          <a:ext cy="0" cx="0"/>
-          <a:chOff y="0" x="0"/>
-          <a:chExt cy="0" cx="0"/>
+          <a:off x="0" y="0"/>
+          <a:ext cx="0" cy="0"/>
+          <a:chOff x="0" y="0"/>
+          <a:chExt cx="0" cy="0"/>
         </a:xfrm>
       </p:grpSpPr>
       <p:sp>
         <p:nvSpPr>
           <p:cNvPr id="5" name="Shape 5"/>
-          <p:cNvSpPr txBox="1"/>
+          <p:cNvSpPr txBox="1">
+            <a:spLocks noGrp="1"/>
+          </p:cNvSpPr>
           <p:nvPr>
             <p:ph type="title"/>
           </p:nvPr>
         </p:nvSpPr>
         <p:spPr>
           <a:xfrm>
-            <a:off y="139527" x="457200"/>
-            <a:ext cy="857400" cx="8229600"/>
+            <a:off x="457200" y="139527"/>
+            <a:ext cx="8229600" cy="857400"/>
           </a:xfrm>
           <a:prstGeom prst="rect">
             <a:avLst/>
@@ -2942,7 +3133,7 @@
           </a:ln>
         </p:spPr>
         <p:txBody>
-          <a:bodyPr bIns="91425" rIns="91425" lIns="91425" tIns="91425" anchor="b" anchorCtr="0"/>
+          <a:bodyPr lIns="91425" tIns="91425" rIns="91425" bIns="91425" anchor="b" anchorCtr="0"/>
           <a:lstStyle>
             <a:lvl1pPr>
               <a:spcBef>
@@ -2953,7 +3144,7 @@
               </a:buClr>
               <a:buSzPct val="100000"/>
               <a:buNone/>
-              <a:defRPr b="1" sz="3600">
+              <a:defRPr sz="3600" b="1">
                 <a:solidFill>
                   <a:schemeClr val="dk2"/>
                 </a:solidFill>
@@ -2968,7 +3159,7 @@
               </a:buClr>
               <a:buSzPct val="100000"/>
               <a:buNone/>
-              <a:defRPr b="1" sz="3600">
+              <a:defRPr sz="3600" b="1">
                 <a:solidFill>
                   <a:schemeClr val="dk2"/>
                 </a:solidFill>
@@ -2983,7 +3174,7 @@
               </a:buClr>
               <a:buSzPct val="100000"/>
               <a:buNone/>
-              <a:defRPr b="1" sz="3600">
+              <a:defRPr sz="3600" b="1">
                 <a:solidFill>
                   <a:schemeClr val="dk2"/>
                 </a:solidFill>
@@ -2998,7 +3189,7 @@
               </a:buClr>
               <a:buSzPct val="100000"/>
               <a:buNone/>
-              <a:defRPr b="1" sz="3600">
+              <a:defRPr sz="3600" b="1">
                 <a:solidFill>
                   <a:schemeClr val="dk2"/>
                 </a:solidFill>
@@ -3013,7 +3204,7 @@
               </a:buClr>
               <a:buSzPct val="100000"/>
               <a:buNone/>
-              <a:defRPr b="1" sz="3600">
+              <a:defRPr sz="3600" b="1">
                 <a:solidFill>
                   <a:schemeClr val="dk2"/>
                 </a:solidFill>
@@ -3028,7 +3219,7 @@
               </a:buClr>
               <a:buSzPct val="100000"/>
               <a:buNone/>
-              <a:defRPr b="1" sz="3600">
+              <a:defRPr sz="3600" b="1">
                 <a:solidFill>
                   <a:schemeClr val="dk2"/>
                 </a:solidFill>
@@ -3043,7 +3234,7 @@
               </a:buClr>
               <a:buSzPct val="100000"/>
               <a:buNone/>
-              <a:defRPr b="1" sz="3600">
+              <a:defRPr sz="3600" b="1">
                 <a:solidFill>
                   <a:schemeClr val="dk2"/>
                 </a:solidFill>
@@ -3058,7 +3249,7 @@
               </a:buClr>
               <a:buSzPct val="100000"/>
               <a:buNone/>
-              <a:defRPr b="1" sz="3600">
+              <a:defRPr sz="3600" b="1">
                 <a:solidFill>
                   <a:schemeClr val="dk2"/>
                 </a:solidFill>
@@ -3073,28 +3264,32 @@
               </a:buClr>
               <a:buSzPct val="100000"/>
               <a:buNone/>
-              <a:defRPr b="1" sz="3600">
+              <a:defRPr sz="3600" b="1">
                 <a:solidFill>
                   <a:schemeClr val="dk2"/>
                 </a:solidFill>
               </a:defRPr>
             </a:lvl9pPr>
           </a:lstStyle>
-          <a:p/>
+          <a:p>
+            <a:endParaRPr/>
+          </a:p>
         </p:txBody>
       </p:sp>
       <p:sp>
         <p:nvSpPr>
           <p:cNvPr id="6" name="Shape 6"/>
-          <p:cNvSpPr txBox="1"/>
+          <p:cNvSpPr txBox="1">
+            <a:spLocks noGrp="1"/>
+          </p:cNvSpPr>
           <p:nvPr>
-            <p:ph idx="1" type="body"/>
+            <p:ph type="body" idx="1"/>
           </p:nvPr>
         </p:nvSpPr>
         <p:spPr>
           <a:xfrm>
-            <a:off y="1200150" x="457200"/>
-            <a:ext cy="3725699" cx="8229600"/>
+            <a:off x="457200" y="1200150"/>
+            <a:ext cx="8229600" cy="3725699"/>
           </a:xfrm>
           <a:prstGeom prst="rect">
             <a:avLst/>
@@ -3105,7 +3300,7 @@
           </a:ln>
         </p:spPr>
         <p:txBody>
-          <a:bodyPr bIns="91425" rIns="91425" lIns="91425" tIns="91425" anchor="t" anchorCtr="0"/>
+          <a:bodyPr lIns="91425" tIns="91425" rIns="91425" bIns="91425" anchor="t" anchorCtr="0"/>
           <a:lstStyle>
             <a:lvl1pPr>
               <a:spcBef>
@@ -3234,21 +3429,25 @@
               </a:defRPr>
             </a:lvl9pPr>
           </a:lstStyle>
-          <a:p/>
+          <a:p>
+            <a:endParaRPr/>
+          </a:p>
         </p:txBody>
       </p:sp>
       <p:sp>
         <p:nvSpPr>
           <p:cNvPr id="7" name="Shape 7"/>
-          <p:cNvSpPr txBox="1"/>
+          <p:cNvSpPr txBox="1">
+            <a:spLocks noGrp="1"/>
+          </p:cNvSpPr>
           <p:nvPr>
-            <p:ph idx="12" type="sldNum"/>
+            <p:ph type="sldNum" idx="12"/>
           </p:nvPr>
         </p:nvSpPr>
         <p:spPr>
           <a:xfrm>
-            <a:off y="4749873" x="8607464"/>
-            <a:ext cy="393600" cx="548699"/>
+            <a:off x="8607464" y="4749873"/>
+            <a:ext cx="548699" cy="393600"/>
           </a:xfrm>
           <a:prstGeom prst="rect">
             <a:avLst/>
@@ -3259,7 +3458,7 @@
           </a:ln>
         </p:spPr>
         <p:txBody>
-          <a:bodyPr bIns="91425" rIns="91425" lIns="91425" tIns="91425" anchor="ctr" anchorCtr="0">
+          <a:bodyPr lIns="91425" tIns="91425" rIns="91425" bIns="91425" anchor="ctr" anchorCtr="0">
             <a:noAutofit/>
           </a:bodyPr>
           <a:lstStyle>
@@ -3286,12 +3485,13 @@
               <a:rPr lang="en"/>
               <a:t>‹#›</a:t>
             </a:fld>
+            <a:endParaRPr lang="en"/>
           </a:p>
         </p:txBody>
       </p:sp>
     </p:spTree>
   </p:cSld>
-  <p:clrMap accent2="accent2" accent3="accent3" accent4="accent4" accent5="accent5" accent6="accent6" hlink="hlink" tx2="lt2" tx1="dk1" bg2="dk2" bg1="lt1" folHlink="folHlink" accent1="accent1"/>
+  <p:clrMap bg1="lt1" tx1="dk1" bg2="dk2" tx2="lt2" accent1="accent1" accent2="accent2" accent3="accent3" accent4="accent4" accent5="accent5" accent6="accent6" hlink="hlink" folHlink="folHlink"/>
   <p:sldLayoutIdLst>
     <p:sldLayoutId id="2147483648" r:id="rId1"/>
     <p:sldLayoutId id="2147483649" r:id="rId2"/>
@@ -3300,10 +3500,10 @@
     <p:sldLayoutId id="2147483652" r:id="rId5"/>
     <p:sldLayoutId id="2147483653" r:id="rId6"/>
   </p:sldLayoutIdLst>
-  <p:hf dt="0" ftr="0" sldNum="0" hdr="0"/>
+  <p:hf sldNum="0" hdr="0" ftr="0" dt="0"/>
   <p:txStyles>
     <p:titleStyle>
-      <a:defPPr algn="l" rtl="0" marR="0">
+      <a:defPPr marR="0" algn="l" rtl="0">
         <a:lnSpc>
           <a:spcPct val="100000"/>
         </a:lnSpc>
@@ -3314,7 +3514,7 @@
           <a:spcPts val="0"/>
         </a:spcAft>
       </a:defPPr>
-      <a:lvl1pPr algn="l" rtl="0" marR="0">
+      <a:lvl1pPr marR="0" algn="l" rtl="0">
         <a:lnSpc>
           <a:spcPct val="100000"/>
         </a:lnSpc>
@@ -3325,7 +3525,7 @@
           <a:spcPts val="0"/>
         </a:spcAft>
         <a:buNone/>
-        <a:defRPr strike="noStrike" u="none" b="0" cap="none" baseline="0" sz="1400" i="0">
+        <a:defRPr sz="1400" b="0" i="0" u="none" strike="noStrike" cap="none" baseline="0">
           <a:solidFill>
             <a:srgbClr val="000000"/>
           </a:solidFill>
@@ -3336,7 +3536,7 @@
           <a:rtl val="0"/>
         </a:defRPr>
       </a:lvl1pPr>
-      <a:lvl2pPr algn="l" rtl="0" marR="0">
+      <a:lvl2pPr marR="0" algn="l" rtl="0">
         <a:lnSpc>
           <a:spcPct val="100000"/>
         </a:lnSpc>
@@ -3347,7 +3547,7 @@
           <a:spcPts val="0"/>
         </a:spcAft>
         <a:buNone/>
-        <a:defRPr strike="noStrike" u="none" b="0" cap="none" baseline="0" sz="1400" i="0">
+        <a:defRPr sz="1400" b="0" i="0" u="none" strike="noStrike" cap="none" baseline="0">
           <a:solidFill>
             <a:srgbClr val="000000"/>
           </a:solidFill>
@@ -3360,7 +3560,7 @@
       </a:lvl2pPr>
     </p:titleStyle>
     <p:bodyStyle>
-      <a:defPPr algn="l" rtl="0" marR="0">
+      <a:defPPr marR="0" algn="l" rtl="0">
         <a:lnSpc>
           <a:spcPct val="100000"/>
         </a:lnSpc>
@@ -3371,7 +3571,7 @@
           <a:spcPts val="0"/>
         </a:spcAft>
       </a:defPPr>
-      <a:lvl1pPr algn="l" rtl="0" marR="0">
+      <a:lvl1pPr marR="0" algn="l" rtl="0">
         <a:lnSpc>
           <a:spcPct val="100000"/>
         </a:lnSpc>
@@ -3382,7 +3582,7 @@
           <a:spcPts val="0"/>
         </a:spcAft>
         <a:buNone/>
-        <a:defRPr strike="noStrike" u="none" b="0" cap="none" baseline="0" sz="1400" i="0">
+        <a:defRPr sz="1400" b="0" i="0" u="none" strike="noStrike" cap="none" baseline="0">
           <a:solidFill>
             <a:srgbClr val="000000"/>
           </a:solidFill>
@@ -3393,7 +3593,7 @@
           <a:rtl val="0"/>
         </a:defRPr>
       </a:lvl1pPr>
-      <a:lvl2pPr algn="l" rtl="0" marR="0">
+      <a:lvl2pPr marR="0" algn="l" rtl="0">
         <a:lnSpc>
           <a:spcPct val="100000"/>
         </a:lnSpc>
@@ -3404,7 +3604,7 @@
           <a:spcPts val="0"/>
         </a:spcAft>
         <a:buNone/>
-        <a:defRPr strike="noStrike" u="none" b="0" cap="none" baseline="0" sz="1400" i="0">
+        <a:defRPr sz="1400" b="0" i="0" u="none" strike="noStrike" cap="none" baseline="0">
           <a:solidFill>
             <a:srgbClr val="000000"/>
           </a:solidFill>
@@ -3415,7 +3615,7 @@
           <a:rtl val="0"/>
         </a:defRPr>
       </a:lvl2pPr>
-      <a:lvl3pPr algn="l" rtl="0" marR="0">
+      <a:lvl3pPr marR="0" algn="l" rtl="0">
         <a:lnSpc>
           <a:spcPct val="100000"/>
         </a:lnSpc>
@@ -3426,7 +3626,7 @@
           <a:spcPts val="0"/>
         </a:spcAft>
         <a:buNone/>
-        <a:defRPr strike="noStrike" u="none" b="0" cap="none" baseline="0" sz="1400" i="0">
+        <a:defRPr sz="1400" b="0" i="0" u="none" strike="noStrike" cap="none" baseline="0">
           <a:solidFill>
             <a:srgbClr val="000000"/>
           </a:solidFill>
@@ -3437,7 +3637,7 @@
           <a:rtl val="0"/>
         </a:defRPr>
       </a:lvl3pPr>
-      <a:lvl4pPr algn="l" rtl="0" marR="0">
+      <a:lvl4pPr marR="0" algn="l" rtl="0">
         <a:lnSpc>
           <a:spcPct val="100000"/>
         </a:lnSpc>
@@ -3448,7 +3648,7 @@
           <a:spcPts val="0"/>
         </a:spcAft>
         <a:buNone/>
-        <a:defRPr strike="noStrike" u="none" b="0" cap="none" baseline="0" sz="1400" i="0">
+        <a:defRPr sz="1400" b="0" i="0" u="none" strike="noStrike" cap="none" baseline="0">
           <a:solidFill>
             <a:srgbClr val="000000"/>
           </a:solidFill>
@@ -3459,7 +3659,7 @@
           <a:rtl val="0"/>
         </a:defRPr>
       </a:lvl4pPr>
-      <a:lvl5pPr algn="l" rtl="0" marR="0">
+      <a:lvl5pPr marR="0" algn="l" rtl="0">
         <a:lnSpc>
           <a:spcPct val="100000"/>
         </a:lnSpc>
@@ -3470,7 +3670,7 @@
           <a:spcPts val="0"/>
         </a:spcAft>
         <a:buNone/>
-        <a:defRPr strike="noStrike" u="none" b="0" cap="none" baseline="0" sz="1400" i="0">
+        <a:defRPr sz="1400" b="0" i="0" u="none" strike="noStrike" cap="none" baseline="0">
           <a:solidFill>
             <a:srgbClr val="000000"/>
           </a:solidFill>
@@ -3481,7 +3681,7 @@
           <a:rtl val="0"/>
         </a:defRPr>
       </a:lvl5pPr>
-      <a:lvl6pPr algn="l" rtl="0" marR="0">
+      <a:lvl6pPr marR="0" algn="l" rtl="0">
         <a:lnSpc>
           <a:spcPct val="100000"/>
         </a:lnSpc>
@@ -3492,7 +3692,7 @@
           <a:spcPts val="0"/>
         </a:spcAft>
         <a:buNone/>
-        <a:defRPr strike="noStrike" u="none" b="0" cap="none" baseline="0" sz="1400" i="0">
+        <a:defRPr sz="1400" b="0" i="0" u="none" strike="noStrike" cap="none" baseline="0">
           <a:solidFill>
             <a:srgbClr val="000000"/>
           </a:solidFill>
@@ -3503,7 +3703,7 @@
           <a:rtl val="0"/>
         </a:defRPr>
       </a:lvl6pPr>
-      <a:lvl7pPr algn="l" rtl="0" marR="0">
+      <a:lvl7pPr marR="0" algn="l" rtl="0">
         <a:lnSpc>
           <a:spcPct val="100000"/>
         </a:lnSpc>
@@ -3514,7 +3714,7 @@
           <a:spcPts val="0"/>
         </a:spcAft>
         <a:buNone/>
-        <a:defRPr strike="noStrike" u="none" b="0" cap="none" baseline="0" sz="1400" i="0">
+        <a:defRPr sz="1400" b="0" i="0" u="none" strike="noStrike" cap="none" baseline="0">
           <a:solidFill>
             <a:srgbClr val="000000"/>
           </a:solidFill>
@@ -3525,7 +3725,7 @@
           <a:rtl val="0"/>
         </a:defRPr>
       </a:lvl7pPr>
-      <a:lvl8pPr algn="l" rtl="0" marR="0">
+      <a:lvl8pPr marR="0" algn="l" rtl="0">
         <a:lnSpc>
           <a:spcPct val="100000"/>
         </a:lnSpc>
@@ -3536,7 +3736,7 @@
           <a:spcPts val="0"/>
         </a:spcAft>
         <a:buNone/>
-        <a:defRPr strike="noStrike" u="none" b="0" cap="none" baseline="0" sz="1400" i="0">
+        <a:defRPr sz="1400" b="0" i="0" u="none" strike="noStrike" cap="none" baseline="0">
           <a:solidFill>
             <a:srgbClr val="000000"/>
           </a:solidFill>
@@ -3547,7 +3747,7 @@
           <a:rtl val="0"/>
         </a:defRPr>
       </a:lvl8pPr>
-      <a:lvl9pPr algn="l" rtl="0" marR="0">
+      <a:lvl9pPr marR="0" algn="l" rtl="0">
         <a:lnSpc>
           <a:spcPct val="100000"/>
         </a:lnSpc>
@@ -3558,7 +3758,7 @@
           <a:spcPts val="0"/>
         </a:spcAft>
         <a:buNone/>
-        <a:defRPr strike="noStrike" u="none" b="0" cap="none" baseline="0" sz="1400" i="0">
+        <a:defRPr sz="1400" b="0" i="0" u="none" strike="noStrike" cap="none" baseline="0">
           <a:solidFill>
             <a:srgbClr val="000000"/>
           </a:solidFill>
@@ -3571,7 +3771,7 @@
       </a:lvl9pPr>
     </p:bodyStyle>
     <p:otherStyle>
-      <a:defPPr algn="l" rtl="0" marR="0">
+      <a:defPPr marR="0" algn="l" rtl="0">
         <a:lnSpc>
           <a:spcPct val="100000"/>
         </a:lnSpc>
@@ -3582,7 +3782,7 @@
           <a:spcPts val="0"/>
         </a:spcAft>
       </a:defPPr>
-      <a:lvl1pPr algn="l" rtl="0" marR="0">
+      <a:lvl1pPr marR="0" algn="l" rtl="0">
         <a:lnSpc>
           <a:spcPct val="100000"/>
         </a:lnSpc>
@@ -3593,7 +3793,7 @@
           <a:spcPts val="0"/>
         </a:spcAft>
         <a:buNone/>
-        <a:defRPr strike="noStrike" u="none" b="0" cap="none" baseline="0" sz="1400" i="0">
+        <a:defRPr sz="1400" b="0" i="0" u="none" strike="noStrike" cap="none" baseline="0">
           <a:solidFill>
             <a:srgbClr val="000000"/>
           </a:solidFill>
@@ -3604,7 +3804,7 @@
           <a:rtl val="0"/>
         </a:defRPr>
       </a:lvl1pPr>
-      <a:lvl2pPr algn="l" rtl="0" marR="0">
+      <a:lvl2pPr marR="0" algn="l" rtl="0">
         <a:lnSpc>
           <a:spcPct val="100000"/>
         </a:lnSpc>
@@ -3615,7 +3815,7 @@
           <a:spcPts val="0"/>
         </a:spcAft>
         <a:buNone/>
-        <a:defRPr strike="noStrike" u="none" b="0" cap="none" baseline="0" sz="1400" i="0">
+        <a:defRPr sz="1400" b="0" i="0" u="none" strike="noStrike" cap="none" baseline="0">
           <a:solidFill>
             <a:srgbClr val="000000"/>
           </a:solidFill>
@@ -3626,7 +3826,7 @@
           <a:rtl val="0"/>
         </a:defRPr>
       </a:lvl2pPr>
-      <a:lvl3pPr algn="l" rtl="0" marR="0">
+      <a:lvl3pPr marR="0" algn="l" rtl="0">
         <a:lnSpc>
           <a:spcPct val="100000"/>
         </a:lnSpc>
@@ -3637,7 +3837,7 @@
           <a:spcPts val="0"/>
         </a:spcAft>
         <a:buNone/>
-        <a:defRPr strike="noStrike" u="none" b="0" cap="none" baseline="0" sz="1400" i="0">
+        <a:defRPr sz="1400" b="0" i="0" u="none" strike="noStrike" cap="none" baseline="0">
           <a:solidFill>
             <a:srgbClr val="000000"/>
           </a:solidFill>
@@ -3648,7 +3848,7 @@
           <a:rtl val="0"/>
         </a:defRPr>
       </a:lvl3pPr>
-      <a:lvl4pPr algn="l" rtl="0" marR="0">
+      <a:lvl4pPr marR="0" algn="l" rtl="0">
         <a:lnSpc>
           <a:spcPct val="100000"/>
         </a:lnSpc>
@@ -3659,7 +3859,7 @@
           <a:spcPts val="0"/>
         </a:spcAft>
         <a:buNone/>
-        <a:defRPr strike="noStrike" u="none" b="0" cap="none" baseline="0" sz="1400" i="0">
+        <a:defRPr sz="1400" b="0" i="0" u="none" strike="noStrike" cap="none" baseline="0">
           <a:solidFill>
             <a:srgbClr val="000000"/>
           </a:solidFill>
@@ -3670,7 +3870,7 @@
           <a:rtl val="0"/>
         </a:defRPr>
       </a:lvl4pPr>
-      <a:lvl5pPr algn="l" rtl="0" marR="0">
+      <a:lvl5pPr marR="0" algn="l" rtl="0">
         <a:lnSpc>
           <a:spcPct val="100000"/>
         </a:lnSpc>
@@ -3681,7 +3881,7 @@
           <a:spcPts val="0"/>
         </a:spcAft>
         <a:buNone/>
-        <a:defRPr strike="noStrike" u="none" b="0" cap="none" baseline="0" sz="1400" i="0">
+        <a:defRPr sz="1400" b="0" i="0" u="none" strike="noStrike" cap="none" baseline="0">
           <a:solidFill>
             <a:srgbClr val="000000"/>
           </a:solidFill>
@@ -3692,7 +3892,7 @@
           <a:rtl val="0"/>
         </a:defRPr>
       </a:lvl5pPr>
-      <a:lvl6pPr algn="l" rtl="0" marR="0">
+      <a:lvl6pPr marR="0" algn="l" rtl="0">
         <a:lnSpc>
           <a:spcPct val="100000"/>
         </a:lnSpc>
@@ -3703,7 +3903,7 @@
           <a:spcPts val="0"/>
         </a:spcAft>
         <a:buNone/>
-        <a:defRPr strike="noStrike" u="none" b="0" cap="none" baseline="0" sz="1400" i="0">
+        <a:defRPr sz="1400" b="0" i="0" u="none" strike="noStrike" cap="none" baseline="0">
           <a:solidFill>
             <a:srgbClr val="000000"/>
           </a:solidFill>
@@ -3714,7 +3914,7 @@
           <a:rtl val="0"/>
         </a:defRPr>
       </a:lvl6pPr>
-      <a:lvl7pPr algn="l" rtl="0" marR="0">
+      <a:lvl7pPr marR="0" algn="l" rtl="0">
         <a:lnSpc>
           <a:spcPct val="100000"/>
         </a:lnSpc>
@@ -3725,7 +3925,7 @@
           <a:spcPts val="0"/>
         </a:spcAft>
         <a:buNone/>
-        <a:defRPr strike="noStrike" u="none" b="0" cap="none" baseline="0" sz="1400" i="0">
+        <a:defRPr sz="1400" b="0" i="0" u="none" strike="noStrike" cap="none" baseline="0">
           <a:solidFill>
             <a:srgbClr val="000000"/>
           </a:solidFill>
@@ -3736,7 +3936,7 @@
           <a:rtl val="0"/>
         </a:defRPr>
       </a:lvl7pPr>
-      <a:lvl8pPr algn="l" rtl="0" marR="0">
+      <a:lvl8pPr marR="0" algn="l" rtl="0">
         <a:lnSpc>
           <a:spcPct val="100000"/>
         </a:lnSpc>
@@ -3747,7 +3947,7 @@
           <a:spcPts val="0"/>
         </a:spcAft>
         <a:buNone/>
-        <a:defRPr strike="noStrike" u="none" b="0" cap="none" baseline="0" sz="1400" i="0">
+        <a:defRPr sz="1400" b="0" i="0" u="none" strike="noStrike" cap="none" baseline="0">
           <a:solidFill>
             <a:srgbClr val="000000"/>
           </a:solidFill>
@@ -3758,7 +3958,7 @@
           <a:rtl val="0"/>
         </a:defRPr>
       </a:lvl8pPr>
-      <a:lvl9pPr algn="l" rtl="0" marR="0">
+      <a:lvl9pPr marR="0" algn="l" rtl="0">
         <a:lnSpc>
           <a:spcPct val="100000"/>
         </a:lnSpc>
@@ -3769,7 +3969,7 @@
           <a:spcPts val="0"/>
         </a:spcAft>
         <a:buNone/>
-        <a:defRPr strike="noStrike" u="none" b="0" cap="none" baseline="0" sz="1400" i="0">
+        <a:defRPr sz="1400" b="0" i="0" u="none" strike="noStrike" cap="none" baseline="0">
           <a:solidFill>
             <a:srgbClr val="000000"/>
           </a:solidFill>
@@ -3786,41 +3986,43 @@
 </file>
 
 <file path=ppt/slides/slide1.xml><?xml version="1.0" encoding="utf-8"?>
-<p:sld xmlns:a="http://schemas.openxmlformats.org/drawingml/2006/main" xmlns:r="http://schemas.openxmlformats.org/officeDocument/2006/relationships" xmlns:mc="http://schemas.openxmlformats.org/markup-compatibility/2006" xmlns:mv="urn:schemas-microsoft-com:mac:vml" xmlns:p="http://schemas.openxmlformats.org/presentationml/2006/main" xmlns:c="http://schemas.openxmlformats.org/drawingml/2006/chart" xmlns:dgm="http://schemas.openxmlformats.org/drawingml/2006/diagram" xmlns:o="urn:schemas-microsoft-com:office:office" xmlns:v="urn:schemas-microsoft-com:vml" xmlns:pvml="urn:schemas-microsoft-com:office:powerpoint" xmlns:com="http://schemas.openxmlformats.org/drawingml/2006/compatibility" xmlns:p14="http://schemas.microsoft.com/office/powerpoint/2010/main">
+<p:sld xmlns:a="http://schemas.openxmlformats.org/drawingml/2006/main" xmlns:r="http://schemas.openxmlformats.org/officeDocument/2006/relationships" xmlns:p="http://schemas.openxmlformats.org/presentationml/2006/main">
   <p:cSld>
     <p:spTree>
       <p:nvGrpSpPr>
-        <p:cNvPr id="40" name="Shape 40"/>
+        <p:cNvPr id="1" name="Shape 40"/>
         <p:cNvGrpSpPr/>
         <p:nvPr/>
       </p:nvGrpSpPr>
       <p:grpSpPr>
         <a:xfrm>
-          <a:off y="0" x="0"/>
-          <a:ext cy="0" cx="0"/>
-          <a:chOff y="0" x="0"/>
-          <a:chExt cy="0" cx="0"/>
+          <a:off x="0" y="0"/>
+          <a:ext cx="0" cy="0"/>
+          <a:chOff x="0" y="0"/>
+          <a:chExt cx="0" cy="0"/>
         </a:xfrm>
       </p:grpSpPr>
       <p:sp>
         <p:nvSpPr>
           <p:cNvPr id="41" name="Shape 41"/>
-          <p:cNvSpPr txBox="1"/>
+          <p:cNvSpPr txBox="1">
+            <a:spLocks noGrp="1"/>
+          </p:cNvSpPr>
           <p:nvPr>
             <p:ph type="ctrTitle"/>
           </p:nvPr>
         </p:nvSpPr>
         <p:spPr>
           <a:xfrm>
-            <a:off y="473108" x="685800"/>
-            <a:ext cy="2842199" cx="7772400"/>
+            <a:off x="685800" y="473108"/>
+            <a:ext cx="7772400" cy="2842199"/>
           </a:xfrm>
           <a:prstGeom prst="rect">
             <a:avLst/>
           </a:prstGeom>
         </p:spPr>
         <p:txBody>
-          <a:bodyPr bIns="91425" rIns="91425" lIns="91425" tIns="91425" anchor="b" anchorCtr="0">
+          <a:bodyPr lIns="91425" tIns="91425" rIns="91425" bIns="91425" anchor="b" anchorCtr="0">
             <a:noAutofit/>
           </a:bodyPr>
           <a:lstStyle/>
@@ -3841,22 +4043,24 @@
       <p:sp>
         <p:nvSpPr>
           <p:cNvPr id="42" name="Shape 42"/>
-          <p:cNvSpPr txBox="1"/>
+          <p:cNvSpPr txBox="1">
+            <a:spLocks noGrp="1"/>
+          </p:cNvSpPr>
           <p:nvPr>
-            <p:ph idx="1" type="subTitle"/>
+            <p:ph type="subTitle" idx="1"/>
           </p:nvPr>
         </p:nvSpPr>
         <p:spPr>
           <a:xfrm>
-            <a:off y="3896921" x="685800"/>
-            <a:ext cy="460800" cx="7772400"/>
+            <a:off x="685800" y="3896921"/>
+            <a:ext cx="7772400" cy="460800"/>
           </a:xfrm>
           <a:prstGeom prst="rect">
             <a:avLst/>
           </a:prstGeom>
         </p:spPr>
         <p:txBody>
-          <a:bodyPr bIns="91425" rIns="91425" lIns="91425" tIns="91425" anchor="ctr" anchorCtr="0">
+          <a:bodyPr lIns="91425" tIns="91425" rIns="91425" bIns="91425" anchor="ctr" anchorCtr="0">
             <a:noAutofit/>
           </a:bodyPr>
           <a:lstStyle/>
@@ -3879,48 +4083,50 @@
   <p:clrMapOvr>
     <a:masterClrMapping/>
   </p:clrMapOvr>
-  <p:transition spd="slow">
+  <p:transition xmlns:p14="http://schemas.microsoft.com/office/powerpoint/2010/main" spd="slow">
     <p:cut/>
   </p:transition>
 </p:sld>
 </file>
 
 <file path=ppt/slides/slide2.xml><?xml version="1.0" encoding="utf-8"?>
-<p:sld xmlns:a="http://schemas.openxmlformats.org/drawingml/2006/main" xmlns:r="http://schemas.openxmlformats.org/officeDocument/2006/relationships" xmlns:mc="http://schemas.openxmlformats.org/markup-compatibility/2006" xmlns:mv="urn:schemas-microsoft-com:mac:vml" xmlns:p="http://schemas.openxmlformats.org/presentationml/2006/main" xmlns:c="http://schemas.openxmlformats.org/drawingml/2006/chart" xmlns:dgm="http://schemas.openxmlformats.org/drawingml/2006/diagram" xmlns:o="urn:schemas-microsoft-com:office:office" xmlns:v="urn:schemas-microsoft-com:vml" xmlns:pvml="urn:schemas-microsoft-com:office:powerpoint" xmlns:com="http://schemas.openxmlformats.org/drawingml/2006/compatibility" xmlns:p14="http://schemas.microsoft.com/office/powerpoint/2010/main">
+<p:sld xmlns:a="http://schemas.openxmlformats.org/drawingml/2006/main" xmlns:r="http://schemas.openxmlformats.org/officeDocument/2006/relationships" xmlns:p="http://schemas.openxmlformats.org/presentationml/2006/main">
   <p:cSld>
     <p:spTree>
       <p:nvGrpSpPr>
-        <p:cNvPr id="46" name="Shape 46"/>
+        <p:cNvPr id="1" name="Shape 46"/>
         <p:cNvGrpSpPr/>
         <p:nvPr/>
       </p:nvGrpSpPr>
       <p:grpSpPr>
         <a:xfrm>
-          <a:off y="0" x="0"/>
-          <a:ext cy="0" cx="0"/>
-          <a:chOff y="0" x="0"/>
-          <a:chExt cy="0" cx="0"/>
+          <a:off x="0" y="0"/>
+          <a:ext cx="0" cy="0"/>
+          <a:chOff x="0" y="0"/>
+          <a:chExt cx="0" cy="0"/>
         </a:xfrm>
       </p:grpSpPr>
       <p:sp>
         <p:nvSpPr>
           <p:cNvPr id="47" name="Shape 47"/>
-          <p:cNvSpPr txBox="1"/>
+          <p:cNvSpPr txBox="1">
+            <a:spLocks noGrp="1"/>
+          </p:cNvSpPr>
           <p:nvPr>
             <p:ph type="title"/>
           </p:nvPr>
         </p:nvSpPr>
         <p:spPr>
           <a:xfrm>
-            <a:off y="139527" x="457200"/>
-            <a:ext cy="857400" cx="8229600"/>
+            <a:off x="457200" y="139527"/>
+            <a:ext cx="8229600" cy="857400"/>
           </a:xfrm>
           <a:prstGeom prst="rect">
             <a:avLst/>
           </a:prstGeom>
         </p:spPr>
         <p:txBody>
-          <a:bodyPr bIns="91425" rIns="91425" lIns="91425" tIns="91425" anchor="b" anchorCtr="0">
+          <a:bodyPr lIns="91425" tIns="91425" rIns="91425" bIns="91425" anchor="b" anchorCtr="0">
             <a:noAutofit/>
           </a:bodyPr>
           <a:lstStyle/>
@@ -3941,22 +4147,24 @@
       <p:sp>
         <p:nvSpPr>
           <p:cNvPr id="48" name="Shape 48"/>
-          <p:cNvSpPr txBox="1"/>
+          <p:cNvSpPr txBox="1">
+            <a:spLocks noGrp="1"/>
+          </p:cNvSpPr>
           <p:nvPr>
-            <p:ph idx="1" type="body"/>
+            <p:ph type="body" idx="1"/>
           </p:nvPr>
         </p:nvSpPr>
         <p:spPr>
           <a:xfrm>
-            <a:off y="1200150" x="457200"/>
-            <a:ext cy="3725699" cx="8229600"/>
+            <a:off x="457200" y="1200150"/>
+            <a:ext cx="8229600" cy="3725699"/>
           </a:xfrm>
           <a:prstGeom prst="rect">
             <a:avLst/>
           </a:prstGeom>
         </p:spPr>
         <p:txBody>
-          <a:bodyPr bIns="91425" rIns="91425" lIns="91425" tIns="91425" anchor="t" anchorCtr="0">
+          <a:bodyPr lIns="91425" tIns="91425" rIns="91425" bIns="91425" anchor="t" anchorCtr="0">
             <a:noAutofit/>
           </a:bodyPr>
           <a:lstStyle/>
@@ -3968,7 +4176,7 @@
               <a:buNone/>
             </a:pPr>
             <a:r>
-              <a:rPr sz="1400" lang="en">
+              <a:rPr lang="en" sz="1400">
                 <a:solidFill>
                   <a:srgbClr val="252525"/>
                 </a:solidFill>
@@ -3980,7 +4188,7 @@
               <a:t>In computer programming, a </a:t>
             </a:r>
             <a:r>
-              <a:rPr b="1" sz="1400" lang="en">
+              <a:rPr lang="en" sz="1400" b="1">
                 <a:solidFill>
                   <a:srgbClr val="252525"/>
                 </a:solidFill>
@@ -3992,7 +4200,7 @@
               <a:t>subroutine</a:t>
             </a:r>
             <a:r>
-              <a:rPr sz="1400" lang="en">
+              <a:rPr lang="en" sz="1400">
                 <a:solidFill>
                   <a:srgbClr val="252525"/>
                 </a:solidFill>
@@ -4012,7 +4220,7 @@
               <a:buNone/>
             </a:pPr>
             <a:r>
-              <a:rPr sz="1400" lang="en">
+              <a:rPr lang="en" sz="1400">
                 <a:solidFill>
                   <a:srgbClr val="252525"/>
                 </a:solidFill>
@@ -4024,7 +4232,7 @@
               <a:t>This unit can then be used in programs wherever that particular task should be performed. Subprograms may be defined within programs, or separately in </a:t>
             </a:r>
             <a:r>
-              <a:rPr sz="1400" lang="en">
+              <a:rPr lang="en" sz="1400">
                 <a:solidFill>
                   <a:srgbClr val="0B0080"/>
                 </a:solidFill>
@@ -4037,7 +4245,7 @@
               <a:t>libraries</a:t>
             </a:r>
             <a:r>
-              <a:rPr sz="1400" lang="en">
+              <a:rPr lang="en" sz="1400">
                 <a:solidFill>
                   <a:srgbClr val="252525"/>
                 </a:solidFill>
@@ -4057,7 +4265,7 @@
               <a:buNone/>
             </a:pPr>
             <a:r>
-              <a:rPr sz="1400" lang="en">
+              <a:rPr lang="en" sz="1400">
                 <a:solidFill>
                   <a:srgbClr val="252525"/>
                 </a:solidFill>
@@ -4069,7 +4277,7 @@
               <a:t>In different programming languages, a subroutine may be called a </a:t>
             </a:r>
             <a:r>
-              <a:rPr b="1" sz="1400" lang="en">
+              <a:rPr lang="en" sz="1400" b="1">
                 <a:solidFill>
                   <a:srgbClr val="252525"/>
                 </a:solidFill>
@@ -4081,7 +4289,7 @@
               <a:t>procedure</a:t>
             </a:r>
             <a:r>
-              <a:rPr sz="1400" lang="en">
+              <a:rPr lang="en" sz="1400">
                 <a:solidFill>
                   <a:srgbClr val="252525"/>
                 </a:solidFill>
@@ -4093,7 +4301,7 @@
               <a:t>, a </a:t>
             </a:r>
             <a:r>
-              <a:rPr b="1" sz="1400" lang="en">
+              <a:rPr lang="en" sz="1400" b="1">
                 <a:solidFill>
                   <a:srgbClr val="252525"/>
                 </a:solidFill>
@@ -4105,7 +4313,7 @@
               <a:t>function</a:t>
             </a:r>
             <a:r>
-              <a:rPr sz="1400" lang="en">
+              <a:rPr lang="en" sz="1400">
                 <a:solidFill>
                   <a:srgbClr val="252525"/>
                 </a:solidFill>
@@ -4117,7 +4325,7 @@
               <a:t>, a </a:t>
             </a:r>
             <a:r>
-              <a:rPr b="1" sz="1400" lang="en">
+              <a:rPr lang="en" sz="1400" b="1">
                 <a:solidFill>
                   <a:srgbClr val="252525"/>
                 </a:solidFill>
@@ -4129,7 +4337,7 @@
               <a:t>routine</a:t>
             </a:r>
             <a:r>
-              <a:rPr sz="1400" lang="en">
+              <a:rPr lang="en" sz="1400">
                 <a:solidFill>
                   <a:srgbClr val="252525"/>
                 </a:solidFill>
@@ -4141,7 +4349,7 @@
               <a:t>, a </a:t>
             </a:r>
             <a:r>
-              <a:rPr sz="1400" lang="en">
+              <a:rPr lang="en" sz="1400">
                 <a:solidFill>
                   <a:srgbClr val="0B0080"/>
                 </a:solidFill>
@@ -4154,7 +4362,7 @@
               <a:t>method</a:t>
             </a:r>
             <a:r>
-              <a:rPr sz="1400" lang="en">
+              <a:rPr lang="en" sz="1400">
                 <a:solidFill>
                   <a:srgbClr val="252525"/>
                 </a:solidFill>
@@ -4166,7 +4374,7 @@
               <a:t>, or a </a:t>
             </a:r>
             <a:r>
-              <a:rPr b="1" sz="1400" lang="en">
+              <a:rPr lang="en" sz="1400" b="1">
                 <a:solidFill>
                   <a:srgbClr val="252525"/>
                 </a:solidFill>
@@ -4178,7 +4386,7 @@
               <a:t>subprogram</a:t>
             </a:r>
             <a:r>
-              <a:rPr sz="1400" lang="en">
+              <a:rPr lang="en" sz="1400">
                 <a:solidFill>
                   <a:srgbClr val="252525"/>
                 </a:solidFill>
@@ -4198,7 +4406,7 @@
               <a:buNone/>
             </a:pPr>
             <a:r>
-              <a:rPr sz="1400" lang="en">
+              <a:rPr lang="en" sz="1400">
                 <a:solidFill>
                   <a:srgbClr val="252525"/>
                 </a:solidFill>
@@ -4210,7 +4418,7 @@
               <a:t>The generic term </a:t>
             </a:r>
             <a:r>
-              <a:rPr b="1" sz="1400" lang="en">
+              <a:rPr lang="en" sz="1400" b="1">
                 <a:solidFill>
                   <a:srgbClr val="252525"/>
                 </a:solidFill>
@@ -4222,7 +4430,7 @@
               <a:t>callable unit</a:t>
             </a:r>
             <a:r>
-              <a:rPr sz="1400" lang="en">
+              <a:rPr lang="en" sz="1400">
                 <a:solidFill>
                   <a:srgbClr val="252525"/>
                 </a:solidFill>
@@ -4242,7 +4450,7 @@
               <a:buNone/>
             </a:pPr>
             <a:r>
-              <a:rPr sz="1400" lang="en">
+              <a:rPr lang="en" sz="1400">
                 <a:solidFill>
                   <a:srgbClr val="252525"/>
                 </a:solidFill>
@@ -4261,9 +4469,6 @@
               </a:spcBef>
               <a:buNone/>
             </a:pPr>
-            <a:r>
-              <a:t/>
-            </a:r>
             <a:endParaRPr sz="1400">
               <a:solidFill>
                 <a:srgbClr val="252525"/>
@@ -4281,9 +4486,6 @@
               </a:spcBef>
               <a:buNone/>
             </a:pPr>
-            <a:r>
-              <a:t/>
-            </a:r>
             <a:endParaRPr sz="1400">
               <a:solidFill>
                 <a:srgbClr val="252525"/>
@@ -4312,8 +4514,8 @@
         </p:blipFill>
         <p:spPr>
           <a:xfrm>
-            <a:off y="2707125" x="5576925"/>
-            <a:ext cy="2076450" cx="2095500"/>
+            <a:off x="5576925" y="2707125"/>
+            <a:ext cx="2095500" cy="2076450"/>
           </a:xfrm>
           <a:prstGeom prst="rect">
             <a:avLst/>
@@ -4329,48 +4531,50 @@
   <p:clrMapOvr>
     <a:masterClrMapping/>
   </p:clrMapOvr>
-  <p:transition spd="slow">
+  <p:transition xmlns:p14="http://schemas.microsoft.com/office/powerpoint/2010/main" spd="slow">
     <p:cut/>
   </p:transition>
 </p:sld>
 </file>
 
 <file path=ppt/slides/slide3.xml><?xml version="1.0" encoding="utf-8"?>
-<p:sld xmlns:a="http://schemas.openxmlformats.org/drawingml/2006/main" xmlns:r="http://schemas.openxmlformats.org/officeDocument/2006/relationships" xmlns:mc="http://schemas.openxmlformats.org/markup-compatibility/2006" xmlns:mv="urn:schemas-microsoft-com:mac:vml" xmlns:p="http://schemas.openxmlformats.org/presentationml/2006/main" xmlns:c="http://schemas.openxmlformats.org/drawingml/2006/chart" xmlns:dgm="http://schemas.openxmlformats.org/drawingml/2006/diagram" xmlns:o="urn:schemas-microsoft-com:office:office" xmlns:v="urn:schemas-microsoft-com:vml" xmlns:pvml="urn:schemas-microsoft-com:office:powerpoint" xmlns:com="http://schemas.openxmlformats.org/drawingml/2006/compatibility" xmlns:p14="http://schemas.microsoft.com/office/powerpoint/2010/main">
+<p:sld xmlns:a="http://schemas.openxmlformats.org/drawingml/2006/main" xmlns:r="http://schemas.openxmlformats.org/officeDocument/2006/relationships" xmlns:p="http://schemas.openxmlformats.org/presentationml/2006/main">
   <p:cSld>
     <p:spTree>
       <p:nvGrpSpPr>
-        <p:cNvPr id="53" name="Shape 53"/>
+        <p:cNvPr id="1" name="Shape 53"/>
         <p:cNvGrpSpPr/>
         <p:nvPr/>
       </p:nvGrpSpPr>
       <p:grpSpPr>
         <a:xfrm>
-          <a:off y="0" x="0"/>
-          <a:ext cy="0" cx="0"/>
-          <a:chOff y="0" x="0"/>
-          <a:chExt cy="0" cx="0"/>
+          <a:off x="0" y="0"/>
+          <a:ext cx="0" cy="0"/>
+          <a:chOff x="0" y="0"/>
+          <a:chExt cx="0" cy="0"/>
         </a:xfrm>
       </p:grpSpPr>
       <p:sp>
         <p:nvSpPr>
           <p:cNvPr id="54" name="Shape 54"/>
-          <p:cNvSpPr txBox="1"/>
+          <p:cNvSpPr txBox="1">
+            <a:spLocks noGrp="1"/>
+          </p:cNvSpPr>
           <p:nvPr>
             <p:ph type="title"/>
           </p:nvPr>
         </p:nvSpPr>
         <p:spPr>
           <a:xfrm>
-            <a:off y="139527" x="457200"/>
-            <a:ext cy="857400" cx="8229600"/>
+            <a:off x="457200" y="139527"/>
+            <a:ext cx="8229600" cy="857400"/>
           </a:xfrm>
           <a:prstGeom prst="rect">
             <a:avLst/>
           </a:prstGeom>
         </p:spPr>
         <p:txBody>
-          <a:bodyPr bIns="91425" rIns="91425" lIns="91425" tIns="91425" anchor="b" anchorCtr="0">
+          <a:bodyPr lIns="91425" tIns="91425" rIns="91425" bIns="91425" anchor="b" anchorCtr="0">
             <a:noAutofit/>
           </a:bodyPr>
           <a:lstStyle/>
@@ -4391,22 +4595,24 @@
       <p:sp>
         <p:nvSpPr>
           <p:cNvPr id="55" name="Shape 55"/>
-          <p:cNvSpPr txBox="1"/>
+          <p:cNvSpPr txBox="1">
+            <a:spLocks noGrp="1"/>
+          </p:cNvSpPr>
           <p:nvPr>
-            <p:ph idx="1" type="body"/>
+            <p:ph type="body" idx="1"/>
           </p:nvPr>
         </p:nvSpPr>
         <p:spPr>
           <a:xfrm>
-            <a:off y="1200150" x="457200"/>
-            <a:ext cy="3725699" cx="8229600"/>
+            <a:off x="457200" y="1200150"/>
+            <a:ext cx="8229600" cy="3725699"/>
           </a:xfrm>
           <a:prstGeom prst="rect">
             <a:avLst/>
           </a:prstGeom>
         </p:spPr>
         <p:txBody>
-          <a:bodyPr bIns="91425" rIns="91425" lIns="91425" tIns="91425" anchor="t" anchorCtr="0">
+          <a:bodyPr lIns="91425" tIns="91425" rIns="91425" bIns="91425" anchor="t" anchorCtr="0">
             <a:noAutofit/>
           </a:bodyPr>
           <a:lstStyle/>
@@ -4424,7 +4630,7 @@
               <a:buNone/>
             </a:pPr>
             <a:r>
-              <a:rPr sz="1200" lang="en">
+              <a:rPr lang="en" sz="1200">
                 <a:solidFill>
                   <a:srgbClr val="404040"/>
                 </a:solidFill>
@@ -4450,7 +4656,7 @@
               <a:buNone/>
             </a:pPr>
             <a:r>
-              <a:rPr sz="1200" lang="en">
+              <a:rPr lang="en" sz="1200">
                 <a:solidFill>
                   <a:srgbClr val="404040"/>
                 </a:solidFill>
@@ -4469,9 +4675,6 @@
               </a:spcBef>
               <a:buNone/>
             </a:pPr>
-            <a:r>
-              <a:t/>
-            </a:r>
             <a:endParaRPr/>
           </a:p>
         </p:txBody>
@@ -4481,48 +4684,50 @@
   <p:clrMapOvr>
     <a:masterClrMapping/>
   </p:clrMapOvr>
-  <p:transition spd="slow">
+  <p:transition xmlns:p14="http://schemas.microsoft.com/office/powerpoint/2010/main" spd="slow">
     <p:cut/>
   </p:transition>
 </p:sld>
 </file>
 
 <file path=ppt/slides/slide4.xml><?xml version="1.0" encoding="utf-8"?>
-<p:sld xmlns:a="http://schemas.openxmlformats.org/drawingml/2006/main" xmlns:r="http://schemas.openxmlformats.org/officeDocument/2006/relationships" xmlns:mc="http://schemas.openxmlformats.org/markup-compatibility/2006" xmlns:mv="urn:schemas-microsoft-com:mac:vml" xmlns:p="http://schemas.openxmlformats.org/presentationml/2006/main" xmlns:c="http://schemas.openxmlformats.org/drawingml/2006/chart" xmlns:dgm="http://schemas.openxmlformats.org/drawingml/2006/diagram" xmlns:o="urn:schemas-microsoft-com:office:office" xmlns:v="urn:schemas-microsoft-com:vml" xmlns:pvml="urn:schemas-microsoft-com:office:powerpoint" xmlns:com="http://schemas.openxmlformats.org/drawingml/2006/compatibility" xmlns:p14="http://schemas.microsoft.com/office/powerpoint/2010/main">
+<p:sld xmlns:a="http://schemas.openxmlformats.org/drawingml/2006/main" xmlns:r="http://schemas.openxmlformats.org/officeDocument/2006/relationships" xmlns:p="http://schemas.openxmlformats.org/presentationml/2006/main">
   <p:cSld>
     <p:spTree>
       <p:nvGrpSpPr>
-        <p:cNvPr id="59" name="Shape 59"/>
+        <p:cNvPr id="1" name="Shape 59"/>
         <p:cNvGrpSpPr/>
         <p:nvPr/>
       </p:nvGrpSpPr>
       <p:grpSpPr>
         <a:xfrm>
-          <a:off y="0" x="0"/>
-          <a:ext cy="0" cx="0"/>
-          <a:chOff y="0" x="0"/>
-          <a:chExt cy="0" cx="0"/>
+          <a:off x="0" y="0"/>
+          <a:ext cx="0" cy="0"/>
+          <a:chOff x="0" y="0"/>
+          <a:chExt cx="0" cy="0"/>
         </a:xfrm>
       </p:grpSpPr>
       <p:sp>
         <p:nvSpPr>
           <p:cNvPr id="60" name="Shape 60"/>
-          <p:cNvSpPr txBox="1"/>
+          <p:cNvSpPr txBox="1">
+            <a:spLocks noGrp="1"/>
+          </p:cNvSpPr>
           <p:nvPr>
             <p:ph type="title"/>
           </p:nvPr>
         </p:nvSpPr>
         <p:spPr>
           <a:xfrm>
-            <a:off y="139527" x="457200"/>
-            <a:ext cy="857400" cx="8229600"/>
+            <a:off x="457200" y="139527"/>
+            <a:ext cx="8229600" cy="857400"/>
           </a:xfrm>
           <a:prstGeom prst="rect">
             <a:avLst/>
           </a:prstGeom>
         </p:spPr>
         <p:txBody>
-          <a:bodyPr bIns="91425" rIns="91425" lIns="91425" tIns="91425" anchor="b" anchorCtr="0">
+          <a:bodyPr lIns="91425" tIns="91425" rIns="91425" bIns="91425" anchor="b" anchorCtr="0">
             <a:noAutofit/>
           </a:bodyPr>
           <a:lstStyle/>
@@ -4543,22 +4748,24 @@
       <p:sp>
         <p:nvSpPr>
           <p:cNvPr id="61" name="Shape 61"/>
-          <p:cNvSpPr txBox="1"/>
+          <p:cNvSpPr txBox="1">
+            <a:spLocks noGrp="1"/>
+          </p:cNvSpPr>
           <p:nvPr>
-            <p:ph idx="1" type="body"/>
+            <p:ph type="body" idx="1"/>
           </p:nvPr>
         </p:nvSpPr>
         <p:spPr>
           <a:xfrm>
-            <a:off y="1200150" x="457200"/>
-            <a:ext cy="3725699" cx="8229600"/>
+            <a:off x="457200" y="1200150"/>
+            <a:ext cx="8229600" cy="3725699"/>
           </a:xfrm>
           <a:prstGeom prst="rect">
             <a:avLst/>
           </a:prstGeom>
         </p:spPr>
         <p:txBody>
-          <a:bodyPr bIns="91425" rIns="91425" lIns="91425" tIns="91425" anchor="t" anchorCtr="0">
+          <a:bodyPr lIns="91425" tIns="91425" rIns="91425" bIns="91425" anchor="t" anchorCtr="0">
             <a:noAutofit/>
           </a:bodyPr>
           <a:lstStyle/>
@@ -4576,7 +4783,7 @@
               <a:buNone/>
             </a:pPr>
             <a:r>
-              <a:rPr sz="1100" lang="en">
+              <a:rPr lang="en" sz="1100" dirty="0">
                 <a:latin typeface="Verdana"/>
                 <a:ea typeface="Verdana"/>
                 <a:cs typeface="Verdana"/>
@@ -4599,7 +4806,7 @@
               <a:buNone/>
             </a:pPr>
             <a:r>
-              <a:rPr sz="1100" lang="en">
+              <a:rPr lang="en" sz="1100" dirty="0">
                 <a:latin typeface="Verdana"/>
                 <a:ea typeface="Verdana"/>
                 <a:cs typeface="Verdana"/>
@@ -4622,7 +4829,7 @@
               <a:buNone/>
             </a:pPr>
             <a:r>
-              <a:rPr sz="1100" lang="en">
+              <a:rPr lang="en" sz="1100" dirty="0">
                 <a:latin typeface="Verdana"/>
                 <a:ea typeface="Verdana"/>
                 <a:cs typeface="Verdana"/>
@@ -4631,7 +4838,7 @@
               <a:t>The parentheses may include parameter names separated by commas: (</a:t>
             </a:r>
             <a:r>
-              <a:rPr sz="1100" lang="en" i="1">
+              <a:rPr lang="en" sz="1100" i="1" dirty="0">
                 <a:latin typeface="Verdana"/>
                 <a:ea typeface="Verdana"/>
                 <a:cs typeface="Verdana"/>
@@ -4640,7 +4847,7 @@
               <a:t>parameter1, parameter2, ...</a:t>
             </a:r>
             <a:r>
-              <a:rPr sz="1100" lang="en">
+              <a:rPr lang="en" sz="1100" dirty="0">
                 <a:latin typeface="Verdana"/>
                 <a:ea typeface="Verdana"/>
                 <a:cs typeface="Verdana"/>
@@ -4663,7 +4870,7 @@
               <a:buNone/>
             </a:pPr>
             <a:r>
-              <a:rPr sz="1100" lang="en">
+              <a:rPr lang="en" sz="1100" dirty="0">
                 <a:latin typeface="Verdana"/>
                 <a:ea typeface="Verdana"/>
                 <a:cs typeface="Verdana"/>
@@ -4679,10 +4886,7 @@
               </a:spcBef>
               <a:buNone/>
             </a:pPr>
-            <a:r>
-              <a:t/>
-            </a:r>
-            <a:endParaRPr sz="1100" i="1">
+            <a:endParaRPr sz="1100" i="1" dirty="0">
               <a:solidFill>
                 <a:srgbClr val="000000"/>
               </a:solidFill>
@@ -4699,10 +4903,7 @@
               </a:spcBef>
               <a:buNone/>
             </a:pPr>
-            <a:r>
-              <a:t/>
-            </a:r>
-            <a:endParaRPr sz="1100" i="1">
+            <a:endParaRPr sz="1100" i="1" dirty="0">
               <a:solidFill>
                 <a:srgbClr val="000000"/>
               </a:solidFill>
@@ -4720,7 +4921,7 @@
               <a:buNone/>
             </a:pPr>
             <a:r>
-              <a:rPr sz="1100" lang="en" i="1">
+              <a:rPr lang="en" sz="1100" i="1" dirty="0">
                 <a:solidFill>
                   <a:srgbClr val="000000"/>
                 </a:solidFill>
@@ -4732,7 +4933,7 @@
               <a:t>functionName</a:t>
             </a:r>
             <a:r>
-              <a:rPr sz="1100" lang="en">
+              <a:rPr lang="en" sz="1100" dirty="0">
                 <a:solidFill>
                   <a:srgbClr val="000000"/>
                 </a:solidFill>
@@ -4744,7 +4945,7 @@
               <a:t>(</a:t>
             </a:r>
             <a:r>
-              <a:rPr sz="1100" lang="en" i="1">
+              <a:rPr lang="en" sz="1100" i="1" dirty="0">
                 <a:solidFill>
                   <a:srgbClr val="000000"/>
                 </a:solidFill>
@@ -4756,7 +4957,7 @@
               <a:t>parameter1, parameter2, parameter3</a:t>
             </a:r>
             <a:r>
-              <a:rPr sz="1100" lang="en">
+              <a:rPr lang="en" sz="1100" dirty="0">
                 <a:solidFill>
                   <a:srgbClr val="000000"/>
                 </a:solidFill>
@@ -4776,7 +4977,7 @@
               <a:buNone/>
             </a:pPr>
             <a:r>
-              <a:rPr sz="1100" lang="en">
+              <a:rPr lang="en" sz="1100" dirty="0">
                 <a:solidFill>
                   <a:srgbClr val="000000"/>
                 </a:solidFill>
@@ -4788,7 +4989,7 @@
               <a:t>    </a:t>
             </a:r>
             <a:r>
-              <a:rPr sz="1100" lang="en" i="1">
+              <a:rPr lang="en" sz="1100" i="1" dirty="0">
                 <a:solidFill>
                   <a:srgbClr val="000000"/>
                 </a:solidFill>
@@ -4801,14 +5002,14 @@
             </a:r>
           </a:p>
           <a:p>
-            <a:pPr rtl="0" indent="0" marL="0">
-              <a:spcBef>
-                <a:spcPts val="0"/>
-              </a:spcBef>
-              <a:buNone/>
-            </a:pPr>
-            <a:r>
-              <a:rPr sz="1100" lang="en" i="1">
+            <a:pPr marL="0" indent="0" rtl="0">
+              <a:spcBef>
+                <a:spcPts val="0"/>
+              </a:spcBef>
+              <a:buNone/>
+            </a:pPr>
+            <a:r>
+              <a:rPr lang="en" sz="1100" i="1" dirty="0">
                 <a:solidFill>
                   <a:srgbClr val="000000"/>
                 </a:solidFill>
@@ -4828,7 +5029,7 @@
               <a:buNone/>
             </a:pPr>
             <a:r>
-              <a:rPr sz="1100" lang="en">
+              <a:rPr lang="en" sz="1100" dirty="0">
                 <a:solidFill>
                   <a:srgbClr val="000000"/>
                 </a:solidFill>
@@ -4858,8 +5059,8 @@
         </p:blipFill>
         <p:spPr>
           <a:xfrm>
-            <a:off y="2707125" x="5576925"/>
-            <a:ext cy="2076450" cx="2095500"/>
+            <a:off x="5576925" y="2707125"/>
+            <a:ext cx="2095500" cy="2076450"/>
           </a:xfrm>
           <a:prstGeom prst="rect">
             <a:avLst/>
@@ -4875,48 +5076,50 @@
   <p:clrMapOvr>
     <a:masterClrMapping/>
   </p:clrMapOvr>
-  <p:transition spd="slow">
+  <p:transition xmlns:p14="http://schemas.microsoft.com/office/powerpoint/2010/main" spd="slow">
     <p:cut/>
   </p:transition>
 </p:sld>
 </file>
 
 <file path=ppt/slides/slide5.xml><?xml version="1.0" encoding="utf-8"?>
-<p:sld xmlns:a="http://schemas.openxmlformats.org/drawingml/2006/main" xmlns:r="http://schemas.openxmlformats.org/officeDocument/2006/relationships" xmlns:mc="http://schemas.openxmlformats.org/markup-compatibility/2006" xmlns:mv="urn:schemas-microsoft-com:mac:vml" xmlns:p="http://schemas.openxmlformats.org/presentationml/2006/main" xmlns:c="http://schemas.openxmlformats.org/drawingml/2006/chart" xmlns:dgm="http://schemas.openxmlformats.org/drawingml/2006/diagram" xmlns:o="urn:schemas-microsoft-com:office:office" xmlns:v="urn:schemas-microsoft-com:vml" xmlns:pvml="urn:schemas-microsoft-com:office:powerpoint" xmlns:com="http://schemas.openxmlformats.org/drawingml/2006/compatibility" xmlns:p14="http://schemas.microsoft.com/office/powerpoint/2010/main">
+<p:sld xmlns:a="http://schemas.openxmlformats.org/drawingml/2006/main" xmlns:r="http://schemas.openxmlformats.org/officeDocument/2006/relationships" xmlns:p="http://schemas.openxmlformats.org/presentationml/2006/main">
   <p:cSld>
     <p:spTree>
       <p:nvGrpSpPr>
-        <p:cNvPr id="66" name="Shape 66"/>
+        <p:cNvPr id="1" name="Shape 66"/>
         <p:cNvGrpSpPr/>
         <p:nvPr/>
       </p:nvGrpSpPr>
       <p:grpSpPr>
         <a:xfrm>
-          <a:off y="0" x="0"/>
-          <a:ext cy="0" cx="0"/>
-          <a:chOff y="0" x="0"/>
-          <a:chExt cy="0" cx="0"/>
+          <a:off x="0" y="0"/>
+          <a:ext cx="0" cy="0"/>
+          <a:chOff x="0" y="0"/>
+          <a:chExt cx="0" cy="0"/>
         </a:xfrm>
       </p:grpSpPr>
       <p:sp>
         <p:nvSpPr>
           <p:cNvPr id="67" name="Shape 67"/>
-          <p:cNvSpPr txBox="1"/>
+          <p:cNvSpPr txBox="1">
+            <a:spLocks noGrp="1"/>
+          </p:cNvSpPr>
           <p:nvPr>
             <p:ph type="title"/>
           </p:nvPr>
         </p:nvSpPr>
         <p:spPr>
           <a:xfrm>
-            <a:off y="139527" x="457200"/>
-            <a:ext cy="857400" cx="8229600"/>
+            <a:off x="457200" y="139527"/>
+            <a:ext cx="8229600" cy="857400"/>
           </a:xfrm>
           <a:prstGeom prst="rect">
             <a:avLst/>
           </a:prstGeom>
         </p:spPr>
         <p:txBody>
-          <a:bodyPr bIns="91425" rIns="91425" lIns="91425" tIns="91425" anchor="b" anchorCtr="0">
+          <a:bodyPr lIns="91425" tIns="91425" rIns="91425" bIns="91425" anchor="b" anchorCtr="0">
             <a:noAutofit/>
           </a:bodyPr>
           <a:lstStyle/>
@@ -4937,22 +5140,24 @@
       <p:sp>
         <p:nvSpPr>
           <p:cNvPr id="68" name="Shape 68"/>
-          <p:cNvSpPr txBox="1"/>
+          <p:cNvSpPr txBox="1">
+            <a:spLocks noGrp="1"/>
+          </p:cNvSpPr>
           <p:nvPr>
-            <p:ph idx="1" type="body"/>
+            <p:ph type="body" idx="1"/>
           </p:nvPr>
         </p:nvSpPr>
         <p:spPr>
           <a:xfrm>
-            <a:off y="1200150" x="457200"/>
-            <a:ext cy="3725699" cx="8229600"/>
+            <a:off x="457200" y="1200150"/>
+            <a:ext cx="8229600" cy="3725699"/>
           </a:xfrm>
           <a:prstGeom prst="rect">
             <a:avLst/>
           </a:prstGeom>
         </p:spPr>
         <p:txBody>
-          <a:bodyPr bIns="91425" rIns="91425" lIns="91425" tIns="91425" anchor="t" anchorCtr="0">
+          <a:bodyPr lIns="91425" tIns="91425" rIns="91425" bIns="91425" anchor="t" anchorCtr="0">
             <a:noAutofit/>
           </a:bodyPr>
           <a:lstStyle/>
@@ -4970,7 +5175,7 @@
               <a:buNone/>
             </a:pPr>
             <a:r>
-              <a:rPr sz="1400" lang="en">
+              <a:rPr lang="en" sz="1400" dirty="0">
                 <a:latin typeface="Calibri"/>
                 <a:ea typeface="Calibri"/>
                 <a:cs typeface="Calibri"/>
@@ -4993,7 +5198,7 @@
               <a:buNone/>
             </a:pPr>
             <a:r>
-              <a:rPr sz="1400" lang="en">
+              <a:rPr lang="en" sz="1400" dirty="0">
                 <a:latin typeface="Calibri"/>
                 <a:ea typeface="Calibri"/>
                 <a:cs typeface="Calibri"/>
@@ -5016,7 +5221,7 @@
               <a:buNone/>
             </a:pPr>
             <a:r>
-              <a:rPr sz="1400" lang="en">
+              <a:rPr lang="en" sz="1400" dirty="0">
                 <a:latin typeface="Calibri"/>
                 <a:ea typeface="Calibri"/>
                 <a:cs typeface="Calibri"/>
@@ -5038,10 +5243,7 @@
               </a:spcAft>
               <a:buNone/>
             </a:pPr>
-            <a:r>
-              <a:t/>
-            </a:r>
-            <a:endParaRPr sz="1400">
+            <a:endParaRPr sz="1400" dirty="0">
               <a:latin typeface="Calibri"/>
               <a:ea typeface="Calibri"/>
               <a:cs typeface="Calibri"/>
@@ -5049,50 +5251,50 @@
             </a:endParaRPr>
           </a:p>
           <a:p>
-            <a:pPr rtl="0" indent="457200" marL="457200">
-              <a:spcBef>
-                <a:spcPts val="0"/>
-              </a:spcBef>
-              <a:buNone/>
-            </a:pPr>
-            <a:r>
-              <a:rPr sz="2400" lang="en"/>
+            <a:pPr marL="457200" indent="457200" rtl="0">
+              <a:spcBef>
+                <a:spcPts val="0"/>
+              </a:spcBef>
+              <a:buNone/>
+            </a:pPr>
+            <a:r>
+              <a:rPr lang="en" sz="2400" dirty="0"/>
               <a:t>function calculateArea(length, width) {</a:t>
             </a:r>
           </a:p>
           <a:p>
-            <a:pPr rtl="0" indent="457200" marL="914400">
-              <a:spcBef>
-                <a:spcPts val="0"/>
-              </a:spcBef>
-              <a:buNone/>
-            </a:pPr>
-            <a:r>
-              <a:rPr sz="2400" lang="en"/>
+            <a:pPr marL="914400" indent="457200" rtl="0">
+              <a:spcBef>
+                <a:spcPts val="0"/>
+              </a:spcBef>
+              <a:buNone/>
+            </a:pPr>
+            <a:r>
+              <a:rPr lang="en" sz="2400" dirty="0"/>
               <a:t>	var area = length * width;			</a:t>
             </a:r>
           </a:p>
           <a:p>
-            <a:pPr rtl="0" indent="457200" marL="914400">
-              <a:spcBef>
-                <a:spcPts val="0"/>
-              </a:spcBef>
-              <a:buNone/>
-            </a:pPr>
-            <a:r>
-              <a:rPr sz="2400" lang="en"/>
+            <a:pPr marL="914400" indent="457200" rtl="0">
+              <a:spcBef>
+                <a:spcPts val="0"/>
+              </a:spcBef>
+              <a:buNone/>
+            </a:pPr>
+            <a:r>
+              <a:rPr lang="en" sz="2400" dirty="0"/>
               <a:t>	return area;</a:t>
             </a:r>
           </a:p>
           <a:p>
-            <a:pPr indent="0" marL="914400">
-              <a:spcBef>
-                <a:spcPts val="0"/>
-              </a:spcBef>
-              <a:buNone/>
-            </a:pPr>
-            <a:r>
-              <a:rPr sz="2400" lang="en"/>
+            <a:pPr marL="914400" indent="0">
+              <a:spcBef>
+                <a:spcPts val="0"/>
+              </a:spcBef>
+              <a:buNone/>
+            </a:pPr>
+            <a:r>
+              <a:rPr lang="en" sz="2400" dirty="0"/>
               <a:t>}</a:t>
             </a:r>
           </a:p>
@@ -5114,8 +5316,8 @@
         </p:blipFill>
         <p:spPr>
           <a:xfrm>
-            <a:off y="1804450" x="6701000"/>
-            <a:ext cy="2076450" cx="2095500"/>
+            <a:off x="6701000" y="1804450"/>
+            <a:ext cx="2095500" cy="2076450"/>
           </a:xfrm>
           <a:prstGeom prst="rect">
             <a:avLst/>
@@ -5131,48 +5333,50 @@
   <p:clrMapOvr>
     <a:masterClrMapping/>
   </p:clrMapOvr>
-  <p:transition spd="slow">
+  <p:transition xmlns:p14="http://schemas.microsoft.com/office/powerpoint/2010/main" spd="slow">
     <p:cut/>
   </p:transition>
 </p:sld>
 </file>
 
 <file path=ppt/slides/slide6.xml><?xml version="1.0" encoding="utf-8"?>
-<p:sld xmlns:a="http://schemas.openxmlformats.org/drawingml/2006/main" xmlns:r="http://schemas.openxmlformats.org/officeDocument/2006/relationships" xmlns:mc="http://schemas.openxmlformats.org/markup-compatibility/2006" xmlns:mv="urn:schemas-microsoft-com:mac:vml" xmlns:p="http://schemas.openxmlformats.org/presentationml/2006/main" xmlns:c="http://schemas.openxmlformats.org/drawingml/2006/chart" xmlns:dgm="http://schemas.openxmlformats.org/drawingml/2006/diagram" xmlns:o="urn:schemas-microsoft-com:office:office" xmlns:v="urn:schemas-microsoft-com:vml" xmlns:pvml="urn:schemas-microsoft-com:office:powerpoint" xmlns:com="http://schemas.openxmlformats.org/drawingml/2006/compatibility" xmlns:p14="http://schemas.microsoft.com/office/powerpoint/2010/main">
+<p:sld xmlns:a="http://schemas.openxmlformats.org/drawingml/2006/main" xmlns:r="http://schemas.openxmlformats.org/officeDocument/2006/relationships" xmlns:p="http://schemas.openxmlformats.org/presentationml/2006/main">
   <p:cSld>
     <p:spTree>
       <p:nvGrpSpPr>
-        <p:cNvPr id="73" name="Shape 73"/>
+        <p:cNvPr id="1" name="Shape 73"/>
         <p:cNvGrpSpPr/>
         <p:nvPr/>
       </p:nvGrpSpPr>
       <p:grpSpPr>
         <a:xfrm>
-          <a:off y="0" x="0"/>
-          <a:ext cy="0" cx="0"/>
-          <a:chOff y="0" x="0"/>
-          <a:chExt cy="0" cx="0"/>
+          <a:off x="0" y="0"/>
+          <a:ext cx="0" cy="0"/>
+          <a:chOff x="0" y="0"/>
+          <a:chExt cx="0" cy="0"/>
         </a:xfrm>
       </p:grpSpPr>
       <p:sp>
         <p:nvSpPr>
           <p:cNvPr id="74" name="Shape 74"/>
-          <p:cNvSpPr txBox="1"/>
+          <p:cNvSpPr txBox="1">
+            <a:spLocks noGrp="1"/>
+          </p:cNvSpPr>
           <p:nvPr>
             <p:ph type="title"/>
           </p:nvPr>
         </p:nvSpPr>
         <p:spPr>
           <a:xfrm>
-            <a:off y="139527" x="457200"/>
-            <a:ext cy="857400" cx="8229600"/>
+            <a:off x="457200" y="139527"/>
+            <a:ext cx="8229600" cy="857400"/>
           </a:xfrm>
           <a:prstGeom prst="rect">
             <a:avLst/>
           </a:prstGeom>
         </p:spPr>
         <p:txBody>
-          <a:bodyPr bIns="91425" rIns="91425" lIns="91425" tIns="91425" anchor="b" anchorCtr="0">
+          <a:bodyPr lIns="91425" tIns="91425" rIns="91425" bIns="91425" anchor="b" anchorCtr="0">
             <a:noAutofit/>
           </a:bodyPr>
           <a:lstStyle/>
@@ -5193,22 +5397,24 @@
       <p:sp>
         <p:nvSpPr>
           <p:cNvPr id="75" name="Shape 75"/>
-          <p:cNvSpPr txBox="1"/>
+          <p:cNvSpPr txBox="1">
+            <a:spLocks noGrp="1"/>
+          </p:cNvSpPr>
           <p:nvPr>
-            <p:ph idx="1" type="body"/>
+            <p:ph type="body" idx="1"/>
           </p:nvPr>
         </p:nvSpPr>
         <p:spPr>
           <a:xfrm>
-            <a:off y="1200150" x="457200"/>
-            <a:ext cy="3725699" cx="8229600"/>
+            <a:off x="457200" y="1200150"/>
+            <a:ext cx="8229600" cy="3725699"/>
           </a:xfrm>
           <a:prstGeom prst="rect">
             <a:avLst/>
           </a:prstGeom>
         </p:spPr>
         <p:txBody>
-          <a:bodyPr bIns="91425" rIns="91425" lIns="91425" tIns="91425" anchor="t" anchorCtr="0">
+          <a:bodyPr lIns="91425" tIns="91425" rIns="91425" bIns="91425" anchor="t" anchorCtr="0">
             <a:noAutofit/>
           </a:bodyPr>
           <a:lstStyle/>
@@ -5226,7 +5432,7 @@
               <a:buNone/>
             </a:pPr>
             <a:r>
-              <a:rPr sz="1100" lang="en">
+              <a:rPr lang="en" sz="1100">
                 <a:latin typeface="Verdana"/>
                 <a:ea typeface="Verdana"/>
                 <a:cs typeface="Verdana"/>
@@ -5236,7 +5442,7 @@
             </a:r>
           </a:p>
           <a:p>
-            <a:pPr rtl="0" lvl="0" indent="-298450" marL="457200">
+            <a:pPr marL="457200" lvl="0" indent="-298450" rtl="0">
               <a:lnSpc>
                 <a:spcPct val="146103"/>
               </a:lnSpc>
@@ -5254,7 +5460,7 @@
               <a:buChar char="●"/>
             </a:pPr>
             <a:r>
-              <a:rPr sz="1100" lang="en">
+              <a:rPr lang="en" sz="1100">
                 <a:latin typeface="Verdana"/>
                 <a:ea typeface="Verdana"/>
                 <a:cs typeface="Verdana"/>
@@ -5264,7 +5470,7 @@
             </a:r>
           </a:p>
           <a:p>
-            <a:pPr rtl="0" lvl="0" indent="-298450" marL="457200">
+            <a:pPr marL="457200" lvl="0" indent="-298450" rtl="0">
               <a:lnSpc>
                 <a:spcPct val="146103"/>
               </a:lnSpc>
@@ -5282,7 +5488,7 @@
               <a:buChar char="●"/>
             </a:pPr>
             <a:r>
-              <a:rPr sz="1100" lang="en">
+              <a:rPr lang="en" sz="1100">
                 <a:latin typeface="Verdana"/>
                 <a:ea typeface="Verdana"/>
                 <a:cs typeface="Verdana"/>
@@ -5292,7 +5498,7 @@
             </a:r>
           </a:p>
           <a:p>
-            <a:pPr rtl="0" lvl="0" indent="-298450" marL="457200">
+            <a:pPr marL="457200" lvl="0" indent="-298450" rtl="0">
               <a:lnSpc>
                 <a:spcPct val="146103"/>
               </a:lnSpc>
@@ -5310,7 +5516,7 @@
               <a:buChar char="●"/>
             </a:pPr>
             <a:r>
-              <a:rPr sz="1100" lang="en">
+              <a:rPr lang="en" sz="1100">
                 <a:latin typeface="Verdana"/>
                 <a:ea typeface="Verdana"/>
                 <a:cs typeface="Verdana"/>
@@ -5333,7 +5539,7 @@
               <a:buNone/>
             </a:pPr>
             <a:r>
-              <a:rPr sz="1100" lang="en">
+              <a:rPr lang="en" sz="1100">
                 <a:latin typeface="Verdana"/>
                 <a:ea typeface="Verdana"/>
                 <a:cs typeface="Verdana"/>
@@ -5356,7 +5562,7 @@
               <a:buNone/>
             </a:pPr>
             <a:r>
-              <a:rPr sz="1100" lang="en">
+              <a:rPr lang="en" sz="1100">
                 <a:latin typeface="Verdana"/>
                 <a:ea typeface="Verdana"/>
                 <a:cs typeface="Verdana"/>
@@ -5379,7 +5585,7 @@
               <a:buNone/>
             </a:pPr>
             <a:r>
-              <a:rPr sz="1100" lang="en">
+              <a:rPr lang="en" sz="1100">
                 <a:latin typeface="Verdana"/>
                 <a:ea typeface="Verdana"/>
                 <a:cs typeface="Verdana"/>
@@ -5395,9 +5601,6 @@
               </a:spcBef>
               <a:buNone/>
             </a:pPr>
-            <a:r>
-              <a:t/>
-            </a:r>
             <a:endParaRPr/>
           </a:p>
         </p:txBody>
@@ -5407,48 +5610,50 @@
   <p:clrMapOvr>
     <a:masterClrMapping/>
   </p:clrMapOvr>
-  <p:transition spd="slow">
+  <p:transition xmlns:p14="http://schemas.microsoft.com/office/powerpoint/2010/main" spd="slow">
     <p:cut/>
   </p:transition>
 </p:sld>
 </file>
 
 <file path=ppt/slides/slide7.xml><?xml version="1.0" encoding="utf-8"?>
-<p:sld xmlns:a="http://schemas.openxmlformats.org/drawingml/2006/main" xmlns:r="http://schemas.openxmlformats.org/officeDocument/2006/relationships" xmlns:mc="http://schemas.openxmlformats.org/markup-compatibility/2006" xmlns:mv="urn:schemas-microsoft-com:mac:vml" xmlns:p="http://schemas.openxmlformats.org/presentationml/2006/main" xmlns:c="http://schemas.openxmlformats.org/drawingml/2006/chart" xmlns:dgm="http://schemas.openxmlformats.org/drawingml/2006/diagram" xmlns:o="urn:schemas-microsoft-com:office:office" xmlns:v="urn:schemas-microsoft-com:vml" xmlns:pvml="urn:schemas-microsoft-com:office:powerpoint" xmlns:com="http://schemas.openxmlformats.org/drawingml/2006/compatibility" xmlns:p14="http://schemas.microsoft.com/office/powerpoint/2010/main">
+<p:sld xmlns:a="http://schemas.openxmlformats.org/drawingml/2006/main" xmlns:r="http://schemas.openxmlformats.org/officeDocument/2006/relationships" xmlns:p="http://schemas.openxmlformats.org/presentationml/2006/main">
   <p:cSld>
     <p:spTree>
       <p:nvGrpSpPr>
-        <p:cNvPr id="79" name="Shape 79"/>
+        <p:cNvPr id="1" name="Shape 79"/>
         <p:cNvGrpSpPr/>
         <p:nvPr/>
       </p:nvGrpSpPr>
       <p:grpSpPr>
         <a:xfrm>
-          <a:off y="0" x="0"/>
-          <a:ext cy="0" cx="0"/>
-          <a:chOff y="0" x="0"/>
-          <a:chExt cy="0" cx="0"/>
+          <a:off x="0" y="0"/>
+          <a:ext cx="0" cy="0"/>
+          <a:chOff x="0" y="0"/>
+          <a:chExt cx="0" cy="0"/>
         </a:xfrm>
       </p:grpSpPr>
       <p:sp>
         <p:nvSpPr>
           <p:cNvPr id="80" name="Shape 80"/>
-          <p:cNvSpPr txBox="1"/>
+          <p:cNvSpPr txBox="1">
+            <a:spLocks noGrp="1"/>
+          </p:cNvSpPr>
           <p:nvPr>
             <p:ph type="title"/>
           </p:nvPr>
         </p:nvSpPr>
         <p:spPr>
           <a:xfrm>
-            <a:off y="139527" x="457200"/>
-            <a:ext cy="857400" cx="8229600"/>
+            <a:off x="457200" y="139527"/>
+            <a:ext cx="8229600" cy="857400"/>
           </a:xfrm>
           <a:prstGeom prst="rect">
             <a:avLst/>
           </a:prstGeom>
         </p:spPr>
         <p:txBody>
-          <a:bodyPr bIns="91425" rIns="91425" lIns="91425" tIns="91425" anchor="b" anchorCtr="0">
+          <a:bodyPr lIns="91425" tIns="91425" rIns="91425" bIns="91425" anchor="b" anchorCtr="0">
             <a:noAutofit/>
           </a:bodyPr>
           <a:lstStyle/>
@@ -5469,34 +5674,36 @@
       <p:sp>
         <p:nvSpPr>
           <p:cNvPr id="81" name="Shape 81"/>
-          <p:cNvSpPr txBox="1"/>
+          <p:cNvSpPr txBox="1">
+            <a:spLocks noGrp="1"/>
+          </p:cNvSpPr>
           <p:nvPr>
-            <p:ph idx="1" type="body"/>
+            <p:ph type="body" idx="1"/>
           </p:nvPr>
         </p:nvSpPr>
         <p:spPr>
           <a:xfrm>
-            <a:off y="1200150" x="457200"/>
-            <a:ext cy="3725699" cx="8229600"/>
+            <a:off x="457200" y="1200150"/>
+            <a:ext cx="8229600" cy="3725699"/>
           </a:xfrm>
           <a:prstGeom prst="rect">
             <a:avLst/>
           </a:prstGeom>
         </p:spPr>
         <p:txBody>
-          <a:bodyPr bIns="91425" rIns="91425" lIns="91425" tIns="91425" anchor="t" anchorCtr="0">
+          <a:bodyPr lIns="91425" tIns="91425" rIns="91425" bIns="91425" anchor="t" anchorCtr="0">
             <a:noAutofit/>
           </a:bodyPr>
           <a:lstStyle/>
           <a:p>
-            <a:pPr rtl="0" indent="0" marL="0">
-              <a:spcBef>
-                <a:spcPts val="0"/>
-              </a:spcBef>
-              <a:buNone/>
-            </a:pPr>
-            <a:r>
-              <a:rPr sz="1800" lang="en">
+            <a:pPr marL="0" indent="0" rtl="0">
+              <a:spcBef>
+                <a:spcPts val="0"/>
+              </a:spcBef>
+              <a:buNone/>
+            </a:pPr>
+            <a:r>
+              <a:rPr lang="en" sz="1800" dirty="0">
                 <a:latin typeface="Calibri"/>
                 <a:ea typeface="Calibri"/>
                 <a:cs typeface="Calibri"/>
@@ -5506,48 +5713,93 @@
             </a:r>
           </a:p>
           <a:p>
-            <a:pPr rtl="0" indent="457200" marL="0">
-              <a:spcBef>
-                <a:spcPts val="0"/>
-              </a:spcBef>
-              <a:buNone/>
-            </a:pPr>
-            <a:r>
-              <a:rPr sz="1800" lang="en">
+            <a:pPr marL="0" indent="457200" rtl="0">
+              <a:spcBef>
+                <a:spcPts val="0"/>
+              </a:spcBef>
+              <a:buNone/>
+            </a:pPr>
+            <a:r>
+              <a:rPr lang="en" sz="1800" dirty="0">
                 <a:latin typeface="Calibri"/>
                 <a:ea typeface="Calibri"/>
                 <a:cs typeface="Calibri"/>
                 <a:sym typeface="Calibri"/>
               </a:rPr>
-              <a:t>var area = length * width;			</a:t>
-            </a:r>
-          </a:p>
-          <a:p>
-            <a:pPr rtl="0" indent="457200" marL="0">
-              <a:spcBef>
-                <a:spcPts val="0"/>
-              </a:spcBef>
-              <a:buNone/>
-            </a:pPr>
-            <a:r>
-              <a:rPr sz="1800" lang="en">
+              <a:t>v</a:t>
+            </a:r>
+            <a:r>
+              <a:rPr lang="en" sz="1800" dirty="0" smtClean="0">
                 <a:latin typeface="Calibri"/>
                 <a:ea typeface="Calibri"/>
                 <a:cs typeface="Calibri"/>
                 <a:sym typeface="Calibri"/>
               </a:rPr>
-              <a:t>return area;</a:t>
-            </a:r>
-          </a:p>
-          <a:p>
-            <a:pPr rtl="0" indent="0" marL="0">
-              <a:spcBef>
-                <a:spcPts val="0"/>
-              </a:spcBef>
-              <a:buNone/>
-            </a:pPr>
-            <a:r>
-              <a:rPr sz="1800" lang="en">
+              <a:t>ar area = length * width;</a:t>
+            </a:r>
+          </a:p>
+          <a:p>
+            <a:pPr marL="0" indent="457200" rtl="0">
+              <a:spcBef>
+                <a:spcPts val="0"/>
+              </a:spcBef>
+              <a:buNone/>
+            </a:pPr>
+            <a:r>
+              <a:rPr lang="en" sz="1800" dirty="0" smtClean="0">
+                <a:latin typeface="Calibri"/>
+                <a:ea typeface="Calibri"/>
+                <a:cs typeface="Calibri"/>
+                <a:sym typeface="Calibri"/>
+              </a:rPr>
+              <a:t>return</a:t>
+            </a:r>
+            <a:r>
+              <a:rPr lang="en" sz="1800" dirty="0" smtClean="0">
+                <a:latin typeface="Calibri"/>
+                <a:ea typeface="Calibri"/>
+                <a:cs typeface="Calibri"/>
+                <a:sym typeface="Calibri"/>
+              </a:rPr>
+              <a:t> </a:t>
+            </a:r>
+            <a:r>
+              <a:rPr lang="en-US" sz="1800" dirty="0" smtClean="0">
+                <a:latin typeface="Calibri"/>
+                <a:ea typeface="Calibri"/>
+                <a:cs typeface="Calibri"/>
+                <a:sym typeface="Calibri"/>
+              </a:rPr>
+              <a:t>area</a:t>
+            </a:r>
+            <a:r>
+              <a:rPr lang="en" sz="1800" dirty="0" smtClean="0">
+                <a:latin typeface="Calibri"/>
+                <a:ea typeface="Calibri"/>
+                <a:cs typeface="Calibri"/>
+                <a:sym typeface="Calibri"/>
+              </a:rPr>
+              <a:t>;</a:t>
+            </a:r>
+            <a:r>
+              <a:rPr lang="en" sz="1800" dirty="0">
+                <a:latin typeface="Calibri"/>
+                <a:ea typeface="Calibri"/>
+                <a:cs typeface="Calibri"/>
+                <a:sym typeface="Calibri"/>
+              </a:rPr>
+              <a:t>			</a:t>
+            </a:r>
+          </a:p>
+          <a:p>
+            <a:pPr marL="0" indent="0" rtl="0">
+              <a:spcBef>
+                <a:spcPts val="0"/>
+              </a:spcBef>
+              <a:buNone/>
+            </a:pPr>
+            <a:r>
+              <a:rPr lang="en-US" sz="1800" dirty="0" smtClean="0">
                 <a:latin typeface="Calibri"/>
                 <a:ea typeface="Calibri"/>
                 <a:cs typeface="Calibri"/>
@@ -5557,16 +5809,13 @@
             </a:r>
           </a:p>
           <a:p>
-            <a:pPr rtl="0" indent="0" marL="0">
-              <a:spcBef>
-                <a:spcPts val="0"/>
-              </a:spcBef>
-              <a:buNone/>
-            </a:pPr>
-            <a:r>
-              <a:t/>
-            </a:r>
-            <a:endParaRPr sz="1800">
+            <a:pPr marL="0" indent="0" rtl="0">
+              <a:spcBef>
+                <a:spcPts val="0"/>
+              </a:spcBef>
+              <a:buNone/>
+            </a:pPr>
+            <a:endParaRPr lang="en-US" sz="1800" dirty="0">
               <a:latin typeface="Calibri"/>
               <a:ea typeface="Calibri"/>
               <a:cs typeface="Calibri"/>
@@ -5574,31 +5823,45 @@
             </a:endParaRPr>
           </a:p>
           <a:p>
-            <a:pPr rtl="0" indent="0" marL="0">
-              <a:spcBef>
-                <a:spcPts val="0"/>
-              </a:spcBef>
-              <a:buNone/>
-            </a:pPr>
-            <a:r>
-              <a:rPr sz="1800" lang="en">
+            <a:pPr marL="0" indent="0" rtl="0">
+              <a:spcBef>
+                <a:spcPts val="0"/>
+              </a:spcBef>
+              <a:buNone/>
+            </a:pPr>
+            <a:endParaRPr sz="1800" dirty="0">
+              <a:latin typeface="Calibri"/>
+              <a:ea typeface="Calibri"/>
+              <a:cs typeface="Calibri"/>
+              <a:sym typeface="Calibri"/>
+            </a:endParaRPr>
+          </a:p>
+          <a:p>
+            <a:pPr marL="0" indent="0" rtl="0">
+              <a:spcBef>
+                <a:spcPts val="0"/>
+              </a:spcBef>
+              <a:buNone/>
+            </a:pPr>
+            <a:r>
+              <a:rPr lang="en" sz="1800" dirty="0" smtClean="0">
                 <a:latin typeface="Calibri"/>
                 <a:ea typeface="Calibri"/>
                 <a:cs typeface="Calibri"/>
                 <a:sym typeface="Calibri"/>
               </a:rPr>
-              <a:t>var len = 5;</a:t>
-            </a:r>
-          </a:p>
-          <a:p>
-            <a:pPr rtl="0" indent="0" marL="0">
-              <a:spcBef>
-                <a:spcPts val="0"/>
-              </a:spcBef>
-              <a:buNone/>
-            </a:pPr>
-            <a:r>
-              <a:rPr sz="1800" lang="en">
+              <a:t>var l = 5;</a:t>
+            </a:r>
+          </a:p>
+          <a:p>
+            <a:pPr marL="0" indent="0" rtl="0">
+              <a:spcBef>
+                <a:spcPts val="0"/>
+              </a:spcBef>
+              <a:buNone/>
+            </a:pPr>
+            <a:r>
+              <a:rPr lang="en" sz="1800" dirty="0" smtClean="0">
                 <a:latin typeface="Calibri"/>
                 <a:ea typeface="Calibri"/>
                 <a:cs typeface="Calibri"/>
@@ -5608,33 +5871,58 @@
             </a:r>
           </a:p>
           <a:p>
-            <a:pPr rtl="0" indent="0" marL="0">
-              <a:spcBef>
-                <a:spcPts val="0"/>
-              </a:spcBef>
-              <a:buNone/>
-            </a:pPr>
-            <a:r>
-              <a:rPr sz="1800" lang="en">
+            <a:pPr marL="0" indent="0" rtl="0">
+              <a:spcBef>
+                <a:spcPts val="0"/>
+              </a:spcBef>
+              <a:buNone/>
+            </a:pPr>
+            <a:r>
+              <a:rPr lang="en" sz="1800" dirty="0" smtClean="0">
                 <a:latin typeface="Calibri"/>
                 <a:ea typeface="Calibri"/>
                 <a:cs typeface="Calibri"/>
                 <a:sym typeface="Calibri"/>
               </a:rPr>
-              <a:t>var area = calculateArea(5, 10);</a:t>
-            </a:r>
-          </a:p>
-          <a:p>
-            <a:pPr rtl="0" indent="0" marL="0">
-              <a:spcBef>
-                <a:spcPts val="0"/>
-              </a:spcBef>
-              <a:buNone/>
-            </a:pPr>
-            <a:r>
-              <a:t/>
-            </a:r>
-            <a:endParaRPr sz="1800">
+              <a:t>var a </a:t>
+            </a:r>
+            <a:r>
+              <a:rPr lang="en" sz="1800" dirty="0">
+                <a:latin typeface="Calibri"/>
+                <a:ea typeface="Calibri"/>
+                <a:cs typeface="Calibri"/>
+                <a:sym typeface="Calibri"/>
+              </a:rPr>
+              <a:t>= </a:t>
+            </a:r>
+            <a:r>
+              <a:rPr lang="en" sz="1800" dirty="0" smtClean="0">
+                <a:latin typeface="Calibri"/>
+                <a:ea typeface="Calibri"/>
+                <a:cs typeface="Calibri"/>
+                <a:sym typeface="Calibri"/>
+              </a:rPr>
+              <a:t>calculateArea(</a:t>
+            </a:r>
+            <a:r>
+              <a:rPr lang="en-US" sz="1800" dirty="0" smtClean="0">
+                <a:latin typeface="Calibri"/>
+                <a:ea typeface="Calibri"/>
+                <a:cs typeface="Calibri"/>
+                <a:sym typeface="Calibri"/>
+              </a:rPr>
+              <a:t>l, w</a:t>
+            </a:r>
+            <a:r>
+              <a:rPr lang="en" sz="1800" dirty="0" smtClean="0">
+                <a:latin typeface="Calibri"/>
+                <a:ea typeface="Calibri"/>
+                <a:cs typeface="Calibri"/>
+                <a:sym typeface="Calibri"/>
+              </a:rPr>
+              <a:t>);</a:t>
+            </a:r>
+            <a:endParaRPr lang="en" sz="1800" dirty="0">
               <a:latin typeface="Calibri"/>
               <a:ea typeface="Calibri"/>
               <a:cs typeface="Calibri"/>
@@ -5642,33 +5930,48 @@
             </a:endParaRPr>
           </a:p>
           <a:p>
-            <a:pPr rtl="0" indent="0" marL="0">
-              <a:spcBef>
-                <a:spcPts val="0"/>
-              </a:spcBef>
-              <a:buNone/>
-            </a:pPr>
-            <a:r>
-              <a:rPr sz="1800" lang="en">
+            <a:pPr marL="0" indent="0" rtl="0">
+              <a:spcBef>
+                <a:spcPts val="0"/>
+              </a:spcBef>
+              <a:buNone/>
+            </a:pPr>
+            <a:endParaRPr sz="1800" dirty="0">
+              <a:latin typeface="Calibri"/>
+              <a:ea typeface="Calibri"/>
+              <a:cs typeface="Calibri"/>
+              <a:sym typeface="Calibri"/>
+            </a:endParaRPr>
+          </a:p>
+          <a:p>
+            <a:r>
+              <a:rPr lang="en" sz="1800" dirty="0" smtClean="0">
                 <a:latin typeface="Calibri"/>
                 <a:ea typeface="Calibri"/>
                 <a:cs typeface="Calibri"/>
                 <a:sym typeface="Calibri"/>
               </a:rPr>
-              <a:t>document.write(area);</a:t>
-            </a:r>
-          </a:p>
-          <a:p>
-            <a:pPr rtl="0" indent="0" marL="0">
-              <a:spcBef>
-                <a:spcPts val="0"/>
-              </a:spcBef>
-              <a:buNone/>
-            </a:pPr>
-            <a:r>
-              <a:t/>
-            </a:r>
-            <a:endParaRPr sz="1800">
+              <a:t>document.write(</a:t>
+            </a:r>
+            <a:r>
+              <a:rPr lang="en-US" sz="1800" dirty="0" smtClean="0">
+                <a:latin typeface="Calibri"/>
+                <a:ea typeface="Calibri"/>
+                <a:cs typeface="Calibri"/>
+                <a:sym typeface="Calibri"/>
+              </a:rPr>
+              <a:t>a</a:t>
+            </a:r>
+            <a:r>
+              <a:rPr lang="en" sz="1800" dirty="0" smtClean="0">
+                <a:latin typeface="Calibri"/>
+                <a:ea typeface="Calibri"/>
+                <a:cs typeface="Calibri"/>
+                <a:sym typeface="Calibri"/>
+              </a:rPr>
+              <a:t>);</a:t>
+            </a:r>
+            <a:endParaRPr lang="en" sz="1800" dirty="0">
               <a:latin typeface="Calibri"/>
               <a:ea typeface="Calibri"/>
               <a:cs typeface="Calibri"/>
@@ -5676,6 +5979,20 @@
             </a:endParaRPr>
           </a:p>
           <a:p>
+            <a:pPr marL="0" indent="0" rtl="0">
+              <a:spcBef>
+                <a:spcPts val="0"/>
+              </a:spcBef>
+              <a:buNone/>
+            </a:pPr>
+            <a:endParaRPr sz="1800" dirty="0">
+              <a:latin typeface="Calibri"/>
+              <a:ea typeface="Calibri"/>
+              <a:cs typeface="Calibri"/>
+              <a:sym typeface="Calibri"/>
+            </a:endParaRPr>
+          </a:p>
+          <a:p>
             <a:pPr rtl="0">
               <a:lnSpc>
                 <a:spcPct val="146103"/>
@@ -5688,10 +6005,7 @@
               </a:spcAft>
               <a:buNone/>
             </a:pPr>
-            <a:r>
-              <a:t/>
-            </a:r>
-            <a:endParaRPr sz="1100">
+            <a:endParaRPr sz="1100" dirty="0">
               <a:latin typeface="Verdana"/>
               <a:ea typeface="Verdana"/>
               <a:cs typeface="Verdana"/>
@@ -5699,16 +6013,13 @@
             </a:endParaRPr>
           </a:p>
           <a:p>
-            <a:pPr rtl="0" indent="0" marL="0">
-              <a:spcBef>
-                <a:spcPts val="0"/>
-              </a:spcBef>
-              <a:buNone/>
-            </a:pPr>
-            <a:r>
-              <a:t/>
-            </a:r>
-            <a:endParaRPr sz="1800">
+            <a:pPr marL="0" indent="0" rtl="0">
+              <a:spcBef>
+                <a:spcPts val="0"/>
+              </a:spcBef>
+              <a:buNone/>
+            </a:pPr>
+            <a:endParaRPr sz="1800" dirty="0">
               <a:latin typeface="Calibri"/>
               <a:ea typeface="Calibri"/>
               <a:cs typeface="Calibri"/>
@@ -5716,28 +6027,22 @@
             </a:endParaRPr>
           </a:p>
           <a:p>
-            <a:pPr rtl="0" indent="0" marL="0">
-              <a:spcBef>
-                <a:spcPts val="0"/>
-              </a:spcBef>
-              <a:buNone/>
-            </a:pPr>
-            <a:r>
-              <a:t/>
-            </a:r>
-            <a:endParaRPr sz="2400"/>
-          </a:p>
-          <a:p>
-            <a:pPr indent="0" marL="0">
-              <a:spcBef>
-                <a:spcPts val="0"/>
-              </a:spcBef>
-              <a:buNone/>
-            </a:pPr>
-            <a:r>
-              <a:t/>
-            </a:r>
-            <a:endParaRPr sz="2400"/>
+            <a:pPr marL="0" indent="0" rtl="0">
+              <a:spcBef>
+                <a:spcPts val="0"/>
+              </a:spcBef>
+              <a:buNone/>
+            </a:pPr>
+            <a:endParaRPr sz="2400" dirty="0"/>
+          </a:p>
+          <a:p>
+            <a:pPr marL="0" indent="0">
+              <a:spcBef>
+                <a:spcPts val="0"/>
+              </a:spcBef>
+              <a:buNone/>
+            </a:pPr>
+            <a:endParaRPr sz="2400" dirty="0"/>
           </a:p>
         </p:txBody>
       </p:sp>
@@ -5746,48 +6051,50 @@
   <p:clrMapOvr>
     <a:masterClrMapping/>
   </p:clrMapOvr>
-  <p:transition spd="slow">
+  <p:transition xmlns:p14="http://schemas.microsoft.com/office/powerpoint/2010/main" spd="slow">
     <p:cut/>
   </p:transition>
 </p:sld>
 </file>
 
 <file path=ppt/slides/slide8.xml><?xml version="1.0" encoding="utf-8"?>
-<p:sld xmlns:a="http://schemas.openxmlformats.org/drawingml/2006/main" xmlns:r="http://schemas.openxmlformats.org/officeDocument/2006/relationships" xmlns:mc="http://schemas.openxmlformats.org/markup-compatibility/2006" xmlns:mv="urn:schemas-microsoft-com:mac:vml" xmlns:p="http://schemas.openxmlformats.org/presentationml/2006/main" xmlns:c="http://schemas.openxmlformats.org/drawingml/2006/chart" xmlns:dgm="http://schemas.openxmlformats.org/drawingml/2006/diagram" xmlns:o="urn:schemas-microsoft-com:office:office" xmlns:v="urn:schemas-microsoft-com:vml" xmlns:pvml="urn:schemas-microsoft-com:office:powerpoint" xmlns:com="http://schemas.openxmlformats.org/drawingml/2006/compatibility" xmlns:p14="http://schemas.microsoft.com/office/powerpoint/2010/main">
+<p:sld xmlns:a="http://schemas.openxmlformats.org/drawingml/2006/main" xmlns:r="http://schemas.openxmlformats.org/officeDocument/2006/relationships" xmlns:p="http://schemas.openxmlformats.org/presentationml/2006/main">
   <p:cSld>
     <p:spTree>
       <p:nvGrpSpPr>
-        <p:cNvPr id="85" name="Shape 85"/>
+        <p:cNvPr id="1" name="Shape 85"/>
         <p:cNvGrpSpPr/>
         <p:nvPr/>
       </p:nvGrpSpPr>
       <p:grpSpPr>
         <a:xfrm>
-          <a:off y="0" x="0"/>
-          <a:ext cy="0" cx="0"/>
-          <a:chOff y="0" x="0"/>
-          <a:chExt cy="0" cx="0"/>
+          <a:off x="0" y="0"/>
+          <a:ext cx="0" cy="0"/>
+          <a:chOff x="0" y="0"/>
+          <a:chExt cx="0" cy="0"/>
         </a:xfrm>
       </p:grpSpPr>
       <p:sp>
         <p:nvSpPr>
           <p:cNvPr id="86" name="Shape 86"/>
-          <p:cNvSpPr txBox="1"/>
+          <p:cNvSpPr txBox="1">
+            <a:spLocks noGrp="1"/>
+          </p:cNvSpPr>
           <p:nvPr>
             <p:ph type="title"/>
           </p:nvPr>
         </p:nvSpPr>
         <p:spPr>
           <a:xfrm>
-            <a:off y="139527" x="457200"/>
-            <a:ext cy="857400" cx="8229600"/>
+            <a:off x="457200" y="139527"/>
+            <a:ext cx="8229600" cy="857400"/>
           </a:xfrm>
           <a:prstGeom prst="rect">
             <a:avLst/>
           </a:prstGeom>
         </p:spPr>
         <p:txBody>
-          <a:bodyPr bIns="91425" rIns="91425" lIns="91425" tIns="91425" anchor="b" anchorCtr="0">
+          <a:bodyPr lIns="91425" tIns="91425" rIns="91425" bIns="91425" anchor="b" anchorCtr="0">
             <a:noAutofit/>
           </a:bodyPr>
           <a:lstStyle/>
@@ -5808,22 +6115,24 @@
       <p:sp>
         <p:nvSpPr>
           <p:cNvPr id="87" name="Shape 87"/>
-          <p:cNvSpPr txBox="1"/>
+          <p:cNvSpPr txBox="1">
+            <a:spLocks noGrp="1"/>
+          </p:cNvSpPr>
           <p:nvPr>
-            <p:ph idx="1" type="body"/>
+            <p:ph type="body" idx="1"/>
           </p:nvPr>
         </p:nvSpPr>
         <p:spPr>
           <a:xfrm>
-            <a:off y="1200150" x="457200"/>
-            <a:ext cy="3725699" cx="8229600"/>
+            <a:off x="457200" y="1200150"/>
+            <a:ext cx="8229600" cy="3725699"/>
           </a:xfrm>
           <a:prstGeom prst="rect">
             <a:avLst/>
           </a:prstGeom>
         </p:spPr>
         <p:txBody>
-          <a:bodyPr bIns="91425" rIns="91425" lIns="91425" tIns="91425" anchor="t" anchorCtr="0">
+          <a:bodyPr lIns="91425" tIns="91425" rIns="91425" bIns="91425" anchor="t" anchorCtr="0">
             <a:noAutofit/>
           </a:bodyPr>
           <a:lstStyle/>
@@ -5846,9 +6155,6 @@
               </a:spcBef>
               <a:buNone/>
             </a:pPr>
-            <a:r>
-              <a:t/>
-            </a:r>
             <a:endParaRPr/>
           </a:p>
           <a:p>
@@ -5870,48 +6176,50 @@
   <p:clrMapOvr>
     <a:masterClrMapping/>
   </p:clrMapOvr>
-  <p:transition spd="slow">
+  <p:transition xmlns:p14="http://schemas.microsoft.com/office/powerpoint/2010/main" spd="slow">
     <p:cut/>
   </p:transition>
 </p:sld>
 </file>
 
 <file path=ppt/slides/slide9.xml><?xml version="1.0" encoding="utf-8"?>
-<p:sld xmlns:a="http://schemas.openxmlformats.org/drawingml/2006/main" xmlns:r="http://schemas.openxmlformats.org/officeDocument/2006/relationships" xmlns:mc="http://schemas.openxmlformats.org/markup-compatibility/2006" xmlns:mv="urn:schemas-microsoft-com:mac:vml" xmlns:p="http://schemas.openxmlformats.org/presentationml/2006/main" xmlns:c="http://schemas.openxmlformats.org/drawingml/2006/chart" xmlns:dgm="http://schemas.openxmlformats.org/drawingml/2006/diagram" xmlns:o="urn:schemas-microsoft-com:office:office" xmlns:v="urn:schemas-microsoft-com:vml" xmlns:pvml="urn:schemas-microsoft-com:office:powerpoint" xmlns:com="http://schemas.openxmlformats.org/drawingml/2006/compatibility" xmlns:p14="http://schemas.microsoft.com/office/powerpoint/2010/main">
+<p:sld xmlns:a="http://schemas.openxmlformats.org/drawingml/2006/main" xmlns:r="http://schemas.openxmlformats.org/officeDocument/2006/relationships" xmlns:p="http://schemas.openxmlformats.org/presentationml/2006/main">
   <p:cSld>
     <p:spTree>
       <p:nvGrpSpPr>
-        <p:cNvPr id="91" name="Shape 91"/>
+        <p:cNvPr id="1" name="Shape 91"/>
         <p:cNvGrpSpPr/>
         <p:nvPr/>
       </p:nvGrpSpPr>
       <p:grpSpPr>
         <a:xfrm>
-          <a:off y="0" x="0"/>
-          <a:ext cy="0" cx="0"/>
-          <a:chOff y="0" x="0"/>
-          <a:chExt cy="0" cx="0"/>
+          <a:off x="0" y="0"/>
+          <a:ext cx="0" cy="0"/>
+          <a:chOff x="0" y="0"/>
+          <a:chExt cx="0" cy="0"/>
         </a:xfrm>
       </p:grpSpPr>
       <p:sp>
         <p:nvSpPr>
           <p:cNvPr id="92" name="Shape 92"/>
-          <p:cNvSpPr txBox="1"/>
+          <p:cNvSpPr txBox="1">
+            <a:spLocks noGrp="1"/>
+          </p:cNvSpPr>
           <p:nvPr>
             <p:ph type="title"/>
           </p:nvPr>
         </p:nvSpPr>
         <p:spPr>
           <a:xfrm>
-            <a:off y="139527" x="457200"/>
-            <a:ext cy="857400" cx="8229600"/>
+            <a:off x="457200" y="139527"/>
+            <a:ext cx="8229600" cy="857400"/>
           </a:xfrm>
           <a:prstGeom prst="rect">
             <a:avLst/>
           </a:prstGeom>
         </p:spPr>
         <p:txBody>
-          <a:bodyPr bIns="91425" rIns="91425" lIns="91425" tIns="91425" anchor="b" anchorCtr="0">
+          <a:bodyPr lIns="91425" tIns="91425" rIns="91425" bIns="91425" anchor="b" anchorCtr="0">
             <a:noAutofit/>
           </a:bodyPr>
           <a:lstStyle/>
@@ -5932,22 +6240,24 @@
       <p:sp>
         <p:nvSpPr>
           <p:cNvPr id="93" name="Shape 93"/>
-          <p:cNvSpPr txBox="1"/>
+          <p:cNvSpPr txBox="1">
+            <a:spLocks noGrp="1"/>
+          </p:cNvSpPr>
           <p:nvPr>
-            <p:ph idx="1" type="body"/>
+            <p:ph type="body" idx="1"/>
           </p:nvPr>
         </p:nvSpPr>
         <p:spPr>
           <a:xfrm>
-            <a:off y="1200150" x="457200"/>
-            <a:ext cy="3725699" cx="8229600"/>
+            <a:off x="457200" y="1200150"/>
+            <a:ext cx="8229600" cy="3725699"/>
           </a:xfrm>
           <a:prstGeom prst="rect">
             <a:avLst/>
           </a:prstGeom>
         </p:spPr>
         <p:txBody>
-          <a:bodyPr bIns="91425" rIns="91425" lIns="91425" tIns="91425" anchor="t" anchorCtr="0">
+          <a:bodyPr lIns="91425" tIns="91425" rIns="91425" bIns="91425" anchor="t" anchorCtr="0">
             <a:noAutofit/>
           </a:bodyPr>
           <a:lstStyle/>
@@ -5965,7 +6275,7 @@
               <a:buNone/>
             </a:pPr>
             <a:r>
-              <a:rPr sz="1800" lang="en">
+              <a:rPr lang="en" sz="1800">
                 <a:latin typeface="Calibri"/>
                 <a:ea typeface="Calibri"/>
                 <a:cs typeface="Calibri"/>
@@ -5988,7 +6298,7 @@
               <a:buNone/>
             </a:pPr>
             <a:r>
-              <a:rPr sz="1800" lang="en">
+              <a:rPr lang="en" sz="1800">
                 <a:latin typeface="Calibri"/>
                 <a:ea typeface="Calibri"/>
                 <a:cs typeface="Calibri"/>
@@ -6004,9 +6314,6 @@
               </a:spcBef>
               <a:buNone/>
             </a:pPr>
-            <a:r>
-              <a:t/>
-            </a:r>
             <a:endParaRPr/>
           </a:p>
         </p:txBody>
@@ -6016,14 +6323,14 @@
   <p:clrMapOvr>
     <a:masterClrMapping/>
   </p:clrMapOvr>
-  <p:transition spd="slow">
+  <p:transition xmlns:p14="http://schemas.microsoft.com/office/powerpoint/2010/main" spd="slow">
     <p:cut/>
   </p:transition>
 </p:sld>
 </file>
 
 <file path=ppt/theme/theme1.xml><?xml version="1.0" encoding="utf-8"?>
-<a:theme xmlns:a="http://schemas.openxmlformats.org/drawingml/2006/main" xmlns:r="http://schemas.openxmlformats.org/officeDocument/2006/relationships" name="label">
+<a:theme xmlns:a="http://schemas.openxmlformats.org/drawingml/2006/main" name="label">
   <a:themeElements>
     <a:clrScheme name="Custom 352">
       <a:dk1>
@@ -6068,69 +6375,69 @@
         <a:latin typeface="Arial"/>
         <a:ea typeface=""/>
         <a:cs typeface=""/>
-        <a:font typeface="ＭＳ Ｐゴシック" script="Jpan"/>
-        <a:font typeface="맑은 고딕" script="Hang"/>
-        <a:font typeface="宋体" script="Hans"/>
-        <a:font typeface="新細明體" script="Hant"/>
-        <a:font typeface="Times New Roman" script="Arab"/>
-        <a:font typeface="Times New Roman" script="Hebr"/>
-        <a:font typeface="Angsana New" script="Thai"/>
-        <a:font typeface="Nyala" script="Ethi"/>
-        <a:font typeface="Vrinda" script="Beng"/>
-        <a:font typeface="Shruti" script="Gujr"/>
-        <a:font typeface="MoolBoran" script="Khmr"/>
-        <a:font typeface="Tunga" script="Knda"/>
-        <a:font typeface="Raavi" script="Guru"/>
-        <a:font typeface="Euphemia" script="Cans"/>
-        <a:font typeface="Plantagenet Cherokee" script="Cher"/>
-        <a:font typeface="Microsoft Yi Baiti" script="Yiii"/>
-        <a:font typeface="Microsoft Himalaya" script="Tibt"/>
-        <a:font typeface="MV Boli" script="Thaa"/>
-        <a:font typeface="Mangal" script="Deva"/>
-        <a:font typeface="Gautami" script="Telu"/>
-        <a:font typeface="Latha" script="Taml"/>
-        <a:font typeface="Estrangelo Edessa" script="Syrc"/>
-        <a:font typeface="Kalinga" script="Orya"/>
-        <a:font typeface="Kartika" script="Mlym"/>
-        <a:font typeface="DokChampa" script="Laoo"/>
-        <a:font typeface="Iskoola Pota" script="Sinh"/>
-        <a:font typeface="Mongolian Baiti" script="Mong"/>
-        <a:font typeface="Times New Roman" script="Viet"/>
-        <a:font typeface="Microsoft Uighur" script="Uigh"/>
+        <a:font script="Jpan" typeface="ＭＳ Ｐゴシック"/>
+        <a:font script="Hang" typeface="맑은 고딕"/>
+        <a:font script="Hans" typeface="宋体"/>
+        <a:font script="Hant" typeface="新細明體"/>
+        <a:font script="Arab" typeface="Times New Roman"/>
+        <a:font script="Hebr" typeface="Times New Roman"/>
+        <a:font script="Thai" typeface="Angsana New"/>
+        <a:font script="Ethi" typeface="Nyala"/>
+        <a:font script="Beng" typeface="Vrinda"/>
+        <a:font script="Gujr" typeface="Shruti"/>
+        <a:font script="Khmr" typeface="MoolBoran"/>
+        <a:font script="Knda" typeface="Tunga"/>
+        <a:font script="Guru" typeface="Raavi"/>
+        <a:font script="Cans" typeface="Euphemia"/>
+        <a:font script="Cher" typeface="Plantagenet Cherokee"/>
+        <a:font script="Yiii" typeface="Microsoft Yi Baiti"/>
+        <a:font script="Tibt" typeface="Microsoft Himalaya"/>
+        <a:font script="Thaa" typeface="MV Boli"/>
+        <a:font script="Deva" typeface="Mangal"/>
+        <a:font script="Telu" typeface="Gautami"/>
+        <a:font script="Taml" typeface="Latha"/>
+        <a:font script="Syrc" typeface="Estrangelo Edessa"/>
+        <a:font script="Orya" typeface="Kalinga"/>
+        <a:font script="Mlym" typeface="Kartika"/>
+        <a:font script="Laoo" typeface="DokChampa"/>
+        <a:font script="Sinh" typeface="Iskoola Pota"/>
+        <a:font script="Mong" typeface="Mongolian Baiti"/>
+        <a:font script="Viet" typeface="Times New Roman"/>
+        <a:font script="Uigh" typeface="Microsoft Uighur"/>
       </a:majorFont>
       <a:minorFont>
         <a:latin typeface="Arial"/>
         <a:ea typeface=""/>
         <a:cs typeface=""/>
-        <a:font typeface="ＭＳ Ｐゴシック" script="Jpan"/>
-        <a:font typeface="맑은 고딕" script="Hang"/>
-        <a:font typeface="宋体" script="Hans"/>
-        <a:font typeface="新細明體" script="Hant"/>
-        <a:font typeface="Times New Roman" script="Arab"/>
-        <a:font typeface="Times New Roman" script="Hebr"/>
-        <a:font typeface="Angsana New" script="Thai"/>
-        <a:font typeface="Nyala" script="Ethi"/>
-        <a:font typeface="Vrinda" script="Beng"/>
-        <a:font typeface="Shruti" script="Gujr"/>
-        <a:font typeface="MoolBoran" script="Khmr"/>
-        <a:font typeface="Tunga" script="Knda"/>
-        <a:font typeface="Raavi" script="Guru"/>
-        <a:font typeface="Euphemia" script="Cans"/>
-        <a:font typeface="Plantagenet Cherokee" script="Cher"/>
-        <a:font typeface="Microsoft Yi Baiti" script="Yiii"/>
-        <a:font typeface="Microsoft Himalaya" script="Tibt"/>
-        <a:font typeface="MV Boli" script="Thaa"/>
-        <a:font typeface="Mangal" script="Deva"/>
-        <a:font typeface="Gautami" script="Telu"/>
-        <a:font typeface="Latha" script="Taml"/>
-        <a:font typeface="Estrangelo Edessa" script="Syrc"/>
-        <a:font typeface="Kalinga" script="Orya"/>
-        <a:font typeface="Kartika" script="Mlym"/>
-        <a:font typeface="DokChampa" script="Laoo"/>
-        <a:font typeface="Iskoola Pota" script="Sinh"/>
-        <a:font typeface="Mongolian Baiti" script="Mong"/>
-        <a:font typeface="Times New Roman" script="Viet"/>
-        <a:font typeface="Microsoft Uighur" script="Uigh"/>
+        <a:font script="Jpan" typeface="ＭＳ Ｐゴシック"/>
+        <a:font script="Hang" typeface="맑은 고딕"/>
+        <a:font script="Hans" typeface="宋体"/>
+        <a:font script="Hant" typeface="新細明體"/>
+        <a:font script="Arab" typeface="Times New Roman"/>
+        <a:font script="Hebr" typeface="Times New Roman"/>
+        <a:font script="Thai" typeface="Angsana New"/>
+        <a:font script="Ethi" typeface="Nyala"/>
+        <a:font script="Beng" typeface="Vrinda"/>
+        <a:font script="Gujr" typeface="Shruti"/>
+        <a:font script="Khmr" typeface="MoolBoran"/>
+        <a:font script="Knda" typeface="Tunga"/>
+        <a:font script="Guru" typeface="Raavi"/>
+        <a:font script="Cans" typeface="Euphemia"/>
+        <a:font script="Cher" typeface="Plantagenet Cherokee"/>
+        <a:font script="Yiii" typeface="Microsoft Yi Baiti"/>
+        <a:font script="Tibt" typeface="Microsoft Himalaya"/>
+        <a:font script="Thaa" typeface="MV Boli"/>
+        <a:font script="Deva" typeface="Mangal"/>
+        <a:font script="Telu" typeface="Gautami"/>
+        <a:font script="Taml" typeface="Latha"/>
+        <a:font script="Syrc" typeface="Estrangelo Edessa"/>
+        <a:font script="Orya" typeface="Kalinga"/>
+        <a:font script="Mlym" typeface="Kartika"/>
+        <a:font script="Laoo" typeface="DokChampa"/>
+        <a:font script="Sinh" typeface="Iskoola Pota"/>
+        <a:font script="Mong" typeface="Mongolian Baiti"/>
+        <a:font script="Viet" typeface="Times New Roman"/>
+        <a:font script="Uigh" typeface="Microsoft Uighur"/>
       </a:minorFont>
     </a:fontScheme>
     <a:fmtScheme name="Office">
@@ -6182,7 +6489,7 @@
         </a:gradFill>
       </a:fillStyleLst>
       <a:lnStyleLst>
-        <a:ln w="9525" algn="ctr" cap="flat" cmpd="sng">
+        <a:ln w="9525" cap="flat" cmpd="sng" algn="ctr">
           <a:solidFill>
             <a:schemeClr val="phClr">
               <a:shade val="95000"/>
@@ -6191,13 +6498,13 @@
           </a:solidFill>
           <a:prstDash val="solid"/>
         </a:ln>
-        <a:ln w="25400" algn="ctr" cap="flat" cmpd="sng">
+        <a:ln w="25400" cap="flat" cmpd="sng" algn="ctr">
           <a:solidFill>
             <a:schemeClr val="phClr"/>
           </a:solidFill>
           <a:prstDash val="solid"/>
         </a:ln>
-        <a:ln w="38100" algn="ctr" cap="flat" cmpd="sng">
+        <a:ln w="38100" cap="flat" cmpd="sng" algn="ctr">
           <a:solidFill>
             <a:schemeClr val="phClr"/>
           </a:solidFill>
@@ -6207,7 +6514,7 @@
       <a:effectStyleLst>
         <a:effectStyle>
           <a:effectLst>
-            <a:outerShdw rotWithShape="0" dir="5400000" blurRad="40000" dist="20000">
+            <a:outerShdw blurRad="40000" dist="20000" dir="5400000" rotWithShape="0">
               <a:srgbClr val="000000">
                 <a:alpha val="38000"/>
               </a:srgbClr>
@@ -6216,7 +6523,7 @@
         </a:effectStyle>
         <a:effectStyle>
           <a:effectLst>
-            <a:outerShdw rotWithShape="0" dir="5400000" blurRad="40000" dist="23000">
+            <a:outerShdw blurRad="40000" dist="23000" dir="5400000" rotWithShape="0">
               <a:srgbClr val="000000">
                 <a:alpha val="35000"/>
               </a:srgbClr>
@@ -6225,7 +6532,7 @@
         </a:effectStyle>
         <a:effectStyle>
           <a:effectLst>
-            <a:outerShdw rotWithShape="0" dir="5400000" blurRad="40000" dist="23000">
+            <a:outerShdw blurRad="40000" dist="23000" dir="5400000" rotWithShape="0">
               <a:srgbClr val="000000">
                 <a:alpha val="35000"/>
               </a:srgbClr>
@@ -6233,10 +6540,10 @@
           </a:effectLst>
           <a:scene3d>
             <a:camera prst="orthographicFront">
-              <a:rot rev="0" lon="0" lat="0"/>
+              <a:rot lat="0" lon="0" rev="0"/>
             </a:camera>
-            <a:lightRig dir="t" rig="threePt">
-              <a:rot rev="1200000" lon="0" lat="0"/>
+            <a:lightRig rig="threePt" dir="t">
+              <a:rot lat="0" lon="0" rev="1200000"/>
             </a:lightRig>
           </a:scene3d>
           <a:sp3d>
@@ -6271,7 +6578,7 @@
             </a:gs>
           </a:gsLst>
           <a:path path="circle">
-            <a:fillToRect t="-80000" b="180000" r="50000" l="50000"/>
+            <a:fillToRect l="50000" t="-80000" r="50000" b="180000"/>
           </a:path>
         </a:gradFill>
         <a:gradFill rotWithShape="1">
@@ -6290,54 +6597,56 @@
             </a:gs>
           </a:gsLst>
           <a:path path="circle">
-            <a:fillToRect t="50000" b="50000" r="50000" l="50000"/>
+            <a:fillToRect l="50000" t="50000" r="50000" b="50000"/>
           </a:path>
         </a:gradFill>
       </a:bgFillStyleLst>
     </a:fmtScheme>
   </a:themeElements>
+  <a:objectDefaults/>
+  <a:extraClrSchemeLst/>
 </a:theme>
 </file>
 
 <file path=ppt/theme/theme2.xml><?xml version="1.0" encoding="utf-8"?>
-<a:theme xmlns:a="http://schemas.openxmlformats.org/drawingml/2006/main" xmlns:r="http://schemas.openxmlformats.org/officeDocument/2006/relationships" name="Office Theme">
+<a:theme xmlns:a="http://schemas.openxmlformats.org/drawingml/2006/main" name="Custom Theme">
   <a:themeElements>
-    <a:clrScheme name="Office">
+    <a:clrScheme name="Default">
       <a:dk1>
-        <a:sysClr val="windowText" lastClr="000000"/>
+        <a:srgbClr val="000000"/>
       </a:dk1>
       <a:lt1>
-        <a:sysClr val="window" lastClr="FFFFFF"/>
+        <a:srgbClr val="FFFFFF"/>
       </a:lt1>
       <a:dk2>
-        <a:srgbClr val="1F497D"/>
+        <a:srgbClr val="158158"/>
       </a:dk2>
       <a:lt2>
-        <a:srgbClr val="EEECE1"/>
+        <a:srgbClr val="F3F3F3"/>
       </a:lt2>
       <a:accent1>
-        <a:srgbClr val="4F81BD"/>
+        <a:srgbClr val="058DC7"/>
       </a:accent1>
       <a:accent2>
-        <a:srgbClr val="C0504D"/>
+        <a:srgbClr val="50B432"/>
       </a:accent2>
       <a:accent3>
-        <a:srgbClr val="9BBB59"/>
+        <a:srgbClr val="ED561B"/>
       </a:accent3>
       <a:accent4>
-        <a:srgbClr val="8064A2"/>
+        <a:srgbClr val="EDEF00"/>
       </a:accent4>
       <a:accent5>
-        <a:srgbClr val="4BACC6"/>
+        <a:srgbClr val="24CBE5"/>
       </a:accent5>
       <a:accent6>
-        <a:srgbClr val="F79646"/>
+        <a:srgbClr val="64E572"/>
       </a:accent6>
       <a:hlink>
-        <a:srgbClr val="0000FF"/>
+        <a:srgbClr val="2200CC"/>
       </a:hlink>
       <a:folHlink>
-        <a:srgbClr val="800080"/>
+        <a:srgbClr val="551A8B"/>
       </a:folHlink>
     </a:clrScheme>
     <a:fontScheme name="Office">
@@ -6345,69 +6654,69 @@
         <a:latin typeface="Arial"/>
         <a:ea typeface=""/>
         <a:cs typeface=""/>
-        <a:font typeface="ＭＳ Ｐゴシック" script="Jpan"/>
-        <a:font typeface="맑은 고딕" script="Hang"/>
-        <a:font typeface="宋体" script="Hans"/>
-        <a:font typeface="新細明體" script="Hant"/>
-        <a:font typeface="Times New Roman" script="Arab"/>
-        <a:font typeface="Times New Roman" script="Hebr"/>
-        <a:font typeface="Angsana New" script="Thai"/>
-        <a:font typeface="Nyala" script="Ethi"/>
-        <a:font typeface="Vrinda" script="Beng"/>
-        <a:font typeface="Shruti" script="Gujr"/>
-        <a:font typeface="MoolBoran" script="Khmr"/>
-        <a:font typeface="Tunga" script="Knda"/>
-        <a:font typeface="Raavi" script="Guru"/>
-        <a:font typeface="Euphemia" script="Cans"/>
-        <a:font typeface="Plantagenet Cherokee" script="Cher"/>
-        <a:font typeface="Microsoft Yi Baiti" script="Yiii"/>
-        <a:font typeface="Microsoft Himalaya" script="Tibt"/>
-        <a:font typeface="MV Boli" script="Thaa"/>
-        <a:font typeface="Mangal" script="Deva"/>
-        <a:font typeface="Gautami" script="Telu"/>
-        <a:font typeface="Latha" script="Taml"/>
-        <a:font typeface="Estrangelo Edessa" script="Syrc"/>
-        <a:font typeface="Kalinga" script="Orya"/>
-        <a:font typeface="Kartika" script="Mlym"/>
-        <a:font typeface="DokChampa" script="Laoo"/>
-        <a:font typeface="Iskoola Pota" script="Sinh"/>
-        <a:font typeface="Mongolian Baiti" script="Mong"/>
-        <a:font typeface="Times New Roman" script="Viet"/>
-        <a:font typeface="Microsoft Uighur" script="Uigh"/>
+        <a:font script="Jpan" typeface="ＭＳ Ｐゴシック"/>
+        <a:font script="Hang" typeface="맑은 고딕"/>
+        <a:font script="Hans" typeface="宋体"/>
+        <a:font script="Hant" typeface="新細明體"/>
+        <a:font script="Arab" typeface="Times New Roman"/>
+        <a:font script="Hebr" typeface="Times New Roman"/>
+        <a:font script="Thai" typeface="Angsana New"/>
+        <a:font script="Ethi" typeface="Nyala"/>
+        <a:font script="Beng" typeface="Vrinda"/>
+        <a:font script="Gujr" typeface="Shruti"/>
+        <a:font script="Khmr" typeface="MoolBoran"/>
+        <a:font script="Knda" typeface="Tunga"/>
+        <a:font script="Guru" typeface="Raavi"/>
+        <a:font script="Cans" typeface="Euphemia"/>
+        <a:font script="Cher" typeface="Plantagenet Cherokee"/>
+        <a:font script="Yiii" typeface="Microsoft Yi Baiti"/>
+        <a:font script="Tibt" typeface="Microsoft Himalaya"/>
+        <a:font script="Thaa" typeface="MV Boli"/>
+        <a:font script="Deva" typeface="Mangal"/>
+        <a:font script="Telu" typeface="Gautami"/>
+        <a:font script="Taml" typeface="Latha"/>
+        <a:font script="Syrc" typeface="Estrangelo Edessa"/>
+        <a:font script="Orya" typeface="Kalinga"/>
+        <a:font script="Mlym" typeface="Kartika"/>
+        <a:font script="Laoo" typeface="DokChampa"/>
+        <a:font script="Sinh" typeface="Iskoola Pota"/>
+        <a:font script="Mong" typeface="Mongolian Baiti"/>
+        <a:font script="Viet" typeface="Times New Roman"/>
+        <a:font script="Uigh" typeface="Microsoft Uighur"/>
       </a:majorFont>
       <a:minorFont>
         <a:latin typeface="Arial"/>
         <a:ea typeface=""/>
         <a:cs typeface=""/>
-        <a:font typeface="ＭＳ Ｐゴシック" script="Jpan"/>
-        <a:font typeface="맑은 고딕" script="Hang"/>
-        <a:font typeface="宋体" script="Hans"/>
-        <a:font typeface="新細明體" script="Hant"/>
-        <a:font typeface="Times New Roman" script="Arab"/>
-        <a:font typeface="Times New Roman" script="Hebr"/>
-        <a:font typeface="Angsana New" script="Thai"/>
-        <a:font typeface="Nyala" script="Ethi"/>
-        <a:font typeface="Vrinda" script="Beng"/>
-        <a:font typeface="Shruti" script="Gujr"/>
-        <a:font typeface="MoolBoran" script="Khmr"/>
-        <a:font typeface="Tunga" script="Knda"/>
-        <a:font typeface="Raavi" script="Guru"/>
-        <a:font typeface="Euphemia" script="Cans"/>
-        <a:font typeface="Plantagenet Cherokee" script="Cher"/>
-        <a:font typeface="Microsoft Yi Baiti" script="Yiii"/>
-        <a:font typeface="Microsoft Himalaya" script="Tibt"/>
-        <a:font typeface="MV Boli" script="Thaa"/>
-        <a:font typeface="Mangal" script="Deva"/>
-        <a:font typeface="Gautami" script="Telu"/>
-        <a:font typeface="Latha" script="Taml"/>
-        <a:font typeface="Estrangelo Edessa" script="Syrc"/>
-        <a:font typeface="Kalinga" script="Orya"/>
-        <a:font typeface="Kartika" script="Mlym"/>
-        <a:font typeface="DokChampa" script="Laoo"/>
-        <a:font typeface="Iskoola Pota" script="Sinh"/>
-        <a:font typeface="Mongolian Baiti" script="Mong"/>
-        <a:font typeface="Times New Roman" script="Viet"/>
-        <a:font typeface="Microsoft Uighur" script="Uigh"/>
+        <a:font script="Jpan" typeface="ＭＳ Ｐゴシック"/>
+        <a:font script="Hang" typeface="맑은 고딕"/>
+        <a:font script="Hans" typeface="宋体"/>
+        <a:font script="Hant" typeface="新細明體"/>
+        <a:font script="Arab" typeface="Times New Roman"/>
+        <a:font script="Hebr" typeface="Times New Roman"/>
+        <a:font script="Thai" typeface="Angsana New"/>
+        <a:font script="Ethi" typeface="Nyala"/>
+        <a:font script="Beng" typeface="Vrinda"/>
+        <a:font script="Gujr" typeface="Shruti"/>
+        <a:font script="Khmr" typeface="MoolBoran"/>
+        <a:font script="Knda" typeface="Tunga"/>
+        <a:font script="Guru" typeface="Raavi"/>
+        <a:font script="Cans" typeface="Euphemia"/>
+        <a:font script="Cher" typeface="Plantagenet Cherokee"/>
+        <a:font script="Yiii" typeface="Microsoft Yi Baiti"/>
+        <a:font script="Tibt" typeface="Microsoft Himalaya"/>
+        <a:font script="Thaa" typeface="MV Boli"/>
+        <a:font script="Deva" typeface="Mangal"/>
+        <a:font script="Telu" typeface="Gautami"/>
+        <a:font script="Taml" typeface="Latha"/>
+        <a:font script="Syrc" typeface="Estrangelo Edessa"/>
+        <a:font script="Orya" typeface="Kalinga"/>
+        <a:font script="Mlym" typeface="Kartika"/>
+        <a:font script="Laoo" typeface="DokChampa"/>
+        <a:font script="Sinh" typeface="Iskoola Pota"/>
+        <a:font script="Mong" typeface="Mongolian Baiti"/>
+        <a:font script="Viet" typeface="Times New Roman"/>
+        <a:font script="Uigh" typeface="Microsoft Uighur"/>
       </a:minorFont>
     </a:fontScheme>
     <a:fmtScheme name="Office">
@@ -6459,7 +6768,7 @@
         </a:gradFill>
       </a:fillStyleLst>
       <a:lnStyleLst>
-        <a:ln w="9525" algn="ctr" cap="flat" cmpd="sng">
+        <a:ln w="9525" cap="flat" cmpd="sng" algn="ctr">
           <a:solidFill>
             <a:schemeClr val="phClr">
               <a:shade val="95000"/>
@@ -6468,13 +6777,13 @@
           </a:solidFill>
           <a:prstDash val="solid"/>
         </a:ln>
-        <a:ln w="25400" algn="ctr" cap="flat" cmpd="sng">
+        <a:ln w="25400" cap="flat" cmpd="sng" algn="ctr">
           <a:solidFill>
             <a:schemeClr val="phClr"/>
           </a:solidFill>
           <a:prstDash val="solid"/>
         </a:ln>
-        <a:ln w="38100" algn="ctr" cap="flat" cmpd="sng">
+        <a:ln w="38100" cap="flat" cmpd="sng" algn="ctr">
           <a:solidFill>
             <a:schemeClr val="phClr"/>
           </a:solidFill>
@@ -6484,7 +6793,7 @@
       <a:effectStyleLst>
         <a:effectStyle>
           <a:effectLst>
-            <a:outerShdw rotWithShape="0" dir="5400000" blurRad="40000" dist="20000">
+            <a:outerShdw blurRad="40000" dist="20000" dir="5400000" rotWithShape="0">
               <a:srgbClr val="000000">
                 <a:alpha val="38000"/>
               </a:srgbClr>
@@ -6493,7 +6802,7 @@
         </a:effectStyle>
         <a:effectStyle>
           <a:effectLst>
-            <a:outerShdw rotWithShape="0" dir="5400000" blurRad="40000" dist="23000">
+            <a:outerShdw blurRad="40000" dist="23000" dir="5400000" rotWithShape="0">
               <a:srgbClr val="000000">
                 <a:alpha val="35000"/>
               </a:srgbClr>
@@ -6502,7 +6811,7 @@
         </a:effectStyle>
         <a:effectStyle>
           <a:effectLst>
-            <a:outerShdw rotWithShape="0" dir="5400000" blurRad="40000" dist="23000">
+            <a:outerShdw blurRad="40000" dist="23000" dir="5400000" rotWithShape="0">
               <a:srgbClr val="000000">
                 <a:alpha val="35000"/>
               </a:srgbClr>
@@ -6510,10 +6819,10 @@
           </a:effectLst>
           <a:scene3d>
             <a:camera prst="orthographicFront">
-              <a:rot rev="0" lon="0" lat="0"/>
+              <a:rot lat="0" lon="0" rev="0"/>
             </a:camera>
-            <a:lightRig dir="t" rig="threePt">
-              <a:rot rev="1200000" lon="0" lat="0"/>
+            <a:lightRig rig="threePt" dir="t">
+              <a:rot lat="0" lon="0" rev="1200000"/>
             </a:lightRig>
           </a:scene3d>
           <a:sp3d>
@@ -6548,7 +6857,7 @@
             </a:gs>
           </a:gsLst>
           <a:path path="circle">
-            <a:fillToRect t="-80000" b="180000" r="50000" l="50000"/>
+            <a:fillToRect l="50000" t="-80000" r="50000" b="180000"/>
           </a:path>
         </a:gradFill>
         <a:gradFill rotWithShape="1">
@@ -6567,328 +6876,13 @@
             </a:gs>
           </a:gsLst>
           <a:path path="circle">
-            <a:fillToRect t="50000" b="50000" r="50000" l="50000"/>
+            <a:fillToRect l="50000" t="50000" r="50000" b="50000"/>
           </a:path>
         </a:gradFill>
       </a:bgFillStyleLst>
     </a:fmtScheme>
   </a:themeElements>
-  <a:objectDefaults>
-    <a:spDef>
-      <a:spPr/>
-      <a:bodyPr/>
-      <a:lstStyle/>
-      <a:style>
-        <a:lnRef idx="1">
-          <a:schemeClr val="accent1"/>
-        </a:lnRef>
-        <a:fillRef idx="3">
-          <a:schemeClr val="accent1"/>
-        </a:fillRef>
-        <a:effectRef idx="2">
-          <a:schemeClr val="accent1"/>
-        </a:effectRef>
-        <a:fontRef idx="minor">
-          <a:schemeClr val="lt1"/>
-        </a:fontRef>
-      </a:style>
-    </a:spDef>
-    <a:lnDef>
-      <a:spPr/>
-      <a:bodyPr/>
-      <a:lstStyle/>
-      <a:style>
-        <a:lnRef idx="2">
-          <a:schemeClr val="accent1"/>
-        </a:lnRef>
-        <a:fillRef idx="0">
-          <a:schemeClr val="accent1"/>
-        </a:fillRef>
-        <a:effectRef idx="1">
-          <a:schemeClr val="accent1"/>
-        </a:effectRef>
-        <a:fontRef idx="minor">
-          <a:schemeClr val="tx1"/>
-        </a:fontRef>
-      </a:style>
-    </a:lnDef>
-  </a:objectDefaults>
-</a:theme>
-</file>
-
-<file path=ppt/theme/theme3.xml><?xml version="1.0" encoding="utf-8"?>
-<a:theme xmlns:a="http://schemas.openxmlformats.org/drawingml/2006/main" xmlns:r="http://schemas.openxmlformats.org/officeDocument/2006/relationships" name="Custom Theme">
-  <a:themeElements>
-    <a:clrScheme name="Default">
-      <a:dk1>
-        <a:srgbClr val="000000"/>
-      </a:dk1>
-      <a:lt1>
-        <a:srgbClr val="FFFFFF"/>
-      </a:lt1>
-      <a:dk2>
-        <a:srgbClr val="158158"/>
-      </a:dk2>
-      <a:lt2>
-        <a:srgbClr val="F3F3F3"/>
-      </a:lt2>
-      <a:accent1>
-        <a:srgbClr val="058DC7"/>
-      </a:accent1>
-      <a:accent2>
-        <a:srgbClr val="50B432"/>
-      </a:accent2>
-      <a:accent3>
-        <a:srgbClr val="ED561B"/>
-      </a:accent3>
-      <a:accent4>
-        <a:srgbClr val="EDEF00"/>
-      </a:accent4>
-      <a:accent5>
-        <a:srgbClr val="24CBE5"/>
-      </a:accent5>
-      <a:accent6>
-        <a:srgbClr val="64E572"/>
-      </a:accent6>
-      <a:hlink>
-        <a:srgbClr val="2200CC"/>
-      </a:hlink>
-      <a:folHlink>
-        <a:srgbClr val="551A8B"/>
-      </a:folHlink>
-    </a:clrScheme>
-    <a:fontScheme name="Office">
-      <a:majorFont>
-        <a:latin typeface="Arial"/>
-        <a:ea typeface=""/>
-        <a:cs typeface=""/>
-        <a:font typeface="ＭＳ Ｐゴシック" script="Jpan"/>
-        <a:font typeface="맑은 고딕" script="Hang"/>
-        <a:font typeface="宋体" script="Hans"/>
-        <a:font typeface="新細明體" script="Hant"/>
-        <a:font typeface="Times New Roman" script="Arab"/>
-        <a:font typeface="Times New Roman" script="Hebr"/>
-        <a:font typeface="Angsana New" script="Thai"/>
-        <a:font typeface="Nyala" script="Ethi"/>
-        <a:font typeface="Vrinda" script="Beng"/>
-        <a:font typeface="Shruti" script="Gujr"/>
-        <a:font typeface="MoolBoran" script="Khmr"/>
-        <a:font typeface="Tunga" script="Knda"/>
-        <a:font typeface="Raavi" script="Guru"/>
-        <a:font typeface="Euphemia" script="Cans"/>
-        <a:font typeface="Plantagenet Cherokee" script="Cher"/>
-        <a:font typeface="Microsoft Yi Baiti" script="Yiii"/>
-        <a:font typeface="Microsoft Himalaya" script="Tibt"/>
-        <a:font typeface="MV Boli" script="Thaa"/>
-        <a:font typeface="Mangal" script="Deva"/>
-        <a:font typeface="Gautami" script="Telu"/>
-        <a:font typeface="Latha" script="Taml"/>
-        <a:font typeface="Estrangelo Edessa" script="Syrc"/>
-        <a:font typeface="Kalinga" script="Orya"/>
-        <a:font typeface="Kartika" script="Mlym"/>
-        <a:font typeface="DokChampa" script="Laoo"/>
-        <a:font typeface="Iskoola Pota" script="Sinh"/>
-        <a:font typeface="Mongolian Baiti" script="Mong"/>
-        <a:font typeface="Times New Roman" script="Viet"/>
-        <a:font typeface="Microsoft Uighur" script="Uigh"/>
-      </a:majorFont>
-      <a:minorFont>
-        <a:latin typeface="Arial"/>
-        <a:ea typeface=""/>
-        <a:cs typeface=""/>
-        <a:font typeface="ＭＳ Ｐゴシック" script="Jpan"/>
-        <a:font typeface="맑은 고딕" script="Hang"/>
-        <a:font typeface="宋体" script="Hans"/>
-        <a:font typeface="新細明體" script="Hant"/>
-        <a:font typeface="Times New Roman" script="Arab"/>
-        <a:font typeface="Times New Roman" script="Hebr"/>
-        <a:font typeface="Angsana New" script="Thai"/>
-        <a:font typeface="Nyala" script="Ethi"/>
-        <a:font typeface="Vrinda" script="Beng"/>
-        <a:font typeface="Shruti" script="Gujr"/>
-        <a:font typeface="MoolBoran" script="Khmr"/>
-        <a:font typeface="Tunga" script="Knda"/>
-        <a:font typeface="Raavi" script="Guru"/>
-        <a:font typeface="Euphemia" script="Cans"/>
-        <a:font typeface="Plantagenet Cherokee" script="Cher"/>
-        <a:font typeface="Microsoft Yi Baiti" script="Yiii"/>
-        <a:font typeface="Microsoft Himalaya" script="Tibt"/>
-        <a:font typeface="MV Boli" script="Thaa"/>
-        <a:font typeface="Mangal" script="Deva"/>
-        <a:font typeface="Gautami" script="Telu"/>
-        <a:font typeface="Latha" script="Taml"/>
-        <a:font typeface="Estrangelo Edessa" script="Syrc"/>
-        <a:font typeface="Kalinga" script="Orya"/>
-        <a:font typeface="Kartika" script="Mlym"/>
-        <a:font typeface="DokChampa" script="Laoo"/>
-        <a:font typeface="Iskoola Pota" script="Sinh"/>
-        <a:font typeface="Mongolian Baiti" script="Mong"/>
-        <a:font typeface="Times New Roman" script="Viet"/>
-        <a:font typeface="Microsoft Uighur" script="Uigh"/>
-      </a:minorFont>
-    </a:fontScheme>
-    <a:fmtScheme name="Office">
-      <a:fillStyleLst>
-        <a:solidFill>
-          <a:schemeClr val="phClr"/>
-        </a:solidFill>
-        <a:gradFill rotWithShape="1">
-          <a:gsLst>
-            <a:gs pos="0">
-              <a:schemeClr val="phClr">
-                <a:tint val="50000"/>
-                <a:satMod val="300000"/>
-              </a:schemeClr>
-            </a:gs>
-            <a:gs pos="35000">
-              <a:schemeClr val="phClr">
-                <a:tint val="37000"/>
-                <a:satMod val="300000"/>
-              </a:schemeClr>
-            </a:gs>
-            <a:gs pos="100000">
-              <a:schemeClr val="phClr">
-                <a:tint val="15000"/>
-                <a:satMod val="350000"/>
-              </a:schemeClr>
-            </a:gs>
-          </a:gsLst>
-          <a:lin ang="16200000" scaled="1"/>
-        </a:gradFill>
-        <a:gradFill rotWithShape="1">
-          <a:gsLst>
-            <a:gs pos="0">
-              <a:schemeClr val="phClr">
-                <a:tint val="100000"/>
-                <a:shade val="100000"/>
-                <a:satMod val="130000"/>
-              </a:schemeClr>
-            </a:gs>
-            <a:gs pos="100000">
-              <a:schemeClr val="phClr">
-                <a:tint val="50000"/>
-                <a:shade val="100000"/>
-                <a:satMod val="350000"/>
-              </a:schemeClr>
-            </a:gs>
-          </a:gsLst>
-          <a:lin ang="16200000" scaled="0"/>
-        </a:gradFill>
-      </a:fillStyleLst>
-      <a:lnStyleLst>
-        <a:ln w="9525" algn="ctr" cap="flat" cmpd="sng">
-          <a:solidFill>
-            <a:schemeClr val="phClr">
-              <a:shade val="95000"/>
-              <a:satMod val="105000"/>
-            </a:schemeClr>
-          </a:solidFill>
-          <a:prstDash val="solid"/>
-        </a:ln>
-        <a:ln w="25400" algn="ctr" cap="flat" cmpd="sng">
-          <a:solidFill>
-            <a:schemeClr val="phClr"/>
-          </a:solidFill>
-          <a:prstDash val="solid"/>
-        </a:ln>
-        <a:ln w="38100" algn="ctr" cap="flat" cmpd="sng">
-          <a:solidFill>
-            <a:schemeClr val="phClr"/>
-          </a:solidFill>
-          <a:prstDash val="solid"/>
-        </a:ln>
-      </a:lnStyleLst>
-      <a:effectStyleLst>
-        <a:effectStyle>
-          <a:effectLst>
-            <a:outerShdw rotWithShape="0" dir="5400000" blurRad="40000" dist="20000">
-              <a:srgbClr val="000000">
-                <a:alpha val="38000"/>
-              </a:srgbClr>
-            </a:outerShdw>
-          </a:effectLst>
-        </a:effectStyle>
-        <a:effectStyle>
-          <a:effectLst>
-            <a:outerShdw rotWithShape="0" dir="5400000" blurRad="40000" dist="23000">
-              <a:srgbClr val="000000">
-                <a:alpha val="35000"/>
-              </a:srgbClr>
-            </a:outerShdw>
-          </a:effectLst>
-        </a:effectStyle>
-        <a:effectStyle>
-          <a:effectLst>
-            <a:outerShdw rotWithShape="0" dir="5400000" blurRad="40000" dist="23000">
-              <a:srgbClr val="000000">
-                <a:alpha val="35000"/>
-              </a:srgbClr>
-            </a:outerShdw>
-          </a:effectLst>
-          <a:scene3d>
-            <a:camera prst="orthographicFront">
-              <a:rot rev="0" lon="0" lat="0"/>
-            </a:camera>
-            <a:lightRig dir="t" rig="threePt">
-              <a:rot rev="1200000" lon="0" lat="0"/>
-            </a:lightRig>
-          </a:scene3d>
-          <a:sp3d>
-            <a:bevelT w="63500" h="25400"/>
-          </a:sp3d>
-        </a:effectStyle>
-      </a:effectStyleLst>
-      <a:bgFillStyleLst>
-        <a:solidFill>
-          <a:schemeClr val="phClr"/>
-        </a:solidFill>
-        <a:gradFill rotWithShape="1">
-          <a:gsLst>
-            <a:gs pos="0">
-              <a:schemeClr val="phClr">
-                <a:tint val="40000"/>
-                <a:satMod val="350000"/>
-              </a:schemeClr>
-            </a:gs>
-            <a:gs pos="40000">
-              <a:schemeClr val="phClr">
-                <a:tint val="45000"/>
-                <a:shade val="99000"/>
-                <a:satMod val="350000"/>
-              </a:schemeClr>
-            </a:gs>
-            <a:gs pos="100000">
-              <a:schemeClr val="phClr">
-                <a:shade val="20000"/>
-                <a:satMod val="255000"/>
-              </a:schemeClr>
-            </a:gs>
-          </a:gsLst>
-          <a:path path="circle">
-            <a:fillToRect t="-80000" b="180000" r="50000" l="50000"/>
-          </a:path>
-        </a:gradFill>
-        <a:gradFill rotWithShape="1">
-          <a:gsLst>
-            <a:gs pos="0">
-              <a:schemeClr val="phClr">
-                <a:tint val="80000"/>
-                <a:satMod val="300000"/>
-              </a:schemeClr>
-            </a:gs>
-            <a:gs pos="100000">
-              <a:schemeClr val="phClr">
-                <a:shade val="30000"/>
-                <a:satMod val="200000"/>
-              </a:schemeClr>
-            </a:gs>
-          </a:gsLst>
-          <a:path path="circle">
-            <a:fillToRect t="50000" b="50000" r="50000" l="50000"/>
-          </a:path>
-        </a:gradFill>
-      </a:bgFillStyleLst>
-    </a:fmtScheme>
-  </a:themeElements>
+  <a:objectDefaults/>
+  <a:extraClrSchemeLst/>
 </a:theme>
 </file>